--- a/Capstone Project Phase B - 24-1-D-29.pptx
+++ b/Capstone Project Phase B - 24-1-D-29.pptx
@@ -5,7 +5,7 @@
     <p:sldMasterId id="2147483660" r:id="rId1"/>
   </p:sldMasterIdLst>
   <p:notesMasterIdLst>
-    <p:notesMasterId r:id="rId12"/>
+    <p:notesMasterId r:id="rId14"/>
   </p:notesMasterIdLst>
   <p:sldIdLst>
     <p:sldId id="256" r:id="rId2"/>
@@ -13,11 +13,13 @@
     <p:sldId id="258" r:id="rId4"/>
     <p:sldId id="259" r:id="rId5"/>
     <p:sldId id="260" r:id="rId6"/>
-    <p:sldId id="261" r:id="rId7"/>
-    <p:sldId id="262" r:id="rId8"/>
-    <p:sldId id="263" r:id="rId9"/>
-    <p:sldId id="264" r:id="rId10"/>
-    <p:sldId id="265" r:id="rId11"/>
+    <p:sldId id="266" r:id="rId7"/>
+    <p:sldId id="267" r:id="rId8"/>
+    <p:sldId id="261" r:id="rId9"/>
+    <p:sldId id="262" r:id="rId10"/>
+    <p:sldId id="263" r:id="rId11"/>
+    <p:sldId id="264" r:id="rId12"/>
+    <p:sldId id="265" r:id="rId13"/>
   </p:sldIdLst>
   <p:sldSz cx="12192000" cy="6858000"/>
   <p:notesSz cx="6858000" cy="9144000"/>
@@ -130,269 +132,6 @@
     <p1510:client id="{83D5AC06-E3D7-4547-B447-0B9384011DD3}" v="20" dt="2024-09-11T11:52:42.697"/>
   </p1510:revLst>
 </p1510:revInfo>
-</file>
-
-<file path=ppt/changesInfos/changesInfo1.xml><?xml version="1.0" encoding="utf-8"?>
-<pc:chgInfo xmlns:a="http://schemas.openxmlformats.org/drawingml/2006/main" xmlns:r="http://schemas.openxmlformats.org/officeDocument/2006/relationships" xmlns:ac="http://schemas.microsoft.com/office/drawing/2013/main/command" xmlns:pc="http://schemas.microsoft.com/office/powerpoint/2013/main/command">
-  <pc:docChgLst>
-    <pc:chgData name="Baruch, Ben" userId="7d648124-6238-404e-807f-43520601a438" providerId="ADAL" clId="{83D5AC06-E3D7-4547-B447-0B9384011DD3}"/>
-    <pc:docChg chg="undo redo custSel addSld modSld sldOrd">
-      <pc:chgData name="Baruch, Ben" userId="7d648124-6238-404e-807f-43520601a438" providerId="ADAL" clId="{83D5AC06-E3D7-4547-B447-0B9384011DD3}" dt="2024-09-11T11:58:01.992" v="373" actId="113"/>
-      <pc:docMkLst>
-        <pc:docMk/>
-      </pc:docMkLst>
-      <pc:sldChg chg="modSp mod">
-        <pc:chgData name="Baruch, Ben" userId="7d648124-6238-404e-807f-43520601a438" providerId="ADAL" clId="{83D5AC06-E3D7-4547-B447-0B9384011DD3}" dt="2024-09-11T11:58:01.992" v="373" actId="113"/>
-        <pc:sldMkLst>
-          <pc:docMk/>
-          <pc:sldMk cId="2521538384" sldId="256"/>
-        </pc:sldMkLst>
-        <pc:spChg chg="mod">
-          <ac:chgData name="Baruch, Ben" userId="7d648124-6238-404e-807f-43520601a438" providerId="ADAL" clId="{83D5AC06-E3D7-4547-B447-0B9384011DD3}" dt="2024-09-11T11:58:01.992" v="373" actId="113"/>
-          <ac:spMkLst>
-            <pc:docMk/>
-            <pc:sldMk cId="2521538384" sldId="256"/>
-            <ac:spMk id="7" creationId="{7227CC18-81C3-054A-4E39-B445766BF1F2}"/>
-          </ac:spMkLst>
-        </pc:spChg>
-      </pc:sldChg>
-      <pc:sldChg chg="modSp mod">
-        <pc:chgData name="Baruch, Ben" userId="7d648124-6238-404e-807f-43520601a438" providerId="ADAL" clId="{83D5AC06-E3D7-4547-B447-0B9384011DD3}" dt="2024-09-11T11:56:55.033" v="360" actId="400"/>
-        <pc:sldMkLst>
-          <pc:docMk/>
-          <pc:sldMk cId="1428274495" sldId="257"/>
-        </pc:sldMkLst>
-        <pc:spChg chg="mod">
-          <ac:chgData name="Baruch, Ben" userId="7d648124-6238-404e-807f-43520601a438" providerId="ADAL" clId="{83D5AC06-E3D7-4547-B447-0B9384011DD3}" dt="2024-09-11T11:56:55.033" v="360" actId="400"/>
-          <ac:spMkLst>
-            <pc:docMk/>
-            <pc:sldMk cId="1428274495" sldId="257"/>
-            <ac:spMk id="4" creationId="{8C407079-9495-E254-3AB7-C1EF60E75F33}"/>
-          </ac:spMkLst>
-        </pc:spChg>
-      </pc:sldChg>
-      <pc:sldChg chg="modSp mod">
-        <pc:chgData name="Baruch, Ben" userId="7d648124-6238-404e-807f-43520601a438" providerId="ADAL" clId="{83D5AC06-E3D7-4547-B447-0B9384011DD3}" dt="2024-09-11T11:57:12.916" v="363" actId="20577"/>
-        <pc:sldMkLst>
-          <pc:docMk/>
-          <pc:sldMk cId="805009826" sldId="260"/>
-        </pc:sldMkLst>
-        <pc:spChg chg="mod">
-          <ac:chgData name="Baruch, Ben" userId="7d648124-6238-404e-807f-43520601a438" providerId="ADAL" clId="{83D5AC06-E3D7-4547-B447-0B9384011DD3}" dt="2024-09-11T11:57:12.916" v="363" actId="20577"/>
-          <ac:spMkLst>
-            <pc:docMk/>
-            <pc:sldMk cId="805009826" sldId="260"/>
-            <ac:spMk id="2" creationId="{29637FF6-2210-9469-07B3-D36E0B53EBFB}"/>
-          </ac:spMkLst>
-        </pc:spChg>
-      </pc:sldChg>
-      <pc:sldChg chg="addSp delSp modSp add mod ord modNotesTx">
-        <pc:chgData name="Baruch, Ben" userId="7d648124-6238-404e-807f-43520601a438" providerId="ADAL" clId="{83D5AC06-E3D7-4547-B447-0B9384011DD3}" dt="2024-09-11T11:19:38.361" v="58" actId="403"/>
-        <pc:sldMkLst>
-          <pc:docMk/>
-          <pc:sldMk cId="1196784971" sldId="262"/>
-        </pc:sldMkLst>
-        <pc:spChg chg="mod">
-          <ac:chgData name="Baruch, Ben" userId="7d648124-6238-404e-807f-43520601a438" providerId="ADAL" clId="{83D5AC06-E3D7-4547-B447-0B9384011DD3}" dt="2024-09-11T11:14:09.728" v="18" actId="20577"/>
-          <ac:spMkLst>
-            <pc:docMk/>
-            <pc:sldMk cId="1196784971" sldId="262"/>
-            <ac:spMk id="2" creationId="{29637FF6-2210-9469-07B3-D36E0B53EBFB}"/>
-          </ac:spMkLst>
-        </pc:spChg>
-        <pc:spChg chg="add">
-          <ac:chgData name="Baruch, Ben" userId="7d648124-6238-404e-807f-43520601a438" providerId="ADAL" clId="{83D5AC06-E3D7-4547-B447-0B9384011DD3}" dt="2024-09-11T11:15:26.237" v="25"/>
-          <ac:spMkLst>
-            <pc:docMk/>
-            <pc:sldMk cId="1196784971" sldId="262"/>
-            <ac:spMk id="3" creationId="{E0B8D075-5055-8962-69B8-2FB02AAC2FFE}"/>
-          </ac:spMkLst>
-        </pc:spChg>
-        <pc:spChg chg="add">
-          <ac:chgData name="Baruch, Ben" userId="7d648124-6238-404e-807f-43520601a438" providerId="ADAL" clId="{83D5AC06-E3D7-4547-B447-0B9384011DD3}" dt="2024-09-11T11:15:33.726" v="26"/>
-          <ac:spMkLst>
-            <pc:docMk/>
-            <pc:sldMk cId="1196784971" sldId="262"/>
-            <ac:spMk id="4" creationId="{ECF1FFF2-4888-E259-F03A-F4AF006435C4}"/>
-          </ac:spMkLst>
-        </pc:spChg>
-        <pc:spChg chg="mod">
-          <ac:chgData name="Baruch, Ben" userId="7d648124-6238-404e-807f-43520601a438" providerId="ADAL" clId="{83D5AC06-E3D7-4547-B447-0B9384011DD3}" dt="2024-09-11T11:16:33.113" v="37" actId="14100"/>
-          <ac:spMkLst>
-            <pc:docMk/>
-            <pc:sldMk cId="1196784971" sldId="262"/>
-            <ac:spMk id="6" creationId="{95DAB734-8C22-2C6D-7F38-8ADD1A67890C}"/>
-          </ac:spMkLst>
-        </pc:spChg>
-        <pc:spChg chg="add mod">
-          <ac:chgData name="Baruch, Ben" userId="7d648124-6238-404e-807f-43520601a438" providerId="ADAL" clId="{83D5AC06-E3D7-4547-B447-0B9384011DD3}" dt="2024-09-11T11:19:38.361" v="58" actId="403"/>
-          <ac:spMkLst>
-            <pc:docMk/>
-            <pc:sldMk cId="1196784971" sldId="262"/>
-            <ac:spMk id="8" creationId="{1D335D64-7839-9DB5-0AE2-2878897876A5}"/>
-          </ac:spMkLst>
-        </pc:spChg>
-        <pc:spChg chg="add">
-          <ac:chgData name="Baruch, Ben" userId="7d648124-6238-404e-807f-43520601a438" providerId="ADAL" clId="{83D5AC06-E3D7-4547-B447-0B9384011DD3}" dt="2024-09-11T11:19:12.654" v="47"/>
-          <ac:spMkLst>
-            <pc:docMk/>
-            <pc:sldMk cId="1196784971" sldId="262"/>
-            <ac:spMk id="9" creationId="{700E3BFB-E494-4990-C3D5-11F07E57963C}"/>
-          </ac:spMkLst>
-        </pc:spChg>
-        <pc:picChg chg="add del mod">
-          <ac:chgData name="Baruch, Ben" userId="7d648124-6238-404e-807f-43520601a438" providerId="ADAL" clId="{83D5AC06-E3D7-4547-B447-0B9384011DD3}" dt="2024-09-11T11:17:57.326" v="40" actId="478"/>
-          <ac:picMkLst>
-            <pc:docMk/>
-            <pc:sldMk cId="1196784971" sldId="262"/>
-            <ac:picMk id="7" creationId="{79CBFA14-F831-1920-1FBC-F9D0CFB49CB4}"/>
-          </ac:picMkLst>
-        </pc:picChg>
-        <pc:picChg chg="add mod">
-          <ac:chgData name="Baruch, Ben" userId="7d648124-6238-404e-807f-43520601a438" providerId="ADAL" clId="{83D5AC06-E3D7-4547-B447-0B9384011DD3}" dt="2024-09-11T11:18:05.821" v="45" actId="1076"/>
-          <ac:picMkLst>
-            <pc:docMk/>
-            <pc:sldMk cId="1196784971" sldId="262"/>
-            <ac:picMk id="1030" creationId="{A1741B71-C84D-D4CE-A3D8-810B9A0DDAEA}"/>
-          </ac:picMkLst>
-        </pc:picChg>
-      </pc:sldChg>
-      <pc:sldChg chg="addSp modSp add mod ord modNotesTx">
-        <pc:chgData name="Baruch, Ben" userId="7d648124-6238-404e-807f-43520601a438" providerId="ADAL" clId="{83D5AC06-E3D7-4547-B447-0B9384011DD3}" dt="2024-09-11T11:43:19.789" v="169"/>
-        <pc:sldMkLst>
-          <pc:docMk/>
-          <pc:sldMk cId="2959479519" sldId="263"/>
-        </pc:sldMkLst>
-        <pc:spChg chg="mod">
-          <ac:chgData name="Baruch, Ben" userId="7d648124-6238-404e-807f-43520601a438" providerId="ADAL" clId="{83D5AC06-E3D7-4547-B447-0B9384011DD3}" dt="2024-09-11T11:29:58.985" v="88" actId="20577"/>
-          <ac:spMkLst>
-            <pc:docMk/>
-            <pc:sldMk cId="2959479519" sldId="263"/>
-            <ac:spMk id="2" creationId="{29637FF6-2210-9469-07B3-D36E0B53EBFB}"/>
-          </ac:spMkLst>
-        </pc:spChg>
-        <pc:spChg chg="add">
-          <ac:chgData name="Baruch, Ben" userId="7d648124-6238-404e-807f-43520601a438" providerId="ADAL" clId="{83D5AC06-E3D7-4547-B447-0B9384011DD3}" dt="2024-09-11T11:41:53.763" v="133"/>
-          <ac:spMkLst>
-            <pc:docMk/>
-            <pc:sldMk cId="2959479519" sldId="263"/>
-            <ac:spMk id="3" creationId="{D9E73B4E-5BEC-552C-A0E1-BB04E8A39329}"/>
-          </ac:spMkLst>
-        </pc:spChg>
-        <pc:spChg chg="mod">
-          <ac:chgData name="Baruch, Ben" userId="7d648124-6238-404e-807f-43520601a438" providerId="ADAL" clId="{83D5AC06-E3D7-4547-B447-0B9384011DD3}" dt="2024-09-11T11:42:23.649" v="147" actId="115"/>
-          <ac:spMkLst>
-            <pc:docMk/>
-            <pc:sldMk cId="2959479519" sldId="263"/>
-            <ac:spMk id="6" creationId="{95DAB734-8C22-2C6D-7F38-8ADD1A67890C}"/>
-          </ac:spMkLst>
-        </pc:spChg>
-      </pc:sldChg>
-      <pc:sldChg chg="addSp modSp add mod modNotesTx">
-        <pc:chgData name="Baruch, Ben" userId="7d648124-6238-404e-807f-43520601a438" providerId="ADAL" clId="{83D5AC06-E3D7-4547-B447-0B9384011DD3}" dt="2024-09-11T11:56:38.029" v="359" actId="20577"/>
-        <pc:sldMkLst>
-          <pc:docMk/>
-          <pc:sldMk cId="2308821300" sldId="264"/>
-        </pc:sldMkLst>
-        <pc:spChg chg="mod">
-          <ac:chgData name="Baruch, Ben" userId="7d648124-6238-404e-807f-43520601a438" providerId="ADAL" clId="{83D5AC06-E3D7-4547-B447-0B9384011DD3}" dt="2024-09-11T11:50:28.488" v="203" actId="20577"/>
-          <ac:spMkLst>
-            <pc:docMk/>
-            <pc:sldMk cId="2308821300" sldId="264"/>
-            <ac:spMk id="2" creationId="{29637FF6-2210-9469-07B3-D36E0B53EBFB}"/>
-          </ac:spMkLst>
-        </pc:spChg>
-        <pc:spChg chg="add">
-          <ac:chgData name="Baruch, Ben" userId="7d648124-6238-404e-807f-43520601a438" providerId="ADAL" clId="{83D5AC06-E3D7-4547-B447-0B9384011DD3}" dt="2024-09-11T11:52:40.805" v="215"/>
-          <ac:spMkLst>
-            <pc:docMk/>
-            <pc:sldMk cId="2308821300" sldId="264"/>
-            <ac:spMk id="3" creationId="{C4065EDB-4256-1B0F-170D-64D8EB2193E5}"/>
-          </ac:spMkLst>
-        </pc:spChg>
-        <pc:spChg chg="mod">
-          <ac:chgData name="Baruch, Ben" userId="7d648124-6238-404e-807f-43520601a438" providerId="ADAL" clId="{83D5AC06-E3D7-4547-B447-0B9384011DD3}" dt="2024-09-11T11:53:42.094" v="273" actId="20577"/>
-          <ac:spMkLst>
-            <pc:docMk/>
-            <pc:sldMk cId="2308821300" sldId="264"/>
-            <ac:spMk id="6" creationId="{95DAB734-8C22-2C6D-7F38-8ADD1A67890C}"/>
-          </ac:spMkLst>
-        </pc:spChg>
-      </pc:sldChg>
-      <pc:sldChg chg="addSp delSp modSp add mod setBg addAnim delAnim modNotesTx">
-        <pc:chgData name="Baruch, Ben" userId="7d648124-6238-404e-807f-43520601a438" providerId="ADAL" clId="{83D5AC06-E3D7-4547-B447-0B9384011DD3}" dt="2024-09-11T11:56:35.100" v="358" actId="20577"/>
-        <pc:sldMkLst>
-          <pc:docMk/>
-          <pc:sldMk cId="1406169855" sldId="265"/>
-        </pc:sldMkLst>
-        <pc:spChg chg="del mod">
-          <ac:chgData name="Baruch, Ben" userId="7d648124-6238-404e-807f-43520601a438" providerId="ADAL" clId="{83D5AC06-E3D7-4547-B447-0B9384011DD3}" dt="2024-09-11T11:55:12.652" v="315" actId="478"/>
-          <ac:spMkLst>
-            <pc:docMk/>
-            <pc:sldMk cId="1406169855" sldId="265"/>
-            <ac:spMk id="2" creationId="{29637FF6-2210-9469-07B3-D36E0B53EBFB}"/>
-          </ac:spMkLst>
-        </pc:spChg>
-        <pc:spChg chg="mod">
-          <ac:chgData name="Baruch, Ben" userId="7d648124-6238-404e-807f-43520601a438" providerId="ADAL" clId="{83D5AC06-E3D7-4547-B447-0B9384011DD3}" dt="2024-09-11T11:55:49.175" v="352" actId="26606"/>
-          <ac:spMkLst>
-            <pc:docMk/>
-            <pc:sldMk cId="1406169855" sldId="265"/>
-            <ac:spMk id="6" creationId="{95DAB734-8C22-2C6D-7F38-8ADD1A67890C}"/>
-          </ac:spMkLst>
-        </pc:spChg>
-        <pc:spChg chg="add del">
-          <ac:chgData name="Baruch, Ben" userId="7d648124-6238-404e-807f-43520601a438" providerId="ADAL" clId="{83D5AC06-E3D7-4547-B447-0B9384011DD3}" dt="2024-09-11T11:55:49.175" v="352" actId="26606"/>
-          <ac:spMkLst>
-            <pc:docMk/>
-            <pc:sldMk cId="1406169855" sldId="265"/>
-            <ac:spMk id="13" creationId="{C8226B21-7EEE-457E-BC57-B9EB1CC7ADE9}"/>
-          </ac:spMkLst>
-        </pc:spChg>
-        <pc:spChg chg="add del">
-          <ac:chgData name="Baruch, Ben" userId="7d648124-6238-404e-807f-43520601a438" providerId="ADAL" clId="{83D5AC06-E3D7-4547-B447-0B9384011DD3}" dt="2024-09-11T11:55:49.175" v="352" actId="26606"/>
-          <ac:spMkLst>
-            <pc:docMk/>
-            <pc:sldMk cId="1406169855" sldId="265"/>
-            <ac:spMk id="15" creationId="{867FF7C7-E2F6-481F-A3EA-1C41F70617E6}"/>
-          </ac:spMkLst>
-        </pc:spChg>
-        <pc:spChg chg="add del">
-          <ac:chgData name="Baruch, Ben" userId="7d648124-6238-404e-807f-43520601a438" providerId="ADAL" clId="{83D5AC06-E3D7-4547-B447-0B9384011DD3}" dt="2024-09-11T11:55:49.175" v="352" actId="26606"/>
-          <ac:spMkLst>
-            <pc:docMk/>
-            <pc:sldMk cId="1406169855" sldId="265"/>
-            <ac:spMk id="17" creationId="{F310A769-6528-494B-A3D4-47492DFC0A5C}"/>
-          </ac:spMkLst>
-        </pc:spChg>
-        <pc:spChg chg="add del">
-          <ac:chgData name="Baruch, Ben" userId="7d648124-6238-404e-807f-43520601a438" providerId="ADAL" clId="{83D5AC06-E3D7-4547-B447-0B9384011DD3}" dt="2024-09-11T11:55:49.175" v="352" actId="26606"/>
-          <ac:spMkLst>
-            <pc:docMk/>
-            <pc:sldMk cId="1406169855" sldId="265"/>
-            <ac:spMk id="19" creationId="{1230A3A2-13D1-43FD-BC65-86D09CD510EE}"/>
-          </ac:spMkLst>
-        </pc:spChg>
-        <pc:picChg chg="add mod">
-          <ac:chgData name="Baruch, Ben" userId="7d648124-6238-404e-807f-43520601a438" providerId="ADAL" clId="{83D5AC06-E3D7-4547-B447-0B9384011DD3}" dt="2024-09-11T11:56:32.158" v="357" actId="1076"/>
-          <ac:picMkLst>
-            <pc:docMk/>
-            <pc:sldMk cId="1406169855" sldId="265"/>
-            <ac:picMk id="4" creationId="{8F24FA18-3265-5099-9902-053B45C3847F}"/>
-          </ac:picMkLst>
-        </pc:picChg>
-        <pc:picChg chg="add del">
-          <ac:chgData name="Baruch, Ben" userId="7d648124-6238-404e-807f-43520601a438" providerId="ADAL" clId="{83D5AC06-E3D7-4547-B447-0B9384011DD3}" dt="2024-09-11T11:55:49.175" v="352" actId="26606"/>
-          <ac:picMkLst>
-            <pc:docMk/>
-            <pc:sldMk cId="1406169855" sldId="265"/>
-            <ac:picMk id="10" creationId="{6DB11B38-8155-5ADE-EB27-6B0CA0DA7607}"/>
-          </ac:picMkLst>
-        </pc:picChg>
-      </pc:sldChg>
-    </pc:docChg>
-  </pc:docChgLst>
-</pc:chgInfo>
 </file>
 
 <file path=ppt/diagrams/colors1.xml><?xml version="1.0" encoding="utf-8"?>
@@ -3668,7 +3407,7 @@
           <a:p>
             <a:fld id="{E12EC4F8-D089-4008-B54A-E84168D1BF5D}" type="datetimeFigureOut">
               <a:rPr lang="LID4096" smtClean="0"/>
-              <a:t>09/11/2024</a:t>
+              <a:t>09/14/2024</a:t>
             </a:fld>
             <a:endParaRPr lang="LID4096"/>
           </a:p>
@@ -4024,6 +3763,94 @@
 </p:notes>
 </file>
 
+<file path=ppt/notesSlides/notesSlide10.xml><?xml version="1.0" encoding="utf-8"?>
+<p:notes xmlns:a="http://schemas.openxmlformats.org/drawingml/2006/main" xmlns:r="http://schemas.openxmlformats.org/officeDocument/2006/relationships" xmlns:p="http://schemas.openxmlformats.org/presentationml/2006/main">
+  <p:cSld>
+    <p:spTree>
+      <p:nvGrpSpPr>
+        <p:cNvPr id="1" name=""/>
+        <p:cNvGrpSpPr/>
+        <p:nvPr/>
+      </p:nvGrpSpPr>
+      <p:grpSpPr>
+        <a:xfrm>
+          <a:off x="0" y="0"/>
+          <a:ext cx="0" cy="0"/>
+          <a:chOff x="0" y="0"/>
+          <a:chExt cx="0" cy="0"/>
+        </a:xfrm>
+      </p:grpSpPr>
+      <p:sp>
+        <p:nvSpPr>
+          <p:cNvPr id="2" name="Slide Image Placeholder 1"/>
+          <p:cNvSpPr>
+            <a:spLocks noGrp="1" noRot="1" noChangeAspect="1"/>
+          </p:cNvSpPr>
+          <p:nvPr>
+            <p:ph type="sldImg"/>
+          </p:nvPr>
+        </p:nvSpPr>
+        <p:spPr/>
+      </p:sp>
+      <p:sp>
+        <p:nvSpPr>
+          <p:cNvPr id="3" name="Notes Placeholder 2"/>
+          <p:cNvSpPr>
+            <a:spLocks noGrp="1"/>
+          </p:cNvSpPr>
+          <p:nvPr>
+            <p:ph type="body" idx="1"/>
+          </p:nvPr>
+        </p:nvSpPr>
+        <p:spPr/>
+        <p:txBody>
+          <a:bodyPr/>
+          <a:lstStyle/>
+          <a:p>
+            <a:pPr marL="171450" indent="-171450">
+              <a:buFont typeface="Wingdings" panose="05000000000000000000" pitchFamily="2" charset="2"/>
+              <a:buChar char="n"/>
+            </a:pPr>
+            <a:endParaRPr lang="LID4096" dirty="0"/>
+          </a:p>
+        </p:txBody>
+      </p:sp>
+      <p:sp>
+        <p:nvSpPr>
+          <p:cNvPr id="4" name="Slide Number Placeholder 3"/>
+          <p:cNvSpPr>
+            <a:spLocks noGrp="1"/>
+          </p:cNvSpPr>
+          <p:nvPr>
+            <p:ph type="sldNum" sz="quarter" idx="5"/>
+          </p:nvPr>
+        </p:nvSpPr>
+        <p:spPr/>
+        <p:txBody>
+          <a:bodyPr/>
+          <a:lstStyle/>
+          <a:p>
+            <a:fld id="{D2DCDF40-3E08-4599-A59E-1235DD6322B5}" type="slidenum">
+              <a:rPr lang="LID4096" smtClean="0"/>
+              <a:t>12</a:t>
+            </a:fld>
+            <a:endParaRPr lang="LID4096"/>
+          </a:p>
+        </p:txBody>
+      </p:sp>
+    </p:spTree>
+    <p:extLst>
+      <p:ext uri="{BB962C8B-B14F-4D97-AF65-F5344CB8AC3E}">
+        <p14:creationId xmlns:p14="http://schemas.microsoft.com/office/powerpoint/2010/main" val="1987893440"/>
+      </p:ext>
+    </p:extLst>
+  </p:cSld>
+  <p:clrMapOvr>
+    <a:masterClrMapping/>
+  </p:clrMapOvr>
+</p:notes>
+</file>
+
 <file path=ppt/notesSlides/notesSlide2.xml><?xml version="1.0" encoding="utf-8"?>
 <p:notes xmlns:a="http://schemas.openxmlformats.org/drawingml/2006/main" xmlns:r="http://schemas.openxmlformats.org/officeDocument/2006/relationships" xmlns:p="http://schemas.openxmlformats.org/presentationml/2006/main">
   <p:cSld>
@@ -4251,75 +4078,11 @@
           <a:bodyPr/>
           <a:lstStyle/>
           <a:p>
-            <a:pPr marL="0" marR="0" lvl="0" indent="0" algn="l" defTabSz="914400" rtl="0" eaLnBrk="1" fontAlgn="auto" latinLnBrk="0" hangingPunct="1">
-              <a:lnSpc>
-                <a:spcPct val="100000"/>
-              </a:lnSpc>
-              <a:spcBef>
-                <a:spcPts val="0"/>
-              </a:spcBef>
-              <a:spcAft>
-                <a:spcPts val="0"/>
-              </a:spcAft>
-              <a:buClrTx/>
-              <a:buSzTx/>
-              <a:buFontTx/>
-              <a:buNone/>
-              <a:tabLst/>
-              <a:defRPr/>
-            </a:pPr>
-            <a:r>
-              <a:rPr lang="en-US" sz="1200" b="1" dirty="0">
-                <a:solidFill>
-                  <a:schemeClr val="dk1"/>
-                </a:solidFill>
-                <a:latin typeface="Libre Franklin"/>
-                <a:ea typeface="Libre Franklin"/>
-                <a:cs typeface="Libre Franklin"/>
-                <a:sym typeface="Libre Franklin"/>
-              </a:rPr>
-              <a:t>There are more open sources library, </a:t>
-            </a:r>
-            <a:r>
-              <a:rPr lang="en-US" sz="1200" dirty="0">
-                <a:solidFill>
-                  <a:schemeClr val="dk1"/>
-                </a:solidFill>
-                <a:latin typeface="Libre Franklin"/>
-                <a:ea typeface="Libre Franklin"/>
-                <a:cs typeface="Libre Franklin"/>
-                <a:sym typeface="Libre Franklin"/>
-              </a:rPr>
-              <a:t>for different functionality. No place in the slide so say it in presentation. For example, the loading spinner widget or other widgets.</a:t>
-            </a:r>
-          </a:p>
-          <a:p>
-            <a:pPr marL="0" marR="0" lvl="0" indent="0" algn="l" defTabSz="914400" rtl="0" eaLnBrk="1" fontAlgn="auto" latinLnBrk="0" hangingPunct="1">
-              <a:lnSpc>
-                <a:spcPct val="100000"/>
-              </a:lnSpc>
-              <a:spcBef>
-                <a:spcPts val="0"/>
-              </a:spcBef>
-              <a:spcAft>
-                <a:spcPts val="0"/>
-              </a:spcAft>
-              <a:buClrTx/>
-              <a:buSzTx/>
-              <a:buFontTx/>
-              <a:buNone/>
-              <a:tabLst/>
-              <a:defRPr/>
-            </a:pPr>
-            <a:endParaRPr lang="en-US" sz="1200" dirty="0">
-              <a:solidFill>
-                <a:schemeClr val="dk1"/>
-              </a:solidFill>
-              <a:latin typeface="Libre Franklin"/>
-              <a:ea typeface="Libre Franklin"/>
-              <a:cs typeface="Libre Franklin"/>
-              <a:sym typeface="Libre Franklin"/>
-            </a:endParaRPr>
+            <a:r>
+              <a:rPr lang="en-US" dirty="0"/>
+              <a:t>Start Drive</a:t>
+            </a:r>
+            <a:endParaRPr lang="LID4096" dirty="0"/>
           </a:p>
         </p:txBody>
       </p:sp>
@@ -4349,7 +4112,7 @@
     </p:spTree>
     <p:extLst>
       <p:ext uri="{BB962C8B-B14F-4D97-AF65-F5344CB8AC3E}">
-        <p14:creationId xmlns:p14="http://schemas.microsoft.com/office/powerpoint/2010/main" val="2633391242"/>
+        <p14:creationId xmlns:p14="http://schemas.microsoft.com/office/powerpoint/2010/main" val="3298530515"/>
       </p:ext>
     </p:extLst>
   </p:cSld>
@@ -4403,6 +4166,10 @@
           <a:bodyPr/>
           <a:lstStyle/>
           <a:p>
+            <a:r>
+              <a:rPr lang="en-US" dirty="0"/>
+              <a:t>Start Drive</a:t>
+            </a:r>
             <a:endParaRPr lang="LID4096" dirty="0"/>
           </a:p>
         </p:txBody>
@@ -4433,7 +4200,7 @@
     </p:spTree>
     <p:extLst>
       <p:ext uri="{BB962C8B-B14F-4D97-AF65-F5344CB8AC3E}">
-        <p14:creationId xmlns:p14="http://schemas.microsoft.com/office/powerpoint/2010/main" val="1914248096"/>
+        <p14:creationId xmlns:p14="http://schemas.microsoft.com/office/powerpoint/2010/main" val="546619374"/>
       </p:ext>
     </p:extLst>
   </p:cSld>
@@ -4487,140 +4254,75 @@
           <a:bodyPr/>
           <a:lstStyle/>
           <a:p>
-            <a:pPr marL="457200" lvl="0" indent="-330200" algn="l" rtl="0">
+            <a:pPr marL="0" marR="0" lvl="0" indent="0" algn="l" defTabSz="914400" rtl="0" eaLnBrk="1" fontAlgn="auto" latinLnBrk="0" hangingPunct="1">
+              <a:lnSpc>
+                <a:spcPct val="100000"/>
+              </a:lnSpc>
               <a:spcBef>
                 <a:spcPts val="0"/>
               </a:spcBef>
               <a:spcAft>
                 <a:spcPts val="0"/>
               </a:spcAft>
-              <a:buClr>
-                <a:schemeClr val="dk1"/>
-              </a:buClr>
-              <a:buSzPts val="1600"/>
-              <a:buChar char="●"/>
+              <a:buClrTx/>
+              <a:buSzTx/>
+              <a:buFontTx/>
+              <a:buNone/>
+              <a:tabLst/>
+              <a:defRPr/>
             </a:pPr>
             <a:r>
               <a:rPr lang="en-US" sz="1200" b="1" dirty="0">
                 <a:solidFill>
                   <a:schemeClr val="dk1"/>
                 </a:solidFill>
+                <a:latin typeface="Libre Franklin"/>
+                <a:ea typeface="Libre Franklin"/>
+                <a:cs typeface="Libre Franklin"/>
+                <a:sym typeface="Libre Franklin"/>
               </a:rPr>
-              <a:t>UI experience</a:t>
-            </a:r>
-          </a:p>
-          <a:p>
-            <a:pPr marL="914400" lvl="0" indent="-330200" algn="l" rtl="0">
+              <a:t>There are more open sources library, </a:t>
+            </a:r>
+            <a:r>
+              <a:rPr lang="en-US" sz="1200" dirty="0">
+                <a:solidFill>
+                  <a:schemeClr val="dk1"/>
+                </a:solidFill>
+                <a:latin typeface="Libre Franklin"/>
+                <a:ea typeface="Libre Franklin"/>
+                <a:cs typeface="Libre Franklin"/>
+                <a:sym typeface="Libre Franklin"/>
+              </a:rPr>
+              <a:t>for different functionality. No place in the slide so say it in presentation. For example, the loading spinner widget or other widgets.</a:t>
+            </a:r>
+          </a:p>
+          <a:p>
+            <a:pPr marL="0" marR="0" lvl="0" indent="0" algn="l" defTabSz="914400" rtl="0" eaLnBrk="1" fontAlgn="auto" latinLnBrk="0" hangingPunct="1">
+              <a:lnSpc>
+                <a:spcPct val="100000"/>
+              </a:lnSpc>
               <a:spcBef>
                 <a:spcPts val="0"/>
               </a:spcBef>
               <a:spcAft>
                 <a:spcPts val="0"/>
               </a:spcAft>
-              <a:buClr>
+              <a:buClrTx/>
+              <a:buSzTx/>
+              <a:buFontTx/>
+              <a:buNone/>
+              <a:tabLst/>
+              <a:defRPr/>
+            </a:pPr>
+            <a:endParaRPr lang="en-US" sz="1200" dirty="0">
+              <a:solidFill>
                 <a:schemeClr val="dk1"/>
-              </a:buClr>
-              <a:buSzPts val="1600"/>
-              <a:buChar char="-"/>
-            </a:pPr>
-            <a:r>
-              <a:rPr lang="en-US" sz="1200" i="1" dirty="0">
-                <a:solidFill>
-                  <a:schemeClr val="dk1"/>
-                </a:solidFill>
-              </a:rPr>
-              <a:t>Challenge:</a:t>
-            </a:r>
-            <a:r>
-              <a:rPr lang="en-US" sz="1200" dirty="0">
-                <a:solidFill>
-                  <a:schemeClr val="dk1"/>
-                </a:solidFill>
-              </a:rPr>
-              <a:t> Designing an intuitive user interface.</a:t>
-            </a:r>
-          </a:p>
-          <a:p>
-            <a:pPr marL="914400" lvl="0" indent="-330200" algn="l" rtl="0">
-              <a:spcBef>
-                <a:spcPts val="0"/>
-              </a:spcBef>
-              <a:spcAft>
-                <a:spcPts val="0"/>
-              </a:spcAft>
-              <a:buClr>
-                <a:schemeClr val="dk1"/>
-              </a:buClr>
-              <a:buSzPts val="1600"/>
-              <a:buChar char="-"/>
-            </a:pPr>
-            <a:r>
-              <a:rPr lang="en-US" sz="1200" i="1" dirty="0">
-                <a:solidFill>
-                  <a:schemeClr val="dk1"/>
-                </a:solidFill>
-              </a:rPr>
-              <a:t>Solution: </a:t>
-            </a:r>
-            <a:r>
-              <a:rPr lang="en-US" sz="1200" dirty="0">
-                <a:solidFill>
-                  <a:schemeClr val="dk1"/>
-                </a:solidFill>
-              </a:rPr>
-              <a:t>We asked friends and family to use the app on different devices and provide us with feedback.</a:t>
-            </a:r>
-          </a:p>
-          <a:p>
-            <a:pPr marL="171450" indent="-171450">
-              <a:buFont typeface="Wingdings" panose="05000000000000000000" pitchFamily="2" charset="2"/>
-              <a:buChar char="n"/>
-            </a:pPr>
-            <a:r>
-              <a:rPr lang="he-IL" dirty="0"/>
-              <a:t>אופציה נוספת:</a:t>
-            </a:r>
-          </a:p>
-          <a:p>
-            <a:r>
-              <a:rPr lang="en-US" b="1" dirty="0"/>
-              <a:t>Database Structure</a:t>
-            </a:r>
-          </a:p>
-          <a:p>
-            <a:pPr>
-              <a:buFont typeface="Arial" panose="020B0604020202020204" pitchFamily="34" charset="0"/>
-              <a:buChar char="•"/>
-            </a:pPr>
-            <a:r>
-              <a:rPr lang="en-US" b="1" dirty="0"/>
-              <a:t>Challenge</a:t>
-            </a:r>
-            <a:r>
-              <a:rPr lang="en-US" dirty="0"/>
-              <a:t>: Designing an efficient Firebase database structure that minimizes operations while handling complex relationships between users, groups, and rides.</a:t>
-            </a:r>
-          </a:p>
-          <a:p>
-            <a:pPr>
-              <a:buFont typeface="Arial" panose="020B0604020202020204" pitchFamily="34" charset="0"/>
-              <a:buChar char="•"/>
-            </a:pPr>
-            <a:r>
-              <a:rPr lang="en-US" b="1" dirty="0"/>
-              <a:t>Solution</a:t>
-            </a:r>
-            <a:r>
-              <a:rPr lang="en-US" dirty="0"/>
-              <a:t>: Used a well-planned database structure with collections and sub-collections, utilizing denormalization techniques to optimize performance and support scalable data retrieval.</a:t>
-            </a:r>
-          </a:p>
-          <a:p>
-            <a:pPr marL="171450" indent="-171450">
-              <a:buFont typeface="Wingdings" panose="05000000000000000000" pitchFamily="2" charset="2"/>
-              <a:buChar char="n"/>
-            </a:pPr>
-            <a:endParaRPr lang="LID4096" dirty="0"/>
+              </a:solidFill>
+              <a:latin typeface="Libre Franklin"/>
+              <a:ea typeface="Libre Franklin"/>
+              <a:cs typeface="Libre Franklin"/>
+              <a:sym typeface="Libre Franklin"/>
+            </a:endParaRPr>
           </a:p>
         </p:txBody>
       </p:sp>
@@ -4650,7 +4352,7 @@
     </p:spTree>
     <p:extLst>
       <p:ext uri="{BB962C8B-B14F-4D97-AF65-F5344CB8AC3E}">
-        <p14:creationId xmlns:p14="http://schemas.microsoft.com/office/powerpoint/2010/main" val="3622088349"/>
+        <p14:creationId xmlns:p14="http://schemas.microsoft.com/office/powerpoint/2010/main" val="2633391242"/>
       </p:ext>
     </p:extLst>
   </p:cSld>
@@ -4704,10 +4406,6 @@
           <a:bodyPr/>
           <a:lstStyle/>
           <a:p>
-            <a:pPr marL="171450" indent="-171450">
-              <a:buFont typeface="Wingdings" panose="05000000000000000000" pitchFamily="2" charset="2"/>
-              <a:buChar char="n"/>
-            </a:pPr>
             <a:endParaRPr lang="LID4096" dirty="0"/>
           </a:p>
         </p:txBody>
@@ -4738,7 +4436,7 @@
     </p:spTree>
     <p:extLst>
       <p:ext uri="{BB962C8B-B14F-4D97-AF65-F5344CB8AC3E}">
-        <p14:creationId xmlns:p14="http://schemas.microsoft.com/office/powerpoint/2010/main" val="2049303461"/>
+        <p14:creationId xmlns:p14="http://schemas.microsoft.com/office/powerpoint/2010/main" val="1914248096"/>
       </p:ext>
     </p:extLst>
   </p:cSld>
@@ -4792,6 +4490,135 @@
           <a:bodyPr/>
           <a:lstStyle/>
           <a:p>
+            <a:pPr marL="457200" lvl="0" indent="-330200" algn="l" rtl="0">
+              <a:spcBef>
+                <a:spcPts val="0"/>
+              </a:spcBef>
+              <a:spcAft>
+                <a:spcPts val="0"/>
+              </a:spcAft>
+              <a:buClr>
+                <a:schemeClr val="dk1"/>
+              </a:buClr>
+              <a:buSzPts val="1600"/>
+              <a:buChar char="●"/>
+            </a:pPr>
+            <a:r>
+              <a:rPr lang="en-US" sz="1200" b="1" dirty="0">
+                <a:solidFill>
+                  <a:schemeClr val="dk1"/>
+                </a:solidFill>
+              </a:rPr>
+              <a:t>UI experience</a:t>
+            </a:r>
+          </a:p>
+          <a:p>
+            <a:pPr marL="914400" lvl="0" indent="-330200" algn="l" rtl="0">
+              <a:spcBef>
+                <a:spcPts val="0"/>
+              </a:spcBef>
+              <a:spcAft>
+                <a:spcPts val="0"/>
+              </a:spcAft>
+              <a:buClr>
+                <a:schemeClr val="dk1"/>
+              </a:buClr>
+              <a:buSzPts val="1600"/>
+              <a:buChar char="-"/>
+            </a:pPr>
+            <a:r>
+              <a:rPr lang="en-US" sz="1200" i="1" dirty="0">
+                <a:solidFill>
+                  <a:schemeClr val="dk1"/>
+                </a:solidFill>
+              </a:rPr>
+              <a:t>Challenge:</a:t>
+            </a:r>
+            <a:r>
+              <a:rPr lang="en-US" sz="1200" dirty="0">
+                <a:solidFill>
+                  <a:schemeClr val="dk1"/>
+                </a:solidFill>
+              </a:rPr>
+              <a:t> Designing an intuitive user interface.</a:t>
+            </a:r>
+          </a:p>
+          <a:p>
+            <a:pPr marL="914400" lvl="0" indent="-330200" algn="l" rtl="0">
+              <a:spcBef>
+                <a:spcPts val="0"/>
+              </a:spcBef>
+              <a:spcAft>
+                <a:spcPts val="0"/>
+              </a:spcAft>
+              <a:buClr>
+                <a:schemeClr val="dk1"/>
+              </a:buClr>
+              <a:buSzPts val="1600"/>
+              <a:buChar char="-"/>
+            </a:pPr>
+            <a:r>
+              <a:rPr lang="en-US" sz="1200" i="1" dirty="0">
+                <a:solidFill>
+                  <a:schemeClr val="dk1"/>
+                </a:solidFill>
+              </a:rPr>
+              <a:t>Solution: </a:t>
+            </a:r>
+            <a:r>
+              <a:rPr lang="en-US" sz="1200" dirty="0">
+                <a:solidFill>
+                  <a:schemeClr val="dk1"/>
+                </a:solidFill>
+              </a:rPr>
+              <a:t>We asked friends and family to use the app on different devices and provide us with feedback.</a:t>
+            </a:r>
+          </a:p>
+          <a:p>
+            <a:pPr marL="171450" indent="-171450">
+              <a:buFont typeface="Wingdings" panose="05000000000000000000" pitchFamily="2" charset="2"/>
+              <a:buChar char="n"/>
+            </a:pPr>
+            <a:r>
+              <a:rPr lang="he-IL" dirty="0"/>
+              <a:t>אופציה נוספת:</a:t>
+            </a:r>
+          </a:p>
+          <a:p>
+            <a:r>
+              <a:rPr lang="en-US" b="1" dirty="0"/>
+              <a:t>Database Structure</a:t>
+            </a:r>
+          </a:p>
+          <a:p>
+            <a:pPr>
+              <a:buFont typeface="Arial" panose="020B0604020202020204" pitchFamily="34" charset="0"/>
+              <a:buChar char="•"/>
+            </a:pPr>
+            <a:r>
+              <a:rPr lang="en-US" b="1" dirty="0"/>
+              <a:t>Challenge</a:t>
+            </a:r>
+            <a:r>
+              <a:rPr lang="en-US" dirty="0"/>
+              <a:t>: Designing an efficient Firebase database structure that minimizes operations while handling complex relationships between users, groups, and rides.</a:t>
+            </a:r>
+          </a:p>
+          <a:p>
+            <a:pPr>
+              <a:buFont typeface="Arial" panose="020B0604020202020204" pitchFamily="34" charset="0"/>
+              <a:buChar char="•"/>
+            </a:pPr>
+            <a:r>
+              <a:rPr lang="en-US" b="1" dirty="0"/>
+              <a:t>Solution</a:t>
+            </a:r>
+            <a:r>
+              <a:rPr lang="en-US" dirty="0"/>
+              <a:t>: Used a well-planned database structure with collections and sub-collections, utilizing denormalization techniques to optimize performance and support scalable data retrieval.</a:t>
+            </a:r>
+          </a:p>
+          <a:p>
             <a:pPr marL="171450" indent="-171450">
               <a:buFont typeface="Wingdings" panose="05000000000000000000" pitchFamily="2" charset="2"/>
               <a:buChar char="n"/>
@@ -4826,7 +4653,95 @@
     </p:spTree>
     <p:extLst>
       <p:ext uri="{BB962C8B-B14F-4D97-AF65-F5344CB8AC3E}">
-        <p14:creationId xmlns:p14="http://schemas.microsoft.com/office/powerpoint/2010/main" val="1987893440"/>
+        <p14:creationId xmlns:p14="http://schemas.microsoft.com/office/powerpoint/2010/main" val="3622088349"/>
+      </p:ext>
+    </p:extLst>
+  </p:cSld>
+  <p:clrMapOvr>
+    <a:masterClrMapping/>
+  </p:clrMapOvr>
+</p:notes>
+</file>
+
+<file path=ppt/notesSlides/notesSlide9.xml><?xml version="1.0" encoding="utf-8"?>
+<p:notes xmlns:a="http://schemas.openxmlformats.org/drawingml/2006/main" xmlns:r="http://schemas.openxmlformats.org/officeDocument/2006/relationships" xmlns:p="http://schemas.openxmlformats.org/presentationml/2006/main">
+  <p:cSld>
+    <p:spTree>
+      <p:nvGrpSpPr>
+        <p:cNvPr id="1" name=""/>
+        <p:cNvGrpSpPr/>
+        <p:nvPr/>
+      </p:nvGrpSpPr>
+      <p:grpSpPr>
+        <a:xfrm>
+          <a:off x="0" y="0"/>
+          <a:ext cx="0" cy="0"/>
+          <a:chOff x="0" y="0"/>
+          <a:chExt cx="0" cy="0"/>
+        </a:xfrm>
+      </p:grpSpPr>
+      <p:sp>
+        <p:nvSpPr>
+          <p:cNvPr id="2" name="Slide Image Placeholder 1"/>
+          <p:cNvSpPr>
+            <a:spLocks noGrp="1" noRot="1" noChangeAspect="1"/>
+          </p:cNvSpPr>
+          <p:nvPr>
+            <p:ph type="sldImg"/>
+          </p:nvPr>
+        </p:nvSpPr>
+        <p:spPr/>
+      </p:sp>
+      <p:sp>
+        <p:nvSpPr>
+          <p:cNvPr id="3" name="Notes Placeholder 2"/>
+          <p:cNvSpPr>
+            <a:spLocks noGrp="1"/>
+          </p:cNvSpPr>
+          <p:nvPr>
+            <p:ph type="body" idx="1"/>
+          </p:nvPr>
+        </p:nvSpPr>
+        <p:spPr/>
+        <p:txBody>
+          <a:bodyPr/>
+          <a:lstStyle/>
+          <a:p>
+            <a:pPr marL="171450" indent="-171450">
+              <a:buFont typeface="Wingdings" panose="05000000000000000000" pitchFamily="2" charset="2"/>
+              <a:buChar char="n"/>
+            </a:pPr>
+            <a:endParaRPr lang="LID4096" dirty="0"/>
+          </a:p>
+        </p:txBody>
+      </p:sp>
+      <p:sp>
+        <p:nvSpPr>
+          <p:cNvPr id="4" name="Slide Number Placeholder 3"/>
+          <p:cNvSpPr>
+            <a:spLocks noGrp="1"/>
+          </p:cNvSpPr>
+          <p:nvPr>
+            <p:ph type="sldNum" sz="quarter" idx="5"/>
+          </p:nvPr>
+        </p:nvSpPr>
+        <p:spPr/>
+        <p:txBody>
+          <a:bodyPr/>
+          <a:lstStyle/>
+          <a:p>
+            <a:fld id="{D2DCDF40-3E08-4599-A59E-1235DD6322B5}" type="slidenum">
+              <a:rPr lang="LID4096" smtClean="0"/>
+              <a:t>11</a:t>
+            </a:fld>
+            <a:endParaRPr lang="LID4096"/>
+          </a:p>
+        </p:txBody>
+      </p:sp>
+    </p:spTree>
+    <p:extLst>
+      <p:ext uri="{BB962C8B-B14F-4D97-AF65-F5344CB8AC3E}">
+        <p14:creationId xmlns:p14="http://schemas.microsoft.com/office/powerpoint/2010/main" val="2049303461"/>
       </p:ext>
     </p:extLst>
   </p:cSld>
@@ -5000,7 +4915,7 @@
           <a:p>
             <a:fld id="{32637B58-87C1-446D-BDA9-B06F4BCF7782}" type="datetimeFigureOut">
               <a:rPr lang="en-US" smtClean="0"/>
-              <a:t>9/11/2024</a:t>
+              <a:t>9/14/2024</a:t>
             </a:fld>
             <a:endParaRPr lang="en-US"/>
           </a:p>
@@ -5203,7 +5118,7 @@
           <a:p>
             <a:fld id="{32637B58-87C1-446D-BDA9-B06F4BCF7782}" type="datetimeFigureOut">
               <a:rPr lang="en-US" smtClean="0"/>
-              <a:t>9/11/2024</a:t>
+              <a:t>9/14/2024</a:t>
             </a:fld>
             <a:endParaRPr lang="en-US"/>
           </a:p>
@@ -5411,7 +5326,7 @@
           <a:p>
             <a:fld id="{32637B58-87C1-446D-BDA9-B06F4BCF7782}" type="datetimeFigureOut">
               <a:rPr lang="en-US" smtClean="0"/>
-              <a:t>9/11/2024</a:t>
+              <a:t>9/14/2024</a:t>
             </a:fld>
             <a:endParaRPr lang="en-US"/>
           </a:p>
@@ -5661,7 +5576,7 @@
           <a:p>
             <a:fld id="{32637B58-87C1-446D-BDA9-B06F4BCF7782}" type="datetimeFigureOut">
               <a:rPr lang="en-US" smtClean="0"/>
-              <a:t>9/11/2024</a:t>
+              <a:t>9/14/2024</a:t>
             </a:fld>
             <a:endParaRPr lang="en-US"/>
           </a:p>
@@ -5965,7 +5880,7 @@
           <a:p>
             <a:fld id="{32637B58-87C1-446D-BDA9-B06F4BCF7782}" type="datetimeFigureOut">
               <a:rPr lang="en-US" smtClean="0"/>
-              <a:t>9/11/2024</a:t>
+              <a:t>9/14/2024</a:t>
             </a:fld>
             <a:endParaRPr lang="en-US"/>
           </a:p>
@@ -6232,7 +6147,7 @@
           <a:p>
             <a:fld id="{32637B58-87C1-446D-BDA9-B06F4BCF7782}" type="datetimeFigureOut">
               <a:rPr lang="en-US" smtClean="0"/>
-              <a:t>9/11/2024</a:t>
+              <a:t>9/14/2024</a:t>
             </a:fld>
             <a:endParaRPr lang="en-US"/>
           </a:p>
@@ -6687,7 +6602,7 @@
           <a:p>
             <a:fld id="{32637B58-87C1-446D-BDA9-B06F4BCF7782}" type="datetimeFigureOut">
               <a:rPr lang="en-US" smtClean="0"/>
-              <a:t>9/11/2024</a:t>
+              <a:t>9/14/2024</a:t>
             </a:fld>
             <a:endParaRPr lang="en-US"/>
           </a:p>
@@ -6828,7 +6743,7 @@
           <a:p>
             <a:fld id="{32637B58-87C1-446D-BDA9-B06F4BCF7782}" type="datetimeFigureOut">
               <a:rPr lang="en-US" smtClean="0"/>
-              <a:t>9/11/2024</a:t>
+              <a:t>9/14/2024</a:t>
             </a:fld>
             <a:endParaRPr lang="en-US"/>
           </a:p>
@@ -6941,7 +6856,7 @@
           <a:p>
             <a:fld id="{32637B58-87C1-446D-BDA9-B06F4BCF7782}" type="datetimeFigureOut">
               <a:rPr lang="en-US" smtClean="0"/>
-              <a:t>9/11/2024</a:t>
+              <a:t>9/14/2024</a:t>
             </a:fld>
             <a:endParaRPr lang="en-US"/>
           </a:p>
@@ -7252,7 +7167,7 @@
           <a:p>
             <a:fld id="{32637B58-87C1-446D-BDA9-B06F4BCF7782}" type="datetimeFigureOut">
               <a:rPr lang="en-US" smtClean="0"/>
-              <a:t>9/11/2024</a:t>
+              <a:t>9/14/2024</a:t>
             </a:fld>
             <a:endParaRPr lang="en-US"/>
           </a:p>
@@ -7543,7 +7458,7 @@
           <a:p>
             <a:fld id="{32637B58-87C1-446D-BDA9-B06F4BCF7782}" type="datetimeFigureOut">
               <a:rPr lang="en-US" smtClean="0"/>
-              <a:t>9/11/2024</a:t>
+              <a:t>9/14/2024</a:t>
             </a:fld>
             <a:endParaRPr lang="en-US"/>
           </a:p>
@@ -7954,7 +7869,7 @@
             <a:fld id="{32637B58-87C1-446D-BDA9-B06F4BCF7782}" type="datetimeFigureOut">
               <a:rPr lang="en-US" smtClean="0"/>
               <a:pPr/>
-              <a:t>9/11/2024</a:t>
+              <a:t>9/14/2024</a:t>
             </a:fld>
             <a:endParaRPr lang="en-US" dirty="0"/>
           </a:p>
@@ -9037,6 +8952,1033 @@
       </p:grpSpPr>
       <p:sp>
         <p:nvSpPr>
+          <p:cNvPr id="2" name="Title 1">
+            <a:extLst>
+              <a:ext uri="{FF2B5EF4-FFF2-40B4-BE49-F238E27FC236}">
+                <a16:creationId xmlns:a16="http://schemas.microsoft.com/office/drawing/2014/main" id="{29637FF6-2210-9469-07B3-D36E0B53EBFB}"/>
+              </a:ext>
+            </a:extLst>
+          </p:cNvPr>
+          <p:cNvSpPr>
+            <a:spLocks noGrp="1"/>
+          </p:cNvSpPr>
+          <p:nvPr>
+            <p:ph type="ctrTitle"/>
+          </p:nvPr>
+        </p:nvSpPr>
+        <p:spPr>
+          <a:xfrm>
+            <a:off x="1843862" y="295867"/>
+            <a:ext cx="8504275" cy="728014"/>
+          </a:xfrm>
+        </p:spPr>
+        <p:txBody>
+          <a:bodyPr>
+            <a:normAutofit fontScale="90000"/>
+          </a:bodyPr>
+          <a:lstStyle/>
+          <a:p>
+            <a:pPr algn="ctr"/>
+            <a:r>
+              <a:rPr lang="en-US" dirty="0"/>
+              <a:t>Challenges and Solutions</a:t>
+            </a:r>
+            <a:endParaRPr lang="LID4096" dirty="0"/>
+          </a:p>
+        </p:txBody>
+      </p:sp>
+      <p:sp>
+        <p:nvSpPr>
+          <p:cNvPr id="6" name="Google Shape;293;p3">
+            <a:extLst>
+              <a:ext uri="{FF2B5EF4-FFF2-40B4-BE49-F238E27FC236}">
+                <a16:creationId xmlns:a16="http://schemas.microsoft.com/office/drawing/2014/main" id="{95DAB734-8C22-2C6D-7F38-8ADD1A67890C}"/>
+              </a:ext>
+            </a:extLst>
+          </p:cNvPr>
+          <p:cNvSpPr txBox="1">
+            <a:spLocks/>
+          </p:cNvSpPr>
+          <p:nvPr/>
+        </p:nvSpPr>
+        <p:spPr>
+          <a:xfrm>
+            <a:off x="782060" y="1283747"/>
+            <a:ext cx="10942177" cy="5096956"/>
+          </a:xfrm>
+          <a:prstGeom prst="rect">
+            <a:avLst/>
+          </a:prstGeom>
+          <a:noFill/>
+          <a:ln>
+            <a:noFill/>
+          </a:ln>
+        </p:spPr>
+        <p:txBody>
+          <a:bodyPr spcFirstLastPara="1" vert="horz" wrap="square" lIns="91425" tIns="91425" rIns="91425" bIns="91425" rtlCol="0" anchor="t" anchorCtr="0">
+            <a:noAutofit/>
+          </a:bodyPr>
+          <a:lstStyle>
+            <a:lvl1pPr marL="228600" indent="-228600" algn="l" defTabSz="914400" rtl="0" eaLnBrk="1" latinLnBrk="0" hangingPunct="1">
+              <a:lnSpc>
+                <a:spcPct val="120000"/>
+              </a:lnSpc>
+              <a:spcBef>
+                <a:spcPts val="1000"/>
+              </a:spcBef>
+              <a:buClr>
+                <a:schemeClr val="accent5"/>
+              </a:buClr>
+              <a:buFont typeface="Arial" panose="020B0604020202020204" pitchFamily="34" charset="0"/>
+              <a:buChar char="•"/>
+              <a:defRPr sz="2000" kern="1200">
+                <a:solidFill>
+                  <a:schemeClr val="tx2"/>
+                </a:solidFill>
+                <a:latin typeface="+mn-lt"/>
+                <a:ea typeface="+mn-ea"/>
+                <a:cs typeface="+mn-cs"/>
+              </a:defRPr>
+            </a:lvl1pPr>
+            <a:lvl2pPr marL="685800" indent="-228600" algn="l" defTabSz="914400" rtl="0" eaLnBrk="1" latinLnBrk="0" hangingPunct="1">
+              <a:lnSpc>
+                <a:spcPct val="120000"/>
+              </a:lnSpc>
+              <a:spcBef>
+                <a:spcPts val="500"/>
+              </a:spcBef>
+              <a:buClr>
+                <a:schemeClr val="accent5"/>
+              </a:buClr>
+              <a:buFont typeface="Arial" panose="020B0604020202020204" pitchFamily="34" charset="0"/>
+              <a:buChar char="•"/>
+              <a:defRPr sz="1800" kern="1200">
+                <a:solidFill>
+                  <a:schemeClr val="tx2"/>
+                </a:solidFill>
+                <a:latin typeface="+mn-lt"/>
+                <a:ea typeface="+mn-ea"/>
+                <a:cs typeface="+mn-cs"/>
+              </a:defRPr>
+            </a:lvl2pPr>
+            <a:lvl3pPr marL="1143000" indent="-228600" algn="l" defTabSz="914400" rtl="0" eaLnBrk="1" latinLnBrk="0" hangingPunct="1">
+              <a:lnSpc>
+                <a:spcPct val="120000"/>
+              </a:lnSpc>
+              <a:spcBef>
+                <a:spcPts val="500"/>
+              </a:spcBef>
+              <a:buClr>
+                <a:schemeClr val="accent5"/>
+              </a:buClr>
+              <a:buFont typeface="Arial" panose="020B0604020202020204" pitchFamily="34" charset="0"/>
+              <a:buChar char="•"/>
+              <a:defRPr sz="1600" kern="1200">
+                <a:solidFill>
+                  <a:schemeClr val="tx2"/>
+                </a:solidFill>
+                <a:latin typeface="+mn-lt"/>
+                <a:ea typeface="+mn-ea"/>
+                <a:cs typeface="+mn-cs"/>
+              </a:defRPr>
+            </a:lvl3pPr>
+            <a:lvl4pPr marL="1600200" indent="-228600" algn="l" defTabSz="914400" rtl="0" eaLnBrk="1" latinLnBrk="0" hangingPunct="1">
+              <a:lnSpc>
+                <a:spcPct val="120000"/>
+              </a:lnSpc>
+              <a:spcBef>
+                <a:spcPts val="500"/>
+              </a:spcBef>
+              <a:buClr>
+                <a:schemeClr val="accent5"/>
+              </a:buClr>
+              <a:buFont typeface="Arial" panose="020B0604020202020204" pitchFamily="34" charset="0"/>
+              <a:buChar char="•"/>
+              <a:defRPr sz="1400" kern="1200">
+                <a:solidFill>
+                  <a:schemeClr val="tx2"/>
+                </a:solidFill>
+                <a:latin typeface="+mn-lt"/>
+                <a:ea typeface="+mn-ea"/>
+                <a:cs typeface="+mn-cs"/>
+              </a:defRPr>
+            </a:lvl4pPr>
+            <a:lvl5pPr marL="2057400" indent="-228600" algn="l" defTabSz="914400" rtl="0" eaLnBrk="1" latinLnBrk="0" hangingPunct="1">
+              <a:lnSpc>
+                <a:spcPct val="120000"/>
+              </a:lnSpc>
+              <a:spcBef>
+                <a:spcPts val="500"/>
+              </a:spcBef>
+              <a:buClr>
+                <a:schemeClr val="accent5"/>
+              </a:buClr>
+              <a:buFont typeface="Arial" panose="020B0604020202020204" pitchFamily="34" charset="0"/>
+              <a:buChar char="•"/>
+              <a:defRPr sz="1400" kern="1200">
+                <a:solidFill>
+                  <a:schemeClr val="tx2"/>
+                </a:solidFill>
+                <a:latin typeface="+mn-lt"/>
+                <a:ea typeface="+mn-ea"/>
+                <a:cs typeface="+mn-cs"/>
+              </a:defRPr>
+            </a:lvl5pPr>
+            <a:lvl6pPr marL="2514600" indent="-228600" algn="l" defTabSz="914400" rtl="0" eaLnBrk="1" latinLnBrk="0" hangingPunct="1">
+              <a:lnSpc>
+                <a:spcPct val="90000"/>
+              </a:lnSpc>
+              <a:spcBef>
+                <a:spcPts val="500"/>
+              </a:spcBef>
+              <a:buFont typeface="Arial" panose="020B0604020202020204" pitchFamily="34" charset="0"/>
+              <a:buChar char="•"/>
+              <a:defRPr sz="1800" kern="1200">
+                <a:solidFill>
+                  <a:schemeClr val="tx1"/>
+                </a:solidFill>
+                <a:latin typeface="+mn-lt"/>
+                <a:ea typeface="+mn-ea"/>
+                <a:cs typeface="+mn-cs"/>
+              </a:defRPr>
+            </a:lvl6pPr>
+            <a:lvl7pPr marL="2971800" indent="-228600" algn="l" defTabSz="914400" rtl="0" eaLnBrk="1" latinLnBrk="0" hangingPunct="1">
+              <a:lnSpc>
+                <a:spcPct val="90000"/>
+              </a:lnSpc>
+              <a:spcBef>
+                <a:spcPts val="500"/>
+              </a:spcBef>
+              <a:buFont typeface="Arial" panose="020B0604020202020204" pitchFamily="34" charset="0"/>
+              <a:buChar char="•"/>
+              <a:defRPr sz="1800" kern="1200">
+                <a:solidFill>
+                  <a:schemeClr val="tx1"/>
+                </a:solidFill>
+                <a:latin typeface="+mn-lt"/>
+                <a:ea typeface="+mn-ea"/>
+                <a:cs typeface="+mn-cs"/>
+              </a:defRPr>
+            </a:lvl7pPr>
+            <a:lvl8pPr marL="3429000" indent="-228600" algn="l" defTabSz="914400" rtl="0" eaLnBrk="1" latinLnBrk="0" hangingPunct="1">
+              <a:lnSpc>
+                <a:spcPct val="90000"/>
+              </a:lnSpc>
+              <a:spcBef>
+                <a:spcPts val="500"/>
+              </a:spcBef>
+              <a:buFont typeface="Arial" panose="020B0604020202020204" pitchFamily="34" charset="0"/>
+              <a:buChar char="•"/>
+              <a:defRPr sz="1800" kern="1200">
+                <a:solidFill>
+                  <a:schemeClr val="tx1"/>
+                </a:solidFill>
+                <a:latin typeface="+mn-lt"/>
+                <a:ea typeface="+mn-ea"/>
+                <a:cs typeface="+mn-cs"/>
+              </a:defRPr>
+            </a:lvl8pPr>
+            <a:lvl9pPr marL="3886200" indent="-228600" algn="l" defTabSz="914400" rtl="0" eaLnBrk="1" latinLnBrk="0" hangingPunct="1">
+              <a:lnSpc>
+                <a:spcPct val="90000"/>
+              </a:lnSpc>
+              <a:spcBef>
+                <a:spcPts val="500"/>
+              </a:spcBef>
+              <a:buFont typeface="Arial" panose="020B0604020202020204" pitchFamily="34" charset="0"/>
+              <a:buChar char="•"/>
+              <a:defRPr sz="1800" kern="1200">
+                <a:solidFill>
+                  <a:schemeClr val="tx1"/>
+                </a:solidFill>
+                <a:latin typeface="+mn-lt"/>
+                <a:ea typeface="+mn-ea"/>
+                <a:cs typeface="+mn-cs"/>
+              </a:defRPr>
+            </a:lvl9pPr>
+          </a:lstStyle>
+          <a:p>
+            <a:pPr>
+              <a:lnSpc>
+                <a:spcPct val="115000"/>
+              </a:lnSpc>
+              <a:spcBef>
+                <a:spcPts val="0"/>
+              </a:spcBef>
+              <a:buClr>
+                <a:srgbClr val="000000"/>
+              </a:buClr>
+              <a:buSzPts val="1400"/>
+            </a:pPr>
+            <a:r>
+              <a:rPr lang="en-US" b="1" dirty="0">
+                <a:solidFill>
+                  <a:schemeClr val="dk1"/>
+                </a:solidFill>
+                <a:ea typeface="Libre Franklin"/>
+                <a:cs typeface="Libre Franklin"/>
+                <a:sym typeface="Libre Franklin"/>
+              </a:rPr>
+              <a:t>Architecture Implementation (MVC)</a:t>
+            </a:r>
+          </a:p>
+          <a:p>
+            <a:pPr lvl="1">
+              <a:lnSpc>
+                <a:spcPct val="115000"/>
+              </a:lnSpc>
+              <a:spcBef>
+                <a:spcPts val="0"/>
+              </a:spcBef>
+              <a:buClr>
+                <a:srgbClr val="000000"/>
+              </a:buClr>
+              <a:buSzPts val="1400"/>
+            </a:pPr>
+            <a:r>
+              <a:rPr lang="en-US" sz="1600" u="sng" dirty="0">
+                <a:solidFill>
+                  <a:schemeClr val="dk1"/>
+                </a:solidFill>
+                <a:ea typeface="Libre Franklin"/>
+                <a:cs typeface="Libre Franklin"/>
+                <a:sym typeface="Libre Franklin"/>
+              </a:rPr>
+              <a:t>Challenge</a:t>
+            </a:r>
+            <a:r>
+              <a:rPr lang="en-US" sz="1600" dirty="0">
+                <a:solidFill>
+                  <a:schemeClr val="dk1"/>
+                </a:solidFill>
+                <a:ea typeface="Libre Franklin"/>
+                <a:cs typeface="Libre Franklin"/>
+                <a:sym typeface="Libre Franklin"/>
+              </a:rPr>
+              <a:t>: Ensuring clear separation of concerns between Model, View, and Controller while maintaining app responsiveness and modularity.</a:t>
+            </a:r>
+          </a:p>
+          <a:p>
+            <a:pPr lvl="1">
+              <a:lnSpc>
+                <a:spcPct val="115000"/>
+              </a:lnSpc>
+              <a:spcBef>
+                <a:spcPts val="0"/>
+              </a:spcBef>
+              <a:buClr>
+                <a:srgbClr val="000000"/>
+              </a:buClr>
+              <a:buSzPts val="1400"/>
+            </a:pPr>
+            <a:r>
+              <a:rPr lang="en-US" sz="1600" u="sng" dirty="0">
+                <a:solidFill>
+                  <a:schemeClr val="dk1"/>
+                </a:solidFill>
+                <a:ea typeface="Libre Franklin"/>
+                <a:cs typeface="Libre Franklin"/>
+                <a:sym typeface="Libre Franklin"/>
+              </a:rPr>
+              <a:t>Solution</a:t>
+            </a:r>
+            <a:r>
+              <a:rPr lang="en-US" sz="1600" dirty="0">
+                <a:solidFill>
+                  <a:schemeClr val="dk1"/>
+                </a:solidFill>
+                <a:ea typeface="Libre Franklin"/>
+                <a:cs typeface="Libre Franklin"/>
+                <a:sym typeface="Libre Franklin"/>
+              </a:rPr>
+              <a:t>: Clearly defined roles for each layer (Model, View, Controller), focusing on minimizing dependencies to enhance maintainability and scalability.</a:t>
+            </a:r>
+          </a:p>
+          <a:p>
+            <a:pPr>
+              <a:lnSpc>
+                <a:spcPct val="115000"/>
+              </a:lnSpc>
+              <a:spcBef>
+                <a:spcPts val="0"/>
+              </a:spcBef>
+              <a:buClr>
+                <a:srgbClr val="000000"/>
+              </a:buClr>
+              <a:buSzPts val="1400"/>
+            </a:pPr>
+            <a:r>
+              <a:rPr lang="en-US" b="1" dirty="0">
+                <a:solidFill>
+                  <a:schemeClr val="dk1"/>
+                </a:solidFill>
+                <a:ea typeface="Libre Franklin"/>
+                <a:cs typeface="Libre Franklin"/>
+                <a:sym typeface="Libre Franklin"/>
+              </a:rPr>
+              <a:t>Map Integration</a:t>
+            </a:r>
+          </a:p>
+          <a:p>
+            <a:pPr lvl="1">
+              <a:lnSpc>
+                <a:spcPct val="115000"/>
+              </a:lnSpc>
+              <a:spcBef>
+                <a:spcPts val="0"/>
+              </a:spcBef>
+              <a:buClr>
+                <a:srgbClr val="000000"/>
+              </a:buClr>
+              <a:buSzPts val="1400"/>
+            </a:pPr>
+            <a:r>
+              <a:rPr lang="en-US" sz="1600" u="sng" dirty="0">
+                <a:solidFill>
+                  <a:schemeClr val="dk1"/>
+                </a:solidFill>
+                <a:ea typeface="Libre Franklin"/>
+                <a:cs typeface="Libre Franklin"/>
+                <a:sym typeface="Libre Franklin"/>
+              </a:rPr>
+              <a:t>Challenge</a:t>
+            </a:r>
+            <a:r>
+              <a:rPr lang="en-US" sz="1600" dirty="0">
+                <a:solidFill>
+                  <a:schemeClr val="dk1"/>
+                </a:solidFill>
+                <a:ea typeface="Libre Franklin"/>
+                <a:cs typeface="Libre Franklin"/>
+                <a:sym typeface="Libre Franklin"/>
+              </a:rPr>
+              <a:t>: Integrating a reliable, cost-effective map service, with initial issues in Flutter support for Mapbox and cost constraints for Google Maps.</a:t>
+            </a:r>
+          </a:p>
+          <a:p>
+            <a:pPr lvl="1">
+              <a:lnSpc>
+                <a:spcPct val="115000"/>
+              </a:lnSpc>
+              <a:spcBef>
+                <a:spcPts val="0"/>
+              </a:spcBef>
+              <a:buClr>
+                <a:srgbClr val="000000"/>
+              </a:buClr>
+              <a:buSzPts val="1400"/>
+            </a:pPr>
+            <a:r>
+              <a:rPr lang="en-US" sz="1600" u="sng" dirty="0">
+                <a:solidFill>
+                  <a:schemeClr val="dk1"/>
+                </a:solidFill>
+                <a:ea typeface="Libre Franklin"/>
+                <a:cs typeface="Libre Franklin"/>
+                <a:sym typeface="Libre Franklin"/>
+              </a:rPr>
+              <a:t>Solution</a:t>
+            </a:r>
+            <a:r>
+              <a:rPr lang="en-US" sz="1600" dirty="0">
+                <a:solidFill>
+                  <a:schemeClr val="dk1"/>
+                </a:solidFill>
+                <a:ea typeface="Libre Franklin"/>
+                <a:cs typeface="Libre Franklin"/>
+                <a:sym typeface="Libre Franklin"/>
+              </a:rPr>
+              <a:t>: Implemented OpenStreetMap using Flutter packages (</a:t>
+            </a:r>
+            <a:r>
+              <a:rPr lang="en-US" sz="1600" dirty="0" err="1">
+                <a:solidFill>
+                  <a:schemeClr val="dk1"/>
+                </a:solidFill>
+                <a:ea typeface="Libre Franklin"/>
+                <a:cs typeface="Libre Franklin"/>
+                <a:sym typeface="Libre Franklin"/>
+              </a:rPr>
+              <a:t>flutter_map</a:t>
+            </a:r>
+            <a:r>
+              <a:rPr lang="en-US" sz="1600" dirty="0">
+                <a:solidFill>
+                  <a:schemeClr val="dk1"/>
+                </a:solidFill>
+                <a:ea typeface="Libre Franklin"/>
+                <a:cs typeface="Libre Franklin"/>
+                <a:sym typeface="Libre Franklin"/>
+              </a:rPr>
+              <a:t>, latlong2, geocoding), providing accurate location services while adhering to project budget constraints.</a:t>
+            </a:r>
+          </a:p>
+          <a:p>
+            <a:pPr>
+              <a:lnSpc>
+                <a:spcPct val="115000"/>
+              </a:lnSpc>
+              <a:spcBef>
+                <a:spcPts val="0"/>
+              </a:spcBef>
+              <a:buClr>
+                <a:srgbClr val="000000"/>
+              </a:buClr>
+              <a:buSzPts val="1400"/>
+            </a:pPr>
+            <a:r>
+              <a:rPr lang="en-US" b="1" dirty="0">
+                <a:solidFill>
+                  <a:schemeClr val="tx1"/>
+                </a:solidFill>
+              </a:rPr>
+              <a:t>UI Experience</a:t>
+            </a:r>
+          </a:p>
+          <a:p>
+            <a:pPr lvl="1">
+              <a:lnSpc>
+                <a:spcPct val="115000"/>
+              </a:lnSpc>
+              <a:spcBef>
+                <a:spcPts val="0"/>
+              </a:spcBef>
+              <a:buClr>
+                <a:srgbClr val="000000"/>
+              </a:buClr>
+              <a:buSzPts val="1400"/>
+            </a:pPr>
+            <a:r>
+              <a:rPr lang="en-US" sz="1600" u="sng" dirty="0">
+                <a:solidFill>
+                  <a:schemeClr val="tx1"/>
+                </a:solidFill>
+              </a:rPr>
+              <a:t>Challenge</a:t>
+            </a:r>
+            <a:r>
+              <a:rPr lang="en-US" sz="1600" dirty="0">
+                <a:solidFill>
+                  <a:schemeClr val="tx1"/>
+                </a:solidFill>
+              </a:rPr>
+              <a:t>: Designing a user-friendly interface that presents complex information (rides, groups, routes) while remaining simple for diverse users.</a:t>
+            </a:r>
+          </a:p>
+          <a:p>
+            <a:pPr lvl="1">
+              <a:lnSpc>
+                <a:spcPct val="115000"/>
+              </a:lnSpc>
+              <a:spcBef>
+                <a:spcPts val="0"/>
+              </a:spcBef>
+              <a:buClr>
+                <a:srgbClr val="000000"/>
+              </a:buClr>
+              <a:buSzPts val="1400"/>
+            </a:pPr>
+            <a:r>
+              <a:rPr lang="en-US" sz="1600" u="sng" dirty="0">
+                <a:solidFill>
+                  <a:schemeClr val="tx1"/>
+                </a:solidFill>
+              </a:rPr>
+              <a:t>Solution</a:t>
+            </a:r>
+            <a:r>
+              <a:rPr lang="en-US" sz="1600" dirty="0">
+                <a:solidFill>
+                  <a:schemeClr val="tx1"/>
+                </a:solidFill>
+              </a:rPr>
+              <a:t>: Adopted an iterative design approach with user testing, improving features like group creation, route displays, and overall navigation, resulting in higher user engagement and satisfaction.</a:t>
+            </a:r>
+          </a:p>
+        </p:txBody>
+      </p:sp>
+    </p:spTree>
+    <p:extLst>
+      <p:ext uri="{BB962C8B-B14F-4D97-AF65-F5344CB8AC3E}">
+        <p14:creationId xmlns:p14="http://schemas.microsoft.com/office/powerpoint/2010/main" val="2959479519"/>
+      </p:ext>
+    </p:extLst>
+  </p:cSld>
+  <p:clrMapOvr>
+    <a:masterClrMapping/>
+  </p:clrMapOvr>
+</p:sld>
+</file>
+
+<file path=ppt/slides/slide11.xml><?xml version="1.0" encoding="utf-8"?>
+<p:sld xmlns:a="http://schemas.openxmlformats.org/drawingml/2006/main" xmlns:r="http://schemas.openxmlformats.org/officeDocument/2006/relationships" xmlns:p="http://schemas.openxmlformats.org/presentationml/2006/main">
+  <p:cSld>
+    <p:spTree>
+      <p:nvGrpSpPr>
+        <p:cNvPr id="1" name=""/>
+        <p:cNvGrpSpPr/>
+        <p:nvPr/>
+      </p:nvGrpSpPr>
+      <p:grpSpPr>
+        <a:xfrm>
+          <a:off x="0" y="0"/>
+          <a:ext cx="0" cy="0"/>
+          <a:chOff x="0" y="0"/>
+          <a:chExt cx="0" cy="0"/>
+        </a:xfrm>
+      </p:grpSpPr>
+      <p:sp>
+        <p:nvSpPr>
+          <p:cNvPr id="2" name="Title 1">
+            <a:extLst>
+              <a:ext uri="{FF2B5EF4-FFF2-40B4-BE49-F238E27FC236}">
+                <a16:creationId xmlns:a16="http://schemas.microsoft.com/office/drawing/2014/main" id="{29637FF6-2210-9469-07B3-D36E0B53EBFB}"/>
+              </a:ext>
+            </a:extLst>
+          </p:cNvPr>
+          <p:cNvSpPr>
+            <a:spLocks noGrp="1"/>
+          </p:cNvSpPr>
+          <p:nvPr>
+            <p:ph type="ctrTitle"/>
+          </p:nvPr>
+        </p:nvSpPr>
+        <p:spPr>
+          <a:xfrm>
+            <a:off x="1843862" y="295867"/>
+            <a:ext cx="8504275" cy="728014"/>
+          </a:xfrm>
+        </p:spPr>
+        <p:txBody>
+          <a:bodyPr>
+            <a:normAutofit fontScale="90000"/>
+          </a:bodyPr>
+          <a:lstStyle/>
+          <a:p>
+            <a:pPr algn="ctr"/>
+            <a:r>
+              <a:rPr lang="en-US" dirty="0"/>
+              <a:t>Tests</a:t>
+            </a:r>
+            <a:endParaRPr lang="LID4096" dirty="0"/>
+          </a:p>
+        </p:txBody>
+      </p:sp>
+      <p:sp>
+        <p:nvSpPr>
+          <p:cNvPr id="6" name="Google Shape;293;p3">
+            <a:extLst>
+              <a:ext uri="{FF2B5EF4-FFF2-40B4-BE49-F238E27FC236}">
+                <a16:creationId xmlns:a16="http://schemas.microsoft.com/office/drawing/2014/main" id="{95DAB734-8C22-2C6D-7F38-8ADD1A67890C}"/>
+              </a:ext>
+            </a:extLst>
+          </p:cNvPr>
+          <p:cNvSpPr txBox="1">
+            <a:spLocks/>
+          </p:cNvSpPr>
+          <p:nvPr/>
+        </p:nvSpPr>
+        <p:spPr>
+          <a:xfrm>
+            <a:off x="782060" y="1283747"/>
+            <a:ext cx="10942177" cy="5096956"/>
+          </a:xfrm>
+          <a:prstGeom prst="rect">
+            <a:avLst/>
+          </a:prstGeom>
+          <a:noFill/>
+          <a:ln>
+            <a:noFill/>
+          </a:ln>
+        </p:spPr>
+        <p:txBody>
+          <a:bodyPr spcFirstLastPara="1" vert="horz" wrap="square" lIns="91425" tIns="91425" rIns="91425" bIns="91425" rtlCol="0" anchor="t" anchorCtr="0">
+            <a:noAutofit/>
+          </a:bodyPr>
+          <a:lstStyle>
+            <a:lvl1pPr marL="228600" indent="-228600" algn="l" defTabSz="914400" rtl="0" eaLnBrk="1" latinLnBrk="0" hangingPunct="1">
+              <a:lnSpc>
+                <a:spcPct val="120000"/>
+              </a:lnSpc>
+              <a:spcBef>
+                <a:spcPts val="1000"/>
+              </a:spcBef>
+              <a:buClr>
+                <a:schemeClr val="accent5"/>
+              </a:buClr>
+              <a:buFont typeface="Arial" panose="020B0604020202020204" pitchFamily="34" charset="0"/>
+              <a:buChar char="•"/>
+              <a:defRPr sz="2000" kern="1200">
+                <a:solidFill>
+                  <a:schemeClr val="tx2"/>
+                </a:solidFill>
+                <a:latin typeface="+mn-lt"/>
+                <a:ea typeface="+mn-ea"/>
+                <a:cs typeface="+mn-cs"/>
+              </a:defRPr>
+            </a:lvl1pPr>
+            <a:lvl2pPr marL="685800" indent="-228600" algn="l" defTabSz="914400" rtl="0" eaLnBrk="1" latinLnBrk="0" hangingPunct="1">
+              <a:lnSpc>
+                <a:spcPct val="120000"/>
+              </a:lnSpc>
+              <a:spcBef>
+                <a:spcPts val="500"/>
+              </a:spcBef>
+              <a:buClr>
+                <a:schemeClr val="accent5"/>
+              </a:buClr>
+              <a:buFont typeface="Arial" panose="020B0604020202020204" pitchFamily="34" charset="0"/>
+              <a:buChar char="•"/>
+              <a:defRPr sz="1800" kern="1200">
+                <a:solidFill>
+                  <a:schemeClr val="tx2"/>
+                </a:solidFill>
+                <a:latin typeface="+mn-lt"/>
+                <a:ea typeface="+mn-ea"/>
+                <a:cs typeface="+mn-cs"/>
+              </a:defRPr>
+            </a:lvl2pPr>
+            <a:lvl3pPr marL="1143000" indent="-228600" algn="l" defTabSz="914400" rtl="0" eaLnBrk="1" latinLnBrk="0" hangingPunct="1">
+              <a:lnSpc>
+                <a:spcPct val="120000"/>
+              </a:lnSpc>
+              <a:spcBef>
+                <a:spcPts val="500"/>
+              </a:spcBef>
+              <a:buClr>
+                <a:schemeClr val="accent5"/>
+              </a:buClr>
+              <a:buFont typeface="Arial" panose="020B0604020202020204" pitchFamily="34" charset="0"/>
+              <a:buChar char="•"/>
+              <a:defRPr sz="1600" kern="1200">
+                <a:solidFill>
+                  <a:schemeClr val="tx2"/>
+                </a:solidFill>
+                <a:latin typeface="+mn-lt"/>
+                <a:ea typeface="+mn-ea"/>
+                <a:cs typeface="+mn-cs"/>
+              </a:defRPr>
+            </a:lvl3pPr>
+            <a:lvl4pPr marL="1600200" indent="-228600" algn="l" defTabSz="914400" rtl="0" eaLnBrk="1" latinLnBrk="0" hangingPunct="1">
+              <a:lnSpc>
+                <a:spcPct val="120000"/>
+              </a:lnSpc>
+              <a:spcBef>
+                <a:spcPts val="500"/>
+              </a:spcBef>
+              <a:buClr>
+                <a:schemeClr val="accent5"/>
+              </a:buClr>
+              <a:buFont typeface="Arial" panose="020B0604020202020204" pitchFamily="34" charset="0"/>
+              <a:buChar char="•"/>
+              <a:defRPr sz="1400" kern="1200">
+                <a:solidFill>
+                  <a:schemeClr val="tx2"/>
+                </a:solidFill>
+                <a:latin typeface="+mn-lt"/>
+                <a:ea typeface="+mn-ea"/>
+                <a:cs typeface="+mn-cs"/>
+              </a:defRPr>
+            </a:lvl4pPr>
+            <a:lvl5pPr marL="2057400" indent="-228600" algn="l" defTabSz="914400" rtl="0" eaLnBrk="1" latinLnBrk="0" hangingPunct="1">
+              <a:lnSpc>
+                <a:spcPct val="120000"/>
+              </a:lnSpc>
+              <a:spcBef>
+                <a:spcPts val="500"/>
+              </a:spcBef>
+              <a:buClr>
+                <a:schemeClr val="accent5"/>
+              </a:buClr>
+              <a:buFont typeface="Arial" panose="020B0604020202020204" pitchFamily="34" charset="0"/>
+              <a:buChar char="•"/>
+              <a:defRPr sz="1400" kern="1200">
+                <a:solidFill>
+                  <a:schemeClr val="tx2"/>
+                </a:solidFill>
+                <a:latin typeface="+mn-lt"/>
+                <a:ea typeface="+mn-ea"/>
+                <a:cs typeface="+mn-cs"/>
+              </a:defRPr>
+            </a:lvl5pPr>
+            <a:lvl6pPr marL="2514600" indent="-228600" algn="l" defTabSz="914400" rtl="0" eaLnBrk="1" latinLnBrk="0" hangingPunct="1">
+              <a:lnSpc>
+                <a:spcPct val="90000"/>
+              </a:lnSpc>
+              <a:spcBef>
+                <a:spcPts val="500"/>
+              </a:spcBef>
+              <a:buFont typeface="Arial" panose="020B0604020202020204" pitchFamily="34" charset="0"/>
+              <a:buChar char="•"/>
+              <a:defRPr sz="1800" kern="1200">
+                <a:solidFill>
+                  <a:schemeClr val="tx1"/>
+                </a:solidFill>
+                <a:latin typeface="+mn-lt"/>
+                <a:ea typeface="+mn-ea"/>
+                <a:cs typeface="+mn-cs"/>
+              </a:defRPr>
+            </a:lvl6pPr>
+            <a:lvl7pPr marL="2971800" indent="-228600" algn="l" defTabSz="914400" rtl="0" eaLnBrk="1" latinLnBrk="0" hangingPunct="1">
+              <a:lnSpc>
+                <a:spcPct val="90000"/>
+              </a:lnSpc>
+              <a:spcBef>
+                <a:spcPts val="500"/>
+              </a:spcBef>
+              <a:buFont typeface="Arial" panose="020B0604020202020204" pitchFamily="34" charset="0"/>
+              <a:buChar char="•"/>
+              <a:defRPr sz="1800" kern="1200">
+                <a:solidFill>
+                  <a:schemeClr val="tx1"/>
+                </a:solidFill>
+                <a:latin typeface="+mn-lt"/>
+                <a:ea typeface="+mn-ea"/>
+                <a:cs typeface="+mn-cs"/>
+              </a:defRPr>
+            </a:lvl7pPr>
+            <a:lvl8pPr marL="3429000" indent="-228600" algn="l" defTabSz="914400" rtl="0" eaLnBrk="1" latinLnBrk="0" hangingPunct="1">
+              <a:lnSpc>
+                <a:spcPct val="90000"/>
+              </a:lnSpc>
+              <a:spcBef>
+                <a:spcPts val="500"/>
+              </a:spcBef>
+              <a:buFont typeface="Arial" panose="020B0604020202020204" pitchFamily="34" charset="0"/>
+              <a:buChar char="•"/>
+              <a:defRPr sz="1800" kern="1200">
+                <a:solidFill>
+                  <a:schemeClr val="tx1"/>
+                </a:solidFill>
+                <a:latin typeface="+mn-lt"/>
+                <a:ea typeface="+mn-ea"/>
+                <a:cs typeface="+mn-cs"/>
+              </a:defRPr>
+            </a:lvl8pPr>
+            <a:lvl9pPr marL="3886200" indent="-228600" algn="l" defTabSz="914400" rtl="0" eaLnBrk="1" latinLnBrk="0" hangingPunct="1">
+              <a:lnSpc>
+                <a:spcPct val="90000"/>
+              </a:lnSpc>
+              <a:spcBef>
+                <a:spcPts val="500"/>
+              </a:spcBef>
+              <a:buFont typeface="Arial" panose="020B0604020202020204" pitchFamily="34" charset="0"/>
+              <a:buChar char="•"/>
+              <a:defRPr sz="1800" kern="1200">
+                <a:solidFill>
+                  <a:schemeClr val="tx1"/>
+                </a:solidFill>
+                <a:latin typeface="+mn-lt"/>
+                <a:ea typeface="+mn-ea"/>
+                <a:cs typeface="+mn-cs"/>
+              </a:defRPr>
+            </a:lvl9pPr>
+          </a:lstStyle>
+          <a:p>
+            <a:pPr marL="0" indent="0">
+              <a:lnSpc>
+                <a:spcPct val="115000"/>
+              </a:lnSpc>
+              <a:spcBef>
+                <a:spcPts val="0"/>
+              </a:spcBef>
+              <a:buClr>
+                <a:srgbClr val="000000"/>
+              </a:buClr>
+              <a:buSzPts val="1400"/>
+              <a:buNone/>
+            </a:pPr>
+            <a:r>
+              <a:rPr lang="en-US" dirty="0">
+                <a:solidFill>
+                  <a:schemeClr val="tx1"/>
+                </a:solidFill>
+              </a:rPr>
+              <a:t>During the development of the Carpool application, we conducted manual acceptance testing to ensure the app met specified requirements and was ready for users. This process involved verifying navigation, functionality, and overall user experience against predefined criteria for each feature.</a:t>
+            </a:r>
+          </a:p>
+          <a:p>
+            <a:pPr marL="0" indent="0">
+              <a:lnSpc>
+                <a:spcPct val="115000"/>
+              </a:lnSpc>
+              <a:spcBef>
+                <a:spcPts val="0"/>
+              </a:spcBef>
+              <a:buClr>
+                <a:srgbClr val="000000"/>
+              </a:buClr>
+              <a:buSzPts val="1400"/>
+              <a:buNone/>
+            </a:pPr>
+            <a:endParaRPr lang="en-US" dirty="0">
+              <a:solidFill>
+                <a:schemeClr val="tx1"/>
+              </a:solidFill>
+            </a:endParaRPr>
+          </a:p>
+          <a:p>
+            <a:pPr>
+              <a:lnSpc>
+                <a:spcPct val="115000"/>
+              </a:lnSpc>
+              <a:spcBef>
+                <a:spcPts val="0"/>
+              </a:spcBef>
+              <a:buClr>
+                <a:srgbClr val="000000"/>
+              </a:buClr>
+              <a:buSzPts val="1400"/>
+            </a:pPr>
+            <a:r>
+              <a:rPr lang="en-US" u="sng" dirty="0">
+                <a:solidFill>
+                  <a:schemeClr val="tx1"/>
+                </a:solidFill>
+              </a:rPr>
+              <a:t>Manual Testing Strategy</a:t>
+            </a:r>
+            <a:r>
+              <a:rPr lang="en-US" dirty="0">
+                <a:solidFill>
+                  <a:schemeClr val="tx1"/>
+                </a:solidFill>
+              </a:rPr>
+              <a:t>: Started by testing screen layouts and navigation to verify structure and user flow.</a:t>
+            </a:r>
+          </a:p>
+          <a:p>
+            <a:pPr>
+              <a:lnSpc>
+                <a:spcPct val="115000"/>
+              </a:lnSpc>
+              <a:spcBef>
+                <a:spcPts val="0"/>
+              </a:spcBef>
+              <a:buClr>
+                <a:srgbClr val="000000"/>
+              </a:buClr>
+              <a:buSzPts val="1400"/>
+            </a:pPr>
+            <a:endParaRPr lang="en-US" dirty="0">
+              <a:solidFill>
+                <a:schemeClr val="tx1"/>
+              </a:solidFill>
+            </a:endParaRPr>
+          </a:p>
+          <a:p>
+            <a:pPr>
+              <a:lnSpc>
+                <a:spcPct val="115000"/>
+              </a:lnSpc>
+              <a:spcBef>
+                <a:spcPts val="0"/>
+              </a:spcBef>
+              <a:buClr>
+                <a:srgbClr val="000000"/>
+              </a:buClr>
+              <a:buSzPts val="1400"/>
+            </a:pPr>
+            <a:r>
+              <a:rPr lang="en-US" u="sng" dirty="0">
+                <a:solidFill>
+                  <a:schemeClr val="tx1"/>
+                </a:solidFill>
+              </a:rPr>
+              <a:t>Feature Testing</a:t>
+            </a:r>
+            <a:r>
+              <a:rPr lang="en-US" dirty="0">
+                <a:solidFill>
+                  <a:schemeClr val="tx1"/>
+                </a:solidFill>
+              </a:rPr>
+              <a:t>: Manually tested major features like user authentication, group management, ride scheduling, searching and creating groups, and map integration after each development stage.</a:t>
+            </a:r>
+          </a:p>
+          <a:p>
+            <a:pPr>
+              <a:lnSpc>
+                <a:spcPct val="115000"/>
+              </a:lnSpc>
+              <a:spcBef>
+                <a:spcPts val="0"/>
+              </a:spcBef>
+              <a:buClr>
+                <a:srgbClr val="000000"/>
+              </a:buClr>
+              <a:buSzPts val="1400"/>
+            </a:pPr>
+            <a:endParaRPr lang="en-US" dirty="0">
+              <a:solidFill>
+                <a:schemeClr val="tx1"/>
+              </a:solidFill>
+            </a:endParaRPr>
+          </a:p>
+          <a:p>
+            <a:pPr>
+              <a:lnSpc>
+                <a:spcPct val="115000"/>
+              </a:lnSpc>
+              <a:spcBef>
+                <a:spcPts val="0"/>
+              </a:spcBef>
+              <a:buClr>
+                <a:srgbClr val="000000"/>
+              </a:buClr>
+              <a:buSzPts val="1400"/>
+            </a:pPr>
+            <a:r>
+              <a:rPr lang="en-US" u="sng" dirty="0">
+                <a:solidFill>
+                  <a:schemeClr val="tx1"/>
+                </a:solidFill>
+              </a:rPr>
+              <a:t>Real-World Scenarios</a:t>
+            </a:r>
+            <a:r>
+              <a:rPr lang="en-US" dirty="0">
+                <a:solidFill>
+                  <a:schemeClr val="tx1"/>
+                </a:solidFill>
+              </a:rPr>
+              <a:t>: Focused on testing the points-based system and simulating real usage patterns to ensure functionality and user experience.</a:t>
+            </a:r>
+          </a:p>
+        </p:txBody>
+      </p:sp>
+    </p:spTree>
+    <p:extLst>
+      <p:ext uri="{BB962C8B-B14F-4D97-AF65-F5344CB8AC3E}">
+        <p14:creationId xmlns:p14="http://schemas.microsoft.com/office/powerpoint/2010/main" val="2308821300"/>
+      </p:ext>
+    </p:extLst>
+  </p:cSld>
+  <p:clrMapOvr>
+    <a:masterClrMapping/>
+  </p:clrMapOvr>
+</p:sld>
+</file>
+
+<file path=ppt/slides/slide12.xml><?xml version="1.0" encoding="utf-8"?>
+<p:sld xmlns:a="http://schemas.openxmlformats.org/drawingml/2006/main" xmlns:r="http://schemas.openxmlformats.org/officeDocument/2006/relationships" xmlns:p="http://schemas.openxmlformats.org/presentationml/2006/main">
+  <p:cSld>
+    <p:spTree>
+      <p:nvGrpSpPr>
+        <p:cNvPr id="1" name=""/>
+        <p:cNvGrpSpPr/>
+        <p:nvPr/>
+      </p:nvGrpSpPr>
+      <p:grpSpPr>
+        <a:xfrm>
+          <a:off x="0" y="0"/>
+          <a:ext cx="0" cy="0"/>
+          <a:chOff x="0" y="0"/>
+          <a:chExt cx="0" cy="0"/>
+        </a:xfrm>
+      </p:grpSpPr>
+      <p:sp>
+        <p:nvSpPr>
           <p:cNvPr id="6" name="Google Shape;293;p3">
             <a:extLst>
               <a:ext uri="{FF2B5EF4-FFF2-40B4-BE49-F238E27FC236}">
@@ -11487,6 +12429,3671 @@
           <a:p>
             <a:pPr algn="ctr"/>
             <a:r>
+              <a:rPr lang="en-US" dirty="0"/>
+              <a:t>Timeline of a Carpool Ride</a:t>
+            </a:r>
+            <a:endParaRPr lang="LID4096" dirty="0"/>
+          </a:p>
+        </p:txBody>
+      </p:sp>
+      <p:pic>
+        <p:nvPicPr>
+          <p:cNvPr id="1033" name="Picture 9">
+            <a:extLst>
+              <a:ext uri="{FF2B5EF4-FFF2-40B4-BE49-F238E27FC236}">
+                <a16:creationId xmlns:a16="http://schemas.microsoft.com/office/drawing/2014/main" id="{692BBE86-1DED-EDA1-FAD4-ECF89A8CACFD}"/>
+              </a:ext>
+            </a:extLst>
+          </p:cNvPr>
+          <p:cNvPicPr>
+            <a:picLocks noChangeAspect="1" noChangeArrowheads="1"/>
+          </p:cNvPicPr>
+          <p:nvPr/>
+        </p:nvPicPr>
+        <p:blipFill>
+          <a:blip r:embed="rId3">
+            <a:extLst>
+              <a:ext uri="{28A0092B-C50C-407E-A947-70E740481C1C}">
+                <a14:useLocalDpi xmlns:a14="http://schemas.microsoft.com/office/drawing/2010/main" val="0"/>
+              </a:ext>
+            </a:extLst>
+          </a:blip>
+          <a:srcRect/>
+          <a:stretch>
+            <a:fillRect/>
+          </a:stretch>
+        </p:blipFill>
+        <p:spPr bwMode="auto">
+          <a:xfrm>
+            <a:off x="1146728" y="2477729"/>
+            <a:ext cx="2381085" cy="3923071"/>
+          </a:xfrm>
+          <a:prstGeom prst="rect">
+            <a:avLst/>
+          </a:prstGeom>
+          <a:noFill/>
+          <a:extLst>
+            <a:ext uri="{909E8E84-426E-40DD-AFC4-6F175D3DCCD1}">
+              <a14:hiddenFill xmlns:a14="http://schemas.microsoft.com/office/drawing/2010/main">
+                <a:solidFill>
+                  <a:srgbClr val="FFFFFF"/>
+                </a:solidFill>
+              </a14:hiddenFill>
+            </a:ext>
+          </a:extLst>
+        </p:spPr>
+      </p:pic>
+      <p:pic>
+        <p:nvPicPr>
+          <p:cNvPr id="1035" name="Picture 11">
+            <a:extLst>
+              <a:ext uri="{FF2B5EF4-FFF2-40B4-BE49-F238E27FC236}">
+                <a16:creationId xmlns:a16="http://schemas.microsoft.com/office/drawing/2014/main" id="{FF562C3B-7BAD-0FA5-7716-390FB0B91F4D}"/>
+              </a:ext>
+            </a:extLst>
+          </p:cNvPr>
+          <p:cNvPicPr>
+            <a:picLocks noChangeAspect="1" noChangeArrowheads="1"/>
+          </p:cNvPicPr>
+          <p:nvPr/>
+        </p:nvPicPr>
+        <p:blipFill>
+          <a:blip r:embed="rId4">
+            <a:extLst>
+              <a:ext uri="{28A0092B-C50C-407E-A947-70E740481C1C}">
+                <a14:useLocalDpi xmlns:a14="http://schemas.microsoft.com/office/drawing/2010/main" val="0"/>
+              </a:ext>
+            </a:extLst>
+          </a:blip>
+          <a:srcRect/>
+          <a:stretch>
+            <a:fillRect/>
+          </a:stretch>
+        </p:blipFill>
+        <p:spPr bwMode="auto">
+          <a:xfrm>
+            <a:off x="4959948" y="2477729"/>
+            <a:ext cx="2361108" cy="3923071"/>
+          </a:xfrm>
+          <a:prstGeom prst="rect">
+            <a:avLst/>
+          </a:prstGeom>
+          <a:noFill/>
+          <a:extLst>
+            <a:ext uri="{909E8E84-426E-40DD-AFC4-6F175D3DCCD1}">
+              <a14:hiddenFill xmlns:a14="http://schemas.microsoft.com/office/drawing/2010/main">
+                <a:solidFill>
+                  <a:srgbClr val="FFFFFF"/>
+                </a:solidFill>
+              </a14:hiddenFill>
+            </a:ext>
+          </a:extLst>
+        </p:spPr>
+      </p:pic>
+      <p:pic>
+        <p:nvPicPr>
+          <p:cNvPr id="1039" name="Picture 15">
+            <a:extLst>
+              <a:ext uri="{FF2B5EF4-FFF2-40B4-BE49-F238E27FC236}">
+                <a16:creationId xmlns:a16="http://schemas.microsoft.com/office/drawing/2014/main" id="{E8431C15-A24D-AB8E-0B80-E15F8D0C791C}"/>
+              </a:ext>
+            </a:extLst>
+          </p:cNvPr>
+          <p:cNvPicPr>
+            <a:picLocks noChangeAspect="1" noChangeArrowheads="1"/>
+          </p:cNvPicPr>
+          <p:nvPr/>
+        </p:nvPicPr>
+        <p:blipFill>
+          <a:blip r:embed="rId5">
+            <a:extLst>
+              <a:ext uri="{28A0092B-C50C-407E-A947-70E740481C1C}">
+                <a14:useLocalDpi xmlns:a14="http://schemas.microsoft.com/office/drawing/2010/main" val="0"/>
+              </a:ext>
+            </a:extLst>
+          </a:blip>
+          <a:srcRect/>
+          <a:stretch>
+            <a:fillRect/>
+          </a:stretch>
+        </p:blipFill>
+        <p:spPr bwMode="auto">
+          <a:xfrm>
+            <a:off x="8471132" y="2477728"/>
+            <a:ext cx="2574140" cy="1074274"/>
+          </a:xfrm>
+          <a:prstGeom prst="rect">
+            <a:avLst/>
+          </a:prstGeom>
+          <a:noFill/>
+          <a:extLst>
+            <a:ext uri="{909E8E84-426E-40DD-AFC4-6F175D3DCCD1}">
+              <a14:hiddenFill xmlns:a14="http://schemas.microsoft.com/office/drawing/2010/main">
+                <a:solidFill>
+                  <a:srgbClr val="FFFFFF"/>
+                </a:solidFill>
+              </a14:hiddenFill>
+            </a:ext>
+          </a:extLst>
+        </p:spPr>
+      </p:pic>
+      <p:sp>
+        <p:nvSpPr>
+          <p:cNvPr id="7" name="תיבת טקסט 6">
+            <a:extLst>
+              <a:ext uri="{FF2B5EF4-FFF2-40B4-BE49-F238E27FC236}">
+                <a16:creationId xmlns:a16="http://schemas.microsoft.com/office/drawing/2014/main" id="{B5AA206C-00E1-A5AD-7324-F7A39464C4CB}"/>
+              </a:ext>
+            </a:extLst>
+          </p:cNvPr>
+          <p:cNvSpPr txBox="1"/>
+          <p:nvPr/>
+        </p:nvSpPr>
+        <p:spPr>
+          <a:xfrm>
+            <a:off x="1747334" y="1877961"/>
+            <a:ext cx="1179871" cy="369332"/>
+          </a:xfrm>
+          <a:prstGeom prst="rect">
+            <a:avLst/>
+          </a:prstGeom>
+          <a:noFill/>
+        </p:spPr>
+        <p:txBody>
+          <a:bodyPr wrap="square" rtlCol="1">
+            <a:spAutoFit/>
+          </a:bodyPr>
+          <a:lstStyle/>
+          <a:p>
+            <a:r>
+              <a:rPr lang="en-US" dirty="0"/>
+              <a:t>14:00 PM</a:t>
+            </a:r>
+            <a:endParaRPr lang="he-IL" dirty="0"/>
+          </a:p>
+        </p:txBody>
+      </p:sp>
+      <p:sp>
+        <p:nvSpPr>
+          <p:cNvPr id="8" name="תיבת טקסט 7">
+            <a:extLst>
+              <a:ext uri="{FF2B5EF4-FFF2-40B4-BE49-F238E27FC236}">
+                <a16:creationId xmlns:a16="http://schemas.microsoft.com/office/drawing/2014/main" id="{72BE667B-A4EF-C194-689D-9F431244C9E2}"/>
+              </a:ext>
+            </a:extLst>
+          </p:cNvPr>
+          <p:cNvSpPr txBox="1"/>
+          <p:nvPr/>
+        </p:nvSpPr>
+        <p:spPr>
+          <a:xfrm>
+            <a:off x="5550566" y="1877961"/>
+            <a:ext cx="1179871" cy="369332"/>
+          </a:xfrm>
+          <a:prstGeom prst="rect">
+            <a:avLst/>
+          </a:prstGeom>
+          <a:noFill/>
+        </p:spPr>
+        <p:txBody>
+          <a:bodyPr wrap="square" rtlCol="1">
+            <a:spAutoFit/>
+          </a:bodyPr>
+          <a:lstStyle/>
+          <a:p>
+            <a:r>
+              <a:rPr lang="en-US" dirty="0"/>
+              <a:t>14:01 PM</a:t>
+            </a:r>
+            <a:endParaRPr lang="he-IL" dirty="0"/>
+          </a:p>
+        </p:txBody>
+      </p:sp>
+      <p:sp>
+        <p:nvSpPr>
+          <p:cNvPr id="9" name="תיבת טקסט 8">
+            <a:extLst>
+              <a:ext uri="{FF2B5EF4-FFF2-40B4-BE49-F238E27FC236}">
+                <a16:creationId xmlns:a16="http://schemas.microsoft.com/office/drawing/2014/main" id="{81A37529-DDA0-A899-0E8C-32405CA8C49F}"/>
+              </a:ext>
+            </a:extLst>
+          </p:cNvPr>
+          <p:cNvSpPr txBox="1"/>
+          <p:nvPr/>
+        </p:nvSpPr>
+        <p:spPr>
+          <a:xfrm>
+            <a:off x="9168266" y="1877961"/>
+            <a:ext cx="1179871" cy="369332"/>
+          </a:xfrm>
+          <a:prstGeom prst="rect">
+            <a:avLst/>
+          </a:prstGeom>
+          <a:noFill/>
+        </p:spPr>
+        <p:txBody>
+          <a:bodyPr wrap="square" rtlCol="1">
+            <a:spAutoFit/>
+          </a:bodyPr>
+          <a:lstStyle/>
+          <a:p>
+            <a:r>
+              <a:rPr lang="en-US" dirty="0"/>
+              <a:t>14:01 PM</a:t>
+            </a:r>
+            <a:endParaRPr lang="he-IL" dirty="0"/>
+          </a:p>
+        </p:txBody>
+      </p:sp>
+      <p:cxnSp>
+        <p:nvCxnSpPr>
+          <p:cNvPr id="3" name="מחבר חץ ישר 2">
+            <a:extLst>
+              <a:ext uri="{FF2B5EF4-FFF2-40B4-BE49-F238E27FC236}">
+                <a16:creationId xmlns:a16="http://schemas.microsoft.com/office/drawing/2014/main" id="{87840B7E-B538-B508-C306-098E988B29E2}"/>
+              </a:ext>
+            </a:extLst>
+          </p:cNvPr>
+          <p:cNvCxnSpPr>
+            <a:cxnSpLocks/>
+          </p:cNvCxnSpPr>
+          <p:nvPr/>
+        </p:nvCxnSpPr>
+        <p:spPr>
+          <a:xfrm>
+            <a:off x="2811146" y="5360159"/>
+            <a:ext cx="998726" cy="0"/>
+          </a:xfrm>
+          <a:prstGeom prst="straightConnector1">
+            <a:avLst/>
+          </a:prstGeom>
+          <a:ln>
+            <a:tailEnd type="triangle"/>
+          </a:ln>
+        </p:spPr>
+        <p:style>
+          <a:lnRef idx="1">
+            <a:schemeClr val="accent1"/>
+          </a:lnRef>
+          <a:fillRef idx="0">
+            <a:schemeClr val="accent1"/>
+          </a:fillRef>
+          <a:effectRef idx="0">
+            <a:schemeClr val="accent1"/>
+          </a:effectRef>
+          <a:fontRef idx="minor">
+            <a:schemeClr val="tx1"/>
+          </a:fontRef>
+        </p:style>
+      </p:cxnSp>
+      <p:sp>
+        <p:nvSpPr>
+          <p:cNvPr id="6" name="תיבת טקסט 5">
+            <a:extLst>
+              <a:ext uri="{FF2B5EF4-FFF2-40B4-BE49-F238E27FC236}">
+                <a16:creationId xmlns:a16="http://schemas.microsoft.com/office/drawing/2014/main" id="{3B9BE65E-DB7E-A3BE-6535-AC5596B33531}"/>
+              </a:ext>
+            </a:extLst>
+          </p:cNvPr>
+          <p:cNvSpPr txBox="1"/>
+          <p:nvPr/>
+        </p:nvSpPr>
+        <p:spPr>
+          <a:xfrm>
+            <a:off x="3809872" y="4831253"/>
+            <a:ext cx="2674374" cy="1477328"/>
+          </a:xfrm>
+          <a:prstGeom prst="rect">
+            <a:avLst/>
+          </a:prstGeom>
+          <a:noFill/>
+        </p:spPr>
+        <p:txBody>
+          <a:bodyPr wrap="square" rtlCol="1">
+            <a:spAutoFit/>
+          </a:bodyPr>
+          <a:lstStyle/>
+          <a:p>
+            <a:pPr marL="285750" indent="-285750">
+              <a:buFont typeface="Arial" panose="020B0604020202020204" pitchFamily="34" charset="0"/>
+              <a:buChar char="•"/>
+            </a:pPr>
+            <a:r>
+              <a:rPr lang="en-US" dirty="0"/>
+              <a:t>Opened only to the current driver</a:t>
+            </a:r>
+          </a:p>
+          <a:p>
+            <a:pPr marL="285750" indent="-285750">
+              <a:buFont typeface="Arial" panose="020B0604020202020204" pitchFamily="34" charset="0"/>
+              <a:buChar char="•"/>
+            </a:pPr>
+            <a:r>
+              <a:rPr lang="en-US" dirty="0"/>
+              <a:t>Can start drive 15 minutes before the departure time</a:t>
+            </a:r>
+            <a:endParaRPr lang="he-IL" dirty="0"/>
+          </a:p>
+        </p:txBody>
+      </p:sp>
+      <p:cxnSp>
+        <p:nvCxnSpPr>
+          <p:cNvPr id="13" name="מחבר חץ ישר 12">
+            <a:extLst>
+              <a:ext uri="{FF2B5EF4-FFF2-40B4-BE49-F238E27FC236}">
+                <a16:creationId xmlns:a16="http://schemas.microsoft.com/office/drawing/2014/main" id="{AC7B7628-80D6-121A-7343-25A548244C61}"/>
+              </a:ext>
+            </a:extLst>
+          </p:cNvPr>
+          <p:cNvCxnSpPr>
+            <a:cxnSpLocks/>
+          </p:cNvCxnSpPr>
+          <p:nvPr/>
+        </p:nvCxnSpPr>
+        <p:spPr>
+          <a:xfrm>
+            <a:off x="6821693" y="4369972"/>
+            <a:ext cx="998726" cy="0"/>
+          </a:xfrm>
+          <a:prstGeom prst="straightConnector1">
+            <a:avLst/>
+          </a:prstGeom>
+          <a:ln>
+            <a:tailEnd type="triangle"/>
+          </a:ln>
+        </p:spPr>
+        <p:style>
+          <a:lnRef idx="1">
+            <a:schemeClr val="accent1"/>
+          </a:lnRef>
+          <a:fillRef idx="0">
+            <a:schemeClr val="accent1"/>
+          </a:fillRef>
+          <a:effectRef idx="0">
+            <a:schemeClr val="accent1"/>
+          </a:effectRef>
+          <a:fontRef idx="minor">
+            <a:schemeClr val="tx1"/>
+          </a:fontRef>
+        </p:style>
+      </p:cxnSp>
+      <p:sp>
+        <p:nvSpPr>
+          <p:cNvPr id="14" name="תיבת טקסט 13">
+            <a:extLst>
+              <a:ext uri="{FF2B5EF4-FFF2-40B4-BE49-F238E27FC236}">
+                <a16:creationId xmlns:a16="http://schemas.microsoft.com/office/drawing/2014/main" id="{1D21E509-6412-66C7-9801-61026E6D8AE8}"/>
+              </a:ext>
+            </a:extLst>
+          </p:cNvPr>
+          <p:cNvSpPr txBox="1"/>
+          <p:nvPr/>
+        </p:nvSpPr>
+        <p:spPr>
+          <a:xfrm>
+            <a:off x="7809666" y="3852775"/>
+            <a:ext cx="2674374" cy="1200329"/>
+          </a:xfrm>
+          <a:prstGeom prst="rect">
+            <a:avLst/>
+          </a:prstGeom>
+          <a:noFill/>
+        </p:spPr>
+        <p:txBody>
+          <a:bodyPr wrap="square" rtlCol="1">
+            <a:spAutoFit/>
+          </a:bodyPr>
+          <a:lstStyle/>
+          <a:p>
+            <a:r>
+              <a:rPr lang="en-US" dirty="0"/>
+              <a:t>Window that pops up after the ride starts and showing all pickup points details</a:t>
+            </a:r>
+            <a:endParaRPr lang="he-IL" dirty="0"/>
+          </a:p>
+        </p:txBody>
+      </p:sp>
+      <p:cxnSp>
+        <p:nvCxnSpPr>
+          <p:cNvPr id="15" name="מחבר חץ ישר 14">
+            <a:extLst>
+              <a:ext uri="{FF2B5EF4-FFF2-40B4-BE49-F238E27FC236}">
+                <a16:creationId xmlns:a16="http://schemas.microsoft.com/office/drawing/2014/main" id="{15D0DA76-EC8E-3021-C3E1-D301D6B56B3A}"/>
+              </a:ext>
+            </a:extLst>
+          </p:cNvPr>
+          <p:cNvCxnSpPr>
+            <a:cxnSpLocks/>
+          </p:cNvCxnSpPr>
+          <p:nvPr/>
+        </p:nvCxnSpPr>
+        <p:spPr>
+          <a:xfrm>
+            <a:off x="6322330" y="3552002"/>
+            <a:ext cx="1498089" cy="0"/>
+          </a:xfrm>
+          <a:prstGeom prst="straightConnector1">
+            <a:avLst/>
+          </a:prstGeom>
+          <a:ln>
+            <a:tailEnd type="triangle"/>
+          </a:ln>
+        </p:spPr>
+        <p:style>
+          <a:lnRef idx="1">
+            <a:schemeClr val="accent1"/>
+          </a:lnRef>
+          <a:fillRef idx="0">
+            <a:schemeClr val="accent1"/>
+          </a:fillRef>
+          <a:effectRef idx="0">
+            <a:schemeClr val="accent1"/>
+          </a:effectRef>
+          <a:fontRef idx="minor">
+            <a:schemeClr val="tx1"/>
+          </a:fontRef>
+        </p:style>
+      </p:cxnSp>
+      <p:sp>
+        <p:nvSpPr>
+          <p:cNvPr id="18" name="תיבת טקסט 17">
+            <a:extLst>
+              <a:ext uri="{FF2B5EF4-FFF2-40B4-BE49-F238E27FC236}">
+                <a16:creationId xmlns:a16="http://schemas.microsoft.com/office/drawing/2014/main" id="{D428D556-79E4-894C-B8E8-8A0F1B2A56AA}"/>
+              </a:ext>
+            </a:extLst>
+          </p:cNvPr>
+          <p:cNvSpPr txBox="1"/>
+          <p:nvPr/>
+        </p:nvSpPr>
+        <p:spPr>
+          <a:xfrm>
+            <a:off x="7820419" y="3357023"/>
+            <a:ext cx="2674374" cy="369332"/>
+          </a:xfrm>
+          <a:prstGeom prst="rect">
+            <a:avLst/>
+          </a:prstGeom>
+          <a:noFill/>
+        </p:spPr>
+        <p:txBody>
+          <a:bodyPr wrap="square" rtlCol="1">
+            <a:spAutoFit/>
+          </a:bodyPr>
+          <a:lstStyle/>
+          <a:p>
+            <a:r>
+              <a:rPr lang="en-US" dirty="0"/>
+              <a:t>Departure time</a:t>
+            </a:r>
+            <a:endParaRPr lang="he-IL" dirty="0"/>
+          </a:p>
+        </p:txBody>
+      </p:sp>
+      <p:cxnSp>
+        <p:nvCxnSpPr>
+          <p:cNvPr id="19" name="מחבר חץ ישר 18">
+            <a:extLst>
+              <a:ext uri="{FF2B5EF4-FFF2-40B4-BE49-F238E27FC236}">
+                <a16:creationId xmlns:a16="http://schemas.microsoft.com/office/drawing/2014/main" id="{C49EC785-50D3-98D3-23F7-9E86872F170C}"/>
+              </a:ext>
+            </a:extLst>
+          </p:cNvPr>
+          <p:cNvCxnSpPr>
+            <a:cxnSpLocks/>
+          </p:cNvCxnSpPr>
+          <p:nvPr/>
+        </p:nvCxnSpPr>
+        <p:spPr>
+          <a:xfrm>
+            <a:off x="6614078" y="5331837"/>
+            <a:ext cx="1206341" cy="0"/>
+          </a:xfrm>
+          <a:prstGeom prst="straightConnector1">
+            <a:avLst/>
+          </a:prstGeom>
+          <a:ln>
+            <a:tailEnd type="triangle"/>
+          </a:ln>
+        </p:spPr>
+        <p:style>
+          <a:lnRef idx="1">
+            <a:schemeClr val="accent1"/>
+          </a:lnRef>
+          <a:fillRef idx="0">
+            <a:schemeClr val="accent1"/>
+          </a:fillRef>
+          <a:effectRef idx="0">
+            <a:schemeClr val="accent1"/>
+          </a:effectRef>
+          <a:fontRef idx="minor">
+            <a:schemeClr val="tx1"/>
+          </a:fontRef>
+        </p:style>
+      </p:cxnSp>
+      <p:sp>
+        <p:nvSpPr>
+          <p:cNvPr id="20" name="תיבת טקסט 19">
+            <a:extLst>
+              <a:ext uri="{FF2B5EF4-FFF2-40B4-BE49-F238E27FC236}">
+                <a16:creationId xmlns:a16="http://schemas.microsoft.com/office/drawing/2014/main" id="{D40399EE-FF9D-60E3-4710-DB2264445282}"/>
+              </a:ext>
+            </a:extLst>
+          </p:cNvPr>
+          <p:cNvSpPr txBox="1"/>
+          <p:nvPr/>
+        </p:nvSpPr>
+        <p:spPr>
+          <a:xfrm>
+            <a:off x="7831078" y="5081508"/>
+            <a:ext cx="3400802" cy="646331"/>
+          </a:xfrm>
+          <a:prstGeom prst="rect">
+            <a:avLst/>
+          </a:prstGeom>
+          <a:noFill/>
+        </p:spPr>
+        <p:txBody>
+          <a:bodyPr wrap="square" rtlCol="1">
+            <a:spAutoFit/>
+          </a:bodyPr>
+          <a:lstStyle/>
+          <a:p>
+            <a:r>
+              <a:rPr lang="en-US" dirty="0"/>
+              <a:t>Pickup point: Nahariya, </a:t>
+            </a:r>
+            <a:r>
+              <a:rPr lang="en-US" dirty="0" err="1"/>
+              <a:t>Iiris</a:t>
+            </a:r>
+            <a:r>
+              <a:rPr lang="en-US" dirty="0"/>
+              <a:t> 10</a:t>
+            </a:r>
+          </a:p>
+          <a:p>
+            <a:r>
+              <a:rPr lang="en-US" dirty="0"/>
+              <a:t>User to pickup:  Ben</a:t>
+            </a:r>
+            <a:endParaRPr lang="he-IL" dirty="0"/>
+          </a:p>
+        </p:txBody>
+      </p:sp>
+      <p:cxnSp>
+        <p:nvCxnSpPr>
+          <p:cNvPr id="23" name="מחבר חץ ישר 22">
+            <a:extLst>
+              <a:ext uri="{FF2B5EF4-FFF2-40B4-BE49-F238E27FC236}">
+                <a16:creationId xmlns:a16="http://schemas.microsoft.com/office/drawing/2014/main" id="{AC66DDCE-6A5D-CE61-3378-72A0C2EA19D7}"/>
+              </a:ext>
+            </a:extLst>
+          </p:cNvPr>
+          <p:cNvCxnSpPr>
+            <a:cxnSpLocks/>
+          </p:cNvCxnSpPr>
+          <p:nvPr/>
+        </p:nvCxnSpPr>
+        <p:spPr>
+          <a:xfrm>
+            <a:off x="9821948" y="3429000"/>
+            <a:ext cx="0" cy="423775"/>
+          </a:xfrm>
+          <a:prstGeom prst="straightConnector1">
+            <a:avLst/>
+          </a:prstGeom>
+          <a:ln>
+            <a:tailEnd type="triangle"/>
+          </a:ln>
+        </p:spPr>
+        <p:style>
+          <a:lnRef idx="1">
+            <a:schemeClr val="accent1"/>
+          </a:lnRef>
+          <a:fillRef idx="0">
+            <a:schemeClr val="accent1"/>
+          </a:fillRef>
+          <a:effectRef idx="0">
+            <a:schemeClr val="accent1"/>
+          </a:effectRef>
+          <a:fontRef idx="minor">
+            <a:schemeClr val="tx1"/>
+          </a:fontRef>
+        </p:style>
+      </p:cxnSp>
+      <p:sp>
+        <p:nvSpPr>
+          <p:cNvPr id="26" name="תיבת טקסט 25">
+            <a:extLst>
+              <a:ext uri="{FF2B5EF4-FFF2-40B4-BE49-F238E27FC236}">
+                <a16:creationId xmlns:a16="http://schemas.microsoft.com/office/drawing/2014/main" id="{3DC1D4FB-5497-BE72-CB0E-CF87C0B1A665}"/>
+              </a:ext>
+            </a:extLst>
+          </p:cNvPr>
+          <p:cNvSpPr txBox="1"/>
+          <p:nvPr/>
+        </p:nvSpPr>
+        <p:spPr>
+          <a:xfrm>
+            <a:off x="8670726" y="3776799"/>
+            <a:ext cx="2674374" cy="1200329"/>
+          </a:xfrm>
+          <a:prstGeom prst="rect">
+            <a:avLst/>
+          </a:prstGeom>
+          <a:noFill/>
+        </p:spPr>
+        <p:txBody>
+          <a:bodyPr wrap="square" rtlCol="1">
+            <a:spAutoFit/>
+          </a:bodyPr>
+          <a:lstStyle/>
+          <a:p>
+            <a:r>
+              <a:rPr lang="en-US" dirty="0"/>
+              <a:t>The driver and other group members receive a notification about the start of the ride</a:t>
+            </a:r>
+            <a:endParaRPr lang="he-IL" dirty="0"/>
+          </a:p>
+        </p:txBody>
+      </p:sp>
+    </p:spTree>
+    <p:extLst>
+      <p:ext uri="{BB962C8B-B14F-4D97-AF65-F5344CB8AC3E}">
+        <p14:creationId xmlns:p14="http://schemas.microsoft.com/office/powerpoint/2010/main" val="493836167"/>
+      </p:ext>
+    </p:extLst>
+  </p:cSld>
+  <p:clrMapOvr>
+    <a:masterClrMapping/>
+  </p:clrMapOvr>
+  <p:timing>
+    <p:tnLst>
+      <p:par>
+        <p:cTn id="1" dur="indefinite" restart="never" nodeType="tmRoot">
+          <p:childTnLst>
+            <p:seq concurrent="1" nextAc="seek">
+              <p:cTn id="2" dur="indefinite" nodeType="mainSeq">
+                <p:childTnLst>
+                  <p:par>
+                    <p:cTn id="3" fill="hold">
+                      <p:stCondLst>
+                        <p:cond delay="indefinite"/>
+                      </p:stCondLst>
+                      <p:childTnLst>
+                        <p:par>
+                          <p:cTn id="4" fill="hold">
+                            <p:stCondLst>
+                              <p:cond delay="0"/>
+                            </p:stCondLst>
+                            <p:childTnLst>
+                              <p:par>
+                                <p:cTn id="5" presetID="2" presetClass="entr" presetSubtype="4" fill="hold" nodeType="clickEffect">
+                                  <p:stCondLst>
+                                    <p:cond delay="0"/>
+                                  </p:stCondLst>
+                                  <p:childTnLst>
+                                    <p:set>
+                                      <p:cBhvr>
+                                        <p:cTn id="6" dur="1" fill="hold">
+                                          <p:stCondLst>
+                                            <p:cond delay="0"/>
+                                          </p:stCondLst>
+                                        </p:cTn>
+                                        <p:tgtEl>
+                                          <p:spTgt spid="1033"/>
+                                        </p:tgtEl>
+                                        <p:attrNameLst>
+                                          <p:attrName>style.visibility</p:attrName>
+                                        </p:attrNameLst>
+                                      </p:cBhvr>
+                                      <p:to>
+                                        <p:strVal val="visible"/>
+                                      </p:to>
+                                    </p:set>
+                                    <p:anim calcmode="lin" valueType="num">
+                                      <p:cBhvr additive="base">
+                                        <p:cTn id="7" dur="500" fill="hold"/>
+                                        <p:tgtEl>
+                                          <p:spTgt spid="1033"/>
+                                        </p:tgtEl>
+                                        <p:attrNameLst>
+                                          <p:attrName>ppt_x</p:attrName>
+                                        </p:attrNameLst>
+                                      </p:cBhvr>
+                                      <p:tavLst>
+                                        <p:tav tm="0">
+                                          <p:val>
+                                            <p:strVal val="#ppt_x"/>
+                                          </p:val>
+                                        </p:tav>
+                                        <p:tav tm="100000">
+                                          <p:val>
+                                            <p:strVal val="#ppt_x"/>
+                                          </p:val>
+                                        </p:tav>
+                                      </p:tavLst>
+                                    </p:anim>
+                                    <p:anim calcmode="lin" valueType="num">
+                                      <p:cBhvr additive="base">
+                                        <p:cTn id="8" dur="500" fill="hold"/>
+                                        <p:tgtEl>
+                                          <p:spTgt spid="1033"/>
+                                        </p:tgtEl>
+                                        <p:attrNameLst>
+                                          <p:attrName>ppt_y</p:attrName>
+                                        </p:attrNameLst>
+                                      </p:cBhvr>
+                                      <p:tavLst>
+                                        <p:tav tm="0">
+                                          <p:val>
+                                            <p:strVal val="1+#ppt_h/2"/>
+                                          </p:val>
+                                        </p:tav>
+                                        <p:tav tm="100000">
+                                          <p:val>
+                                            <p:strVal val="#ppt_y"/>
+                                          </p:val>
+                                        </p:tav>
+                                      </p:tavLst>
+                                    </p:anim>
+                                  </p:childTnLst>
+                                </p:cTn>
+                              </p:par>
+                              <p:par>
+                                <p:cTn id="9" presetID="2" presetClass="entr" presetSubtype="4" fill="hold" grpId="0" nodeType="withEffect">
+                                  <p:stCondLst>
+                                    <p:cond delay="0"/>
+                                  </p:stCondLst>
+                                  <p:childTnLst>
+                                    <p:set>
+                                      <p:cBhvr>
+                                        <p:cTn id="10" dur="1" fill="hold">
+                                          <p:stCondLst>
+                                            <p:cond delay="0"/>
+                                          </p:stCondLst>
+                                        </p:cTn>
+                                        <p:tgtEl>
+                                          <p:spTgt spid="7"/>
+                                        </p:tgtEl>
+                                        <p:attrNameLst>
+                                          <p:attrName>style.visibility</p:attrName>
+                                        </p:attrNameLst>
+                                      </p:cBhvr>
+                                      <p:to>
+                                        <p:strVal val="visible"/>
+                                      </p:to>
+                                    </p:set>
+                                    <p:anim calcmode="lin" valueType="num">
+                                      <p:cBhvr additive="base">
+                                        <p:cTn id="11" dur="500" fill="hold"/>
+                                        <p:tgtEl>
+                                          <p:spTgt spid="7"/>
+                                        </p:tgtEl>
+                                        <p:attrNameLst>
+                                          <p:attrName>ppt_x</p:attrName>
+                                        </p:attrNameLst>
+                                      </p:cBhvr>
+                                      <p:tavLst>
+                                        <p:tav tm="0">
+                                          <p:val>
+                                            <p:strVal val="#ppt_x"/>
+                                          </p:val>
+                                        </p:tav>
+                                        <p:tav tm="100000">
+                                          <p:val>
+                                            <p:strVal val="#ppt_x"/>
+                                          </p:val>
+                                        </p:tav>
+                                      </p:tavLst>
+                                    </p:anim>
+                                    <p:anim calcmode="lin" valueType="num">
+                                      <p:cBhvr additive="base">
+                                        <p:cTn id="12" dur="500" fill="hold"/>
+                                        <p:tgtEl>
+                                          <p:spTgt spid="7"/>
+                                        </p:tgtEl>
+                                        <p:attrNameLst>
+                                          <p:attrName>ppt_y</p:attrName>
+                                        </p:attrNameLst>
+                                      </p:cBhvr>
+                                      <p:tavLst>
+                                        <p:tav tm="0">
+                                          <p:val>
+                                            <p:strVal val="1+#ppt_h/2"/>
+                                          </p:val>
+                                        </p:tav>
+                                        <p:tav tm="100000">
+                                          <p:val>
+                                            <p:strVal val="#ppt_y"/>
+                                          </p:val>
+                                        </p:tav>
+                                      </p:tavLst>
+                                    </p:anim>
+                                  </p:childTnLst>
+                                </p:cTn>
+                              </p:par>
+                            </p:childTnLst>
+                          </p:cTn>
+                        </p:par>
+                      </p:childTnLst>
+                    </p:cTn>
+                  </p:par>
+                  <p:par>
+                    <p:cTn id="13" fill="hold">
+                      <p:stCondLst>
+                        <p:cond delay="indefinite"/>
+                      </p:stCondLst>
+                      <p:childTnLst>
+                        <p:par>
+                          <p:cTn id="14" fill="hold">
+                            <p:stCondLst>
+                              <p:cond delay="0"/>
+                            </p:stCondLst>
+                            <p:childTnLst>
+                              <p:par>
+                                <p:cTn id="15" presetID="10" presetClass="entr" presetSubtype="0" fill="hold" nodeType="clickEffect">
+                                  <p:stCondLst>
+                                    <p:cond delay="0"/>
+                                  </p:stCondLst>
+                                  <p:childTnLst>
+                                    <p:set>
+                                      <p:cBhvr>
+                                        <p:cTn id="16" dur="1" fill="hold">
+                                          <p:stCondLst>
+                                            <p:cond delay="0"/>
+                                          </p:stCondLst>
+                                        </p:cTn>
+                                        <p:tgtEl>
+                                          <p:spTgt spid="3"/>
+                                        </p:tgtEl>
+                                        <p:attrNameLst>
+                                          <p:attrName>style.visibility</p:attrName>
+                                        </p:attrNameLst>
+                                      </p:cBhvr>
+                                      <p:to>
+                                        <p:strVal val="visible"/>
+                                      </p:to>
+                                    </p:set>
+                                    <p:animEffect transition="in" filter="fade">
+                                      <p:cBhvr>
+                                        <p:cTn id="17" dur="500"/>
+                                        <p:tgtEl>
+                                          <p:spTgt spid="3"/>
+                                        </p:tgtEl>
+                                      </p:cBhvr>
+                                    </p:animEffect>
+                                  </p:childTnLst>
+                                </p:cTn>
+                              </p:par>
+                              <p:par>
+                                <p:cTn id="18" presetID="42" presetClass="entr" presetSubtype="0" fill="hold" grpId="0" nodeType="withEffect">
+                                  <p:stCondLst>
+                                    <p:cond delay="0"/>
+                                  </p:stCondLst>
+                                  <p:childTnLst>
+                                    <p:set>
+                                      <p:cBhvr>
+                                        <p:cTn id="19" dur="1" fill="hold">
+                                          <p:stCondLst>
+                                            <p:cond delay="0"/>
+                                          </p:stCondLst>
+                                        </p:cTn>
+                                        <p:tgtEl>
+                                          <p:spTgt spid="6"/>
+                                        </p:tgtEl>
+                                        <p:attrNameLst>
+                                          <p:attrName>style.visibility</p:attrName>
+                                        </p:attrNameLst>
+                                      </p:cBhvr>
+                                      <p:to>
+                                        <p:strVal val="visible"/>
+                                      </p:to>
+                                    </p:set>
+                                    <p:animEffect transition="in" filter="fade">
+                                      <p:cBhvr>
+                                        <p:cTn id="20" dur="1000"/>
+                                        <p:tgtEl>
+                                          <p:spTgt spid="6"/>
+                                        </p:tgtEl>
+                                      </p:cBhvr>
+                                    </p:animEffect>
+                                    <p:anim calcmode="lin" valueType="num">
+                                      <p:cBhvr>
+                                        <p:cTn id="21" dur="1000" fill="hold"/>
+                                        <p:tgtEl>
+                                          <p:spTgt spid="6"/>
+                                        </p:tgtEl>
+                                        <p:attrNameLst>
+                                          <p:attrName>ppt_x</p:attrName>
+                                        </p:attrNameLst>
+                                      </p:cBhvr>
+                                      <p:tavLst>
+                                        <p:tav tm="0">
+                                          <p:val>
+                                            <p:strVal val="#ppt_x"/>
+                                          </p:val>
+                                        </p:tav>
+                                        <p:tav tm="100000">
+                                          <p:val>
+                                            <p:strVal val="#ppt_x"/>
+                                          </p:val>
+                                        </p:tav>
+                                      </p:tavLst>
+                                    </p:anim>
+                                    <p:anim calcmode="lin" valueType="num">
+                                      <p:cBhvr>
+                                        <p:cTn id="22" dur="1000" fill="hold"/>
+                                        <p:tgtEl>
+                                          <p:spTgt spid="6"/>
+                                        </p:tgtEl>
+                                        <p:attrNameLst>
+                                          <p:attrName>ppt_y</p:attrName>
+                                        </p:attrNameLst>
+                                      </p:cBhvr>
+                                      <p:tavLst>
+                                        <p:tav tm="0">
+                                          <p:val>
+                                            <p:strVal val="#ppt_y+.1"/>
+                                          </p:val>
+                                        </p:tav>
+                                        <p:tav tm="100000">
+                                          <p:val>
+                                            <p:strVal val="#ppt_y"/>
+                                          </p:val>
+                                        </p:tav>
+                                      </p:tavLst>
+                                    </p:anim>
+                                  </p:childTnLst>
+                                </p:cTn>
+                              </p:par>
+                            </p:childTnLst>
+                          </p:cTn>
+                        </p:par>
+                      </p:childTnLst>
+                    </p:cTn>
+                  </p:par>
+                  <p:par>
+                    <p:cTn id="23" fill="hold">
+                      <p:stCondLst>
+                        <p:cond delay="indefinite"/>
+                      </p:stCondLst>
+                      <p:childTnLst>
+                        <p:par>
+                          <p:cTn id="24" fill="hold">
+                            <p:stCondLst>
+                              <p:cond delay="0"/>
+                            </p:stCondLst>
+                            <p:childTnLst>
+                              <p:par>
+                                <p:cTn id="25" presetID="1" presetClass="exit" presetSubtype="0" fill="hold" grpId="1" nodeType="clickEffect">
+                                  <p:stCondLst>
+                                    <p:cond delay="0"/>
+                                  </p:stCondLst>
+                                  <p:childTnLst>
+                                    <p:set>
+                                      <p:cBhvr>
+                                        <p:cTn id="26" dur="1" fill="hold">
+                                          <p:stCondLst>
+                                            <p:cond delay="0"/>
+                                          </p:stCondLst>
+                                        </p:cTn>
+                                        <p:tgtEl>
+                                          <p:spTgt spid="6"/>
+                                        </p:tgtEl>
+                                        <p:attrNameLst>
+                                          <p:attrName>style.visibility</p:attrName>
+                                        </p:attrNameLst>
+                                      </p:cBhvr>
+                                      <p:to>
+                                        <p:strVal val="hidden"/>
+                                      </p:to>
+                                    </p:set>
+                                  </p:childTnLst>
+                                </p:cTn>
+                              </p:par>
+                              <p:par>
+                                <p:cTn id="27" presetID="1" presetClass="exit" presetSubtype="0" fill="hold" nodeType="withEffect">
+                                  <p:stCondLst>
+                                    <p:cond delay="0"/>
+                                  </p:stCondLst>
+                                  <p:childTnLst>
+                                    <p:set>
+                                      <p:cBhvr>
+                                        <p:cTn id="28" dur="1" fill="hold">
+                                          <p:stCondLst>
+                                            <p:cond delay="0"/>
+                                          </p:stCondLst>
+                                        </p:cTn>
+                                        <p:tgtEl>
+                                          <p:spTgt spid="3"/>
+                                        </p:tgtEl>
+                                        <p:attrNameLst>
+                                          <p:attrName>style.visibility</p:attrName>
+                                        </p:attrNameLst>
+                                      </p:cBhvr>
+                                      <p:to>
+                                        <p:strVal val="hidden"/>
+                                      </p:to>
+                                    </p:set>
+                                  </p:childTnLst>
+                                </p:cTn>
+                              </p:par>
+                            </p:childTnLst>
+                          </p:cTn>
+                        </p:par>
+                      </p:childTnLst>
+                    </p:cTn>
+                  </p:par>
+                  <p:par>
+                    <p:cTn id="29" fill="hold">
+                      <p:stCondLst>
+                        <p:cond delay="indefinite"/>
+                      </p:stCondLst>
+                      <p:childTnLst>
+                        <p:par>
+                          <p:cTn id="30" fill="hold">
+                            <p:stCondLst>
+                              <p:cond delay="0"/>
+                            </p:stCondLst>
+                            <p:childTnLst>
+                              <p:par>
+                                <p:cTn id="31" presetID="2" presetClass="entr" presetSubtype="4" fill="hold" nodeType="clickEffect">
+                                  <p:stCondLst>
+                                    <p:cond delay="0"/>
+                                  </p:stCondLst>
+                                  <p:childTnLst>
+                                    <p:set>
+                                      <p:cBhvr>
+                                        <p:cTn id="32" dur="1" fill="hold">
+                                          <p:stCondLst>
+                                            <p:cond delay="0"/>
+                                          </p:stCondLst>
+                                        </p:cTn>
+                                        <p:tgtEl>
+                                          <p:spTgt spid="1035"/>
+                                        </p:tgtEl>
+                                        <p:attrNameLst>
+                                          <p:attrName>style.visibility</p:attrName>
+                                        </p:attrNameLst>
+                                      </p:cBhvr>
+                                      <p:to>
+                                        <p:strVal val="visible"/>
+                                      </p:to>
+                                    </p:set>
+                                    <p:anim calcmode="lin" valueType="num">
+                                      <p:cBhvr additive="base">
+                                        <p:cTn id="33" dur="500" fill="hold"/>
+                                        <p:tgtEl>
+                                          <p:spTgt spid="1035"/>
+                                        </p:tgtEl>
+                                        <p:attrNameLst>
+                                          <p:attrName>ppt_x</p:attrName>
+                                        </p:attrNameLst>
+                                      </p:cBhvr>
+                                      <p:tavLst>
+                                        <p:tav tm="0">
+                                          <p:val>
+                                            <p:strVal val="#ppt_x"/>
+                                          </p:val>
+                                        </p:tav>
+                                        <p:tav tm="100000">
+                                          <p:val>
+                                            <p:strVal val="#ppt_x"/>
+                                          </p:val>
+                                        </p:tav>
+                                      </p:tavLst>
+                                    </p:anim>
+                                    <p:anim calcmode="lin" valueType="num">
+                                      <p:cBhvr additive="base">
+                                        <p:cTn id="34" dur="500" fill="hold"/>
+                                        <p:tgtEl>
+                                          <p:spTgt spid="1035"/>
+                                        </p:tgtEl>
+                                        <p:attrNameLst>
+                                          <p:attrName>ppt_y</p:attrName>
+                                        </p:attrNameLst>
+                                      </p:cBhvr>
+                                      <p:tavLst>
+                                        <p:tav tm="0">
+                                          <p:val>
+                                            <p:strVal val="1+#ppt_h/2"/>
+                                          </p:val>
+                                        </p:tav>
+                                        <p:tav tm="100000">
+                                          <p:val>
+                                            <p:strVal val="#ppt_y"/>
+                                          </p:val>
+                                        </p:tav>
+                                      </p:tavLst>
+                                    </p:anim>
+                                  </p:childTnLst>
+                                </p:cTn>
+                              </p:par>
+                              <p:par>
+                                <p:cTn id="35" presetID="2" presetClass="entr" presetSubtype="4" fill="hold" grpId="0" nodeType="withEffect">
+                                  <p:stCondLst>
+                                    <p:cond delay="0"/>
+                                  </p:stCondLst>
+                                  <p:childTnLst>
+                                    <p:set>
+                                      <p:cBhvr>
+                                        <p:cTn id="36" dur="1" fill="hold">
+                                          <p:stCondLst>
+                                            <p:cond delay="0"/>
+                                          </p:stCondLst>
+                                        </p:cTn>
+                                        <p:tgtEl>
+                                          <p:spTgt spid="8"/>
+                                        </p:tgtEl>
+                                        <p:attrNameLst>
+                                          <p:attrName>style.visibility</p:attrName>
+                                        </p:attrNameLst>
+                                      </p:cBhvr>
+                                      <p:to>
+                                        <p:strVal val="visible"/>
+                                      </p:to>
+                                    </p:set>
+                                    <p:anim calcmode="lin" valueType="num">
+                                      <p:cBhvr additive="base">
+                                        <p:cTn id="37" dur="500" fill="hold"/>
+                                        <p:tgtEl>
+                                          <p:spTgt spid="8"/>
+                                        </p:tgtEl>
+                                        <p:attrNameLst>
+                                          <p:attrName>ppt_x</p:attrName>
+                                        </p:attrNameLst>
+                                      </p:cBhvr>
+                                      <p:tavLst>
+                                        <p:tav tm="0">
+                                          <p:val>
+                                            <p:strVal val="#ppt_x"/>
+                                          </p:val>
+                                        </p:tav>
+                                        <p:tav tm="100000">
+                                          <p:val>
+                                            <p:strVal val="#ppt_x"/>
+                                          </p:val>
+                                        </p:tav>
+                                      </p:tavLst>
+                                    </p:anim>
+                                    <p:anim calcmode="lin" valueType="num">
+                                      <p:cBhvr additive="base">
+                                        <p:cTn id="38" dur="500" fill="hold"/>
+                                        <p:tgtEl>
+                                          <p:spTgt spid="8"/>
+                                        </p:tgtEl>
+                                        <p:attrNameLst>
+                                          <p:attrName>ppt_y</p:attrName>
+                                        </p:attrNameLst>
+                                      </p:cBhvr>
+                                      <p:tavLst>
+                                        <p:tav tm="0">
+                                          <p:val>
+                                            <p:strVal val="1+#ppt_h/2"/>
+                                          </p:val>
+                                        </p:tav>
+                                        <p:tav tm="100000">
+                                          <p:val>
+                                            <p:strVal val="#ppt_y"/>
+                                          </p:val>
+                                        </p:tav>
+                                      </p:tavLst>
+                                    </p:anim>
+                                  </p:childTnLst>
+                                </p:cTn>
+                              </p:par>
+                            </p:childTnLst>
+                          </p:cTn>
+                        </p:par>
+                      </p:childTnLst>
+                    </p:cTn>
+                  </p:par>
+                  <p:par>
+                    <p:cTn id="39" fill="hold">
+                      <p:stCondLst>
+                        <p:cond delay="indefinite"/>
+                      </p:stCondLst>
+                      <p:childTnLst>
+                        <p:par>
+                          <p:cTn id="40" fill="hold">
+                            <p:stCondLst>
+                              <p:cond delay="0"/>
+                            </p:stCondLst>
+                            <p:childTnLst>
+                              <p:par>
+                                <p:cTn id="41" presetID="10" presetClass="entr" presetSubtype="0" fill="hold" nodeType="clickEffect">
+                                  <p:stCondLst>
+                                    <p:cond delay="0"/>
+                                  </p:stCondLst>
+                                  <p:childTnLst>
+                                    <p:set>
+                                      <p:cBhvr>
+                                        <p:cTn id="42" dur="1" fill="hold">
+                                          <p:stCondLst>
+                                            <p:cond delay="0"/>
+                                          </p:stCondLst>
+                                        </p:cTn>
+                                        <p:tgtEl>
+                                          <p:spTgt spid="13"/>
+                                        </p:tgtEl>
+                                        <p:attrNameLst>
+                                          <p:attrName>style.visibility</p:attrName>
+                                        </p:attrNameLst>
+                                      </p:cBhvr>
+                                      <p:to>
+                                        <p:strVal val="visible"/>
+                                      </p:to>
+                                    </p:set>
+                                    <p:animEffect transition="in" filter="fade">
+                                      <p:cBhvr>
+                                        <p:cTn id="43" dur="500"/>
+                                        <p:tgtEl>
+                                          <p:spTgt spid="13"/>
+                                        </p:tgtEl>
+                                      </p:cBhvr>
+                                    </p:animEffect>
+                                  </p:childTnLst>
+                                </p:cTn>
+                              </p:par>
+                              <p:par>
+                                <p:cTn id="44" presetID="42" presetClass="entr" presetSubtype="0" fill="hold" grpId="0" nodeType="withEffect">
+                                  <p:stCondLst>
+                                    <p:cond delay="0"/>
+                                  </p:stCondLst>
+                                  <p:childTnLst>
+                                    <p:set>
+                                      <p:cBhvr>
+                                        <p:cTn id="45" dur="1" fill="hold">
+                                          <p:stCondLst>
+                                            <p:cond delay="0"/>
+                                          </p:stCondLst>
+                                        </p:cTn>
+                                        <p:tgtEl>
+                                          <p:spTgt spid="14"/>
+                                        </p:tgtEl>
+                                        <p:attrNameLst>
+                                          <p:attrName>style.visibility</p:attrName>
+                                        </p:attrNameLst>
+                                      </p:cBhvr>
+                                      <p:to>
+                                        <p:strVal val="visible"/>
+                                      </p:to>
+                                    </p:set>
+                                    <p:animEffect transition="in" filter="fade">
+                                      <p:cBhvr>
+                                        <p:cTn id="46" dur="1000"/>
+                                        <p:tgtEl>
+                                          <p:spTgt spid="14"/>
+                                        </p:tgtEl>
+                                      </p:cBhvr>
+                                    </p:animEffect>
+                                    <p:anim calcmode="lin" valueType="num">
+                                      <p:cBhvr>
+                                        <p:cTn id="47" dur="1000" fill="hold"/>
+                                        <p:tgtEl>
+                                          <p:spTgt spid="14"/>
+                                        </p:tgtEl>
+                                        <p:attrNameLst>
+                                          <p:attrName>ppt_x</p:attrName>
+                                        </p:attrNameLst>
+                                      </p:cBhvr>
+                                      <p:tavLst>
+                                        <p:tav tm="0">
+                                          <p:val>
+                                            <p:strVal val="#ppt_x"/>
+                                          </p:val>
+                                        </p:tav>
+                                        <p:tav tm="100000">
+                                          <p:val>
+                                            <p:strVal val="#ppt_x"/>
+                                          </p:val>
+                                        </p:tav>
+                                      </p:tavLst>
+                                    </p:anim>
+                                    <p:anim calcmode="lin" valueType="num">
+                                      <p:cBhvr>
+                                        <p:cTn id="48" dur="1000" fill="hold"/>
+                                        <p:tgtEl>
+                                          <p:spTgt spid="14"/>
+                                        </p:tgtEl>
+                                        <p:attrNameLst>
+                                          <p:attrName>ppt_y</p:attrName>
+                                        </p:attrNameLst>
+                                      </p:cBhvr>
+                                      <p:tavLst>
+                                        <p:tav tm="0">
+                                          <p:val>
+                                            <p:strVal val="#ppt_y+.1"/>
+                                          </p:val>
+                                        </p:tav>
+                                        <p:tav tm="100000">
+                                          <p:val>
+                                            <p:strVal val="#ppt_y"/>
+                                          </p:val>
+                                        </p:tav>
+                                      </p:tavLst>
+                                    </p:anim>
+                                  </p:childTnLst>
+                                </p:cTn>
+                              </p:par>
+                            </p:childTnLst>
+                          </p:cTn>
+                        </p:par>
+                      </p:childTnLst>
+                    </p:cTn>
+                  </p:par>
+                  <p:par>
+                    <p:cTn id="49" fill="hold">
+                      <p:stCondLst>
+                        <p:cond delay="indefinite"/>
+                      </p:stCondLst>
+                      <p:childTnLst>
+                        <p:par>
+                          <p:cTn id="50" fill="hold">
+                            <p:stCondLst>
+                              <p:cond delay="0"/>
+                            </p:stCondLst>
+                            <p:childTnLst>
+                              <p:par>
+                                <p:cTn id="51" presetID="10" presetClass="entr" presetSubtype="0" fill="hold" nodeType="clickEffect">
+                                  <p:stCondLst>
+                                    <p:cond delay="0"/>
+                                  </p:stCondLst>
+                                  <p:childTnLst>
+                                    <p:set>
+                                      <p:cBhvr>
+                                        <p:cTn id="52" dur="1" fill="hold">
+                                          <p:stCondLst>
+                                            <p:cond delay="0"/>
+                                          </p:stCondLst>
+                                        </p:cTn>
+                                        <p:tgtEl>
+                                          <p:spTgt spid="15"/>
+                                        </p:tgtEl>
+                                        <p:attrNameLst>
+                                          <p:attrName>style.visibility</p:attrName>
+                                        </p:attrNameLst>
+                                      </p:cBhvr>
+                                      <p:to>
+                                        <p:strVal val="visible"/>
+                                      </p:to>
+                                    </p:set>
+                                    <p:animEffect transition="in" filter="fade">
+                                      <p:cBhvr>
+                                        <p:cTn id="53" dur="500"/>
+                                        <p:tgtEl>
+                                          <p:spTgt spid="15"/>
+                                        </p:tgtEl>
+                                      </p:cBhvr>
+                                    </p:animEffect>
+                                  </p:childTnLst>
+                                </p:cTn>
+                              </p:par>
+                              <p:par>
+                                <p:cTn id="54" presetID="42" presetClass="entr" presetSubtype="0" fill="hold" grpId="0" nodeType="withEffect">
+                                  <p:stCondLst>
+                                    <p:cond delay="0"/>
+                                  </p:stCondLst>
+                                  <p:childTnLst>
+                                    <p:set>
+                                      <p:cBhvr>
+                                        <p:cTn id="55" dur="1" fill="hold">
+                                          <p:stCondLst>
+                                            <p:cond delay="0"/>
+                                          </p:stCondLst>
+                                        </p:cTn>
+                                        <p:tgtEl>
+                                          <p:spTgt spid="18"/>
+                                        </p:tgtEl>
+                                        <p:attrNameLst>
+                                          <p:attrName>style.visibility</p:attrName>
+                                        </p:attrNameLst>
+                                      </p:cBhvr>
+                                      <p:to>
+                                        <p:strVal val="visible"/>
+                                      </p:to>
+                                    </p:set>
+                                    <p:animEffect transition="in" filter="fade">
+                                      <p:cBhvr>
+                                        <p:cTn id="56" dur="1000"/>
+                                        <p:tgtEl>
+                                          <p:spTgt spid="18"/>
+                                        </p:tgtEl>
+                                      </p:cBhvr>
+                                    </p:animEffect>
+                                    <p:anim calcmode="lin" valueType="num">
+                                      <p:cBhvr>
+                                        <p:cTn id="57" dur="1000" fill="hold"/>
+                                        <p:tgtEl>
+                                          <p:spTgt spid="18"/>
+                                        </p:tgtEl>
+                                        <p:attrNameLst>
+                                          <p:attrName>ppt_x</p:attrName>
+                                        </p:attrNameLst>
+                                      </p:cBhvr>
+                                      <p:tavLst>
+                                        <p:tav tm="0">
+                                          <p:val>
+                                            <p:strVal val="#ppt_x"/>
+                                          </p:val>
+                                        </p:tav>
+                                        <p:tav tm="100000">
+                                          <p:val>
+                                            <p:strVal val="#ppt_x"/>
+                                          </p:val>
+                                        </p:tav>
+                                      </p:tavLst>
+                                    </p:anim>
+                                    <p:anim calcmode="lin" valueType="num">
+                                      <p:cBhvr>
+                                        <p:cTn id="58" dur="1000" fill="hold"/>
+                                        <p:tgtEl>
+                                          <p:spTgt spid="18"/>
+                                        </p:tgtEl>
+                                        <p:attrNameLst>
+                                          <p:attrName>ppt_y</p:attrName>
+                                        </p:attrNameLst>
+                                      </p:cBhvr>
+                                      <p:tavLst>
+                                        <p:tav tm="0">
+                                          <p:val>
+                                            <p:strVal val="#ppt_y+.1"/>
+                                          </p:val>
+                                        </p:tav>
+                                        <p:tav tm="100000">
+                                          <p:val>
+                                            <p:strVal val="#ppt_y"/>
+                                          </p:val>
+                                        </p:tav>
+                                      </p:tavLst>
+                                    </p:anim>
+                                  </p:childTnLst>
+                                </p:cTn>
+                              </p:par>
+                            </p:childTnLst>
+                          </p:cTn>
+                        </p:par>
+                      </p:childTnLst>
+                    </p:cTn>
+                  </p:par>
+                  <p:par>
+                    <p:cTn id="59" fill="hold">
+                      <p:stCondLst>
+                        <p:cond delay="indefinite"/>
+                      </p:stCondLst>
+                      <p:childTnLst>
+                        <p:par>
+                          <p:cTn id="60" fill="hold">
+                            <p:stCondLst>
+                              <p:cond delay="0"/>
+                            </p:stCondLst>
+                            <p:childTnLst>
+                              <p:par>
+                                <p:cTn id="61" presetID="10" presetClass="entr" presetSubtype="0" fill="hold" nodeType="clickEffect">
+                                  <p:stCondLst>
+                                    <p:cond delay="0"/>
+                                  </p:stCondLst>
+                                  <p:childTnLst>
+                                    <p:set>
+                                      <p:cBhvr>
+                                        <p:cTn id="62" dur="1" fill="hold">
+                                          <p:stCondLst>
+                                            <p:cond delay="0"/>
+                                          </p:stCondLst>
+                                        </p:cTn>
+                                        <p:tgtEl>
+                                          <p:spTgt spid="19"/>
+                                        </p:tgtEl>
+                                        <p:attrNameLst>
+                                          <p:attrName>style.visibility</p:attrName>
+                                        </p:attrNameLst>
+                                      </p:cBhvr>
+                                      <p:to>
+                                        <p:strVal val="visible"/>
+                                      </p:to>
+                                    </p:set>
+                                    <p:animEffect transition="in" filter="fade">
+                                      <p:cBhvr>
+                                        <p:cTn id="63" dur="500"/>
+                                        <p:tgtEl>
+                                          <p:spTgt spid="19"/>
+                                        </p:tgtEl>
+                                      </p:cBhvr>
+                                    </p:animEffect>
+                                  </p:childTnLst>
+                                </p:cTn>
+                              </p:par>
+                              <p:par>
+                                <p:cTn id="64" presetID="42" presetClass="entr" presetSubtype="0" fill="hold" grpId="0" nodeType="withEffect">
+                                  <p:stCondLst>
+                                    <p:cond delay="0"/>
+                                  </p:stCondLst>
+                                  <p:childTnLst>
+                                    <p:set>
+                                      <p:cBhvr>
+                                        <p:cTn id="65" dur="1" fill="hold">
+                                          <p:stCondLst>
+                                            <p:cond delay="0"/>
+                                          </p:stCondLst>
+                                        </p:cTn>
+                                        <p:tgtEl>
+                                          <p:spTgt spid="20"/>
+                                        </p:tgtEl>
+                                        <p:attrNameLst>
+                                          <p:attrName>style.visibility</p:attrName>
+                                        </p:attrNameLst>
+                                      </p:cBhvr>
+                                      <p:to>
+                                        <p:strVal val="visible"/>
+                                      </p:to>
+                                    </p:set>
+                                    <p:animEffect transition="in" filter="fade">
+                                      <p:cBhvr>
+                                        <p:cTn id="66" dur="1000"/>
+                                        <p:tgtEl>
+                                          <p:spTgt spid="20"/>
+                                        </p:tgtEl>
+                                      </p:cBhvr>
+                                    </p:animEffect>
+                                    <p:anim calcmode="lin" valueType="num">
+                                      <p:cBhvr>
+                                        <p:cTn id="67" dur="1000" fill="hold"/>
+                                        <p:tgtEl>
+                                          <p:spTgt spid="20"/>
+                                        </p:tgtEl>
+                                        <p:attrNameLst>
+                                          <p:attrName>ppt_x</p:attrName>
+                                        </p:attrNameLst>
+                                      </p:cBhvr>
+                                      <p:tavLst>
+                                        <p:tav tm="0">
+                                          <p:val>
+                                            <p:strVal val="#ppt_x"/>
+                                          </p:val>
+                                        </p:tav>
+                                        <p:tav tm="100000">
+                                          <p:val>
+                                            <p:strVal val="#ppt_x"/>
+                                          </p:val>
+                                        </p:tav>
+                                      </p:tavLst>
+                                    </p:anim>
+                                    <p:anim calcmode="lin" valueType="num">
+                                      <p:cBhvr>
+                                        <p:cTn id="68" dur="1000" fill="hold"/>
+                                        <p:tgtEl>
+                                          <p:spTgt spid="20"/>
+                                        </p:tgtEl>
+                                        <p:attrNameLst>
+                                          <p:attrName>ppt_y</p:attrName>
+                                        </p:attrNameLst>
+                                      </p:cBhvr>
+                                      <p:tavLst>
+                                        <p:tav tm="0">
+                                          <p:val>
+                                            <p:strVal val="#ppt_y+.1"/>
+                                          </p:val>
+                                        </p:tav>
+                                        <p:tav tm="100000">
+                                          <p:val>
+                                            <p:strVal val="#ppt_y"/>
+                                          </p:val>
+                                        </p:tav>
+                                      </p:tavLst>
+                                    </p:anim>
+                                  </p:childTnLst>
+                                </p:cTn>
+                              </p:par>
+                            </p:childTnLst>
+                          </p:cTn>
+                        </p:par>
+                      </p:childTnLst>
+                    </p:cTn>
+                  </p:par>
+                  <p:par>
+                    <p:cTn id="69" fill="hold">
+                      <p:stCondLst>
+                        <p:cond delay="indefinite"/>
+                      </p:stCondLst>
+                      <p:childTnLst>
+                        <p:par>
+                          <p:cTn id="70" fill="hold">
+                            <p:stCondLst>
+                              <p:cond delay="0"/>
+                            </p:stCondLst>
+                            <p:childTnLst>
+                              <p:par>
+                                <p:cTn id="71" presetID="1" presetClass="exit" presetSubtype="0" fill="hold" grpId="1" nodeType="clickEffect">
+                                  <p:stCondLst>
+                                    <p:cond delay="0"/>
+                                  </p:stCondLst>
+                                  <p:childTnLst>
+                                    <p:set>
+                                      <p:cBhvr>
+                                        <p:cTn id="72" dur="1" fill="hold">
+                                          <p:stCondLst>
+                                            <p:cond delay="0"/>
+                                          </p:stCondLst>
+                                        </p:cTn>
+                                        <p:tgtEl>
+                                          <p:spTgt spid="18"/>
+                                        </p:tgtEl>
+                                        <p:attrNameLst>
+                                          <p:attrName>style.visibility</p:attrName>
+                                        </p:attrNameLst>
+                                      </p:cBhvr>
+                                      <p:to>
+                                        <p:strVal val="hidden"/>
+                                      </p:to>
+                                    </p:set>
+                                  </p:childTnLst>
+                                </p:cTn>
+                              </p:par>
+                              <p:par>
+                                <p:cTn id="73" presetID="1" presetClass="exit" presetSubtype="0" fill="hold" grpId="1" nodeType="withEffect">
+                                  <p:stCondLst>
+                                    <p:cond delay="0"/>
+                                  </p:stCondLst>
+                                  <p:childTnLst>
+                                    <p:set>
+                                      <p:cBhvr>
+                                        <p:cTn id="74" dur="1" fill="hold">
+                                          <p:stCondLst>
+                                            <p:cond delay="0"/>
+                                          </p:stCondLst>
+                                        </p:cTn>
+                                        <p:tgtEl>
+                                          <p:spTgt spid="14"/>
+                                        </p:tgtEl>
+                                        <p:attrNameLst>
+                                          <p:attrName>style.visibility</p:attrName>
+                                        </p:attrNameLst>
+                                      </p:cBhvr>
+                                      <p:to>
+                                        <p:strVal val="hidden"/>
+                                      </p:to>
+                                    </p:set>
+                                  </p:childTnLst>
+                                </p:cTn>
+                              </p:par>
+                              <p:par>
+                                <p:cTn id="75" presetID="1" presetClass="exit" presetSubtype="0" fill="hold" nodeType="withEffect">
+                                  <p:stCondLst>
+                                    <p:cond delay="0"/>
+                                  </p:stCondLst>
+                                  <p:childTnLst>
+                                    <p:set>
+                                      <p:cBhvr>
+                                        <p:cTn id="76" dur="1" fill="hold">
+                                          <p:stCondLst>
+                                            <p:cond delay="0"/>
+                                          </p:stCondLst>
+                                        </p:cTn>
+                                        <p:tgtEl>
+                                          <p:spTgt spid="13"/>
+                                        </p:tgtEl>
+                                        <p:attrNameLst>
+                                          <p:attrName>style.visibility</p:attrName>
+                                        </p:attrNameLst>
+                                      </p:cBhvr>
+                                      <p:to>
+                                        <p:strVal val="hidden"/>
+                                      </p:to>
+                                    </p:set>
+                                  </p:childTnLst>
+                                </p:cTn>
+                              </p:par>
+                              <p:par>
+                                <p:cTn id="77" presetID="1" presetClass="exit" presetSubtype="0" fill="hold" nodeType="withEffect">
+                                  <p:stCondLst>
+                                    <p:cond delay="0"/>
+                                  </p:stCondLst>
+                                  <p:childTnLst>
+                                    <p:set>
+                                      <p:cBhvr>
+                                        <p:cTn id="78" dur="1" fill="hold">
+                                          <p:stCondLst>
+                                            <p:cond delay="0"/>
+                                          </p:stCondLst>
+                                        </p:cTn>
+                                        <p:tgtEl>
+                                          <p:spTgt spid="15"/>
+                                        </p:tgtEl>
+                                        <p:attrNameLst>
+                                          <p:attrName>style.visibility</p:attrName>
+                                        </p:attrNameLst>
+                                      </p:cBhvr>
+                                      <p:to>
+                                        <p:strVal val="hidden"/>
+                                      </p:to>
+                                    </p:set>
+                                  </p:childTnLst>
+                                </p:cTn>
+                              </p:par>
+                              <p:par>
+                                <p:cTn id="79" presetID="1" presetClass="exit" presetSubtype="0" fill="hold" nodeType="withEffect">
+                                  <p:stCondLst>
+                                    <p:cond delay="0"/>
+                                  </p:stCondLst>
+                                  <p:childTnLst>
+                                    <p:set>
+                                      <p:cBhvr>
+                                        <p:cTn id="80" dur="1" fill="hold">
+                                          <p:stCondLst>
+                                            <p:cond delay="0"/>
+                                          </p:stCondLst>
+                                        </p:cTn>
+                                        <p:tgtEl>
+                                          <p:spTgt spid="19"/>
+                                        </p:tgtEl>
+                                        <p:attrNameLst>
+                                          <p:attrName>style.visibility</p:attrName>
+                                        </p:attrNameLst>
+                                      </p:cBhvr>
+                                      <p:to>
+                                        <p:strVal val="hidden"/>
+                                      </p:to>
+                                    </p:set>
+                                  </p:childTnLst>
+                                </p:cTn>
+                              </p:par>
+                              <p:par>
+                                <p:cTn id="81" presetID="1" presetClass="exit" presetSubtype="0" fill="hold" grpId="2" nodeType="withEffect">
+                                  <p:stCondLst>
+                                    <p:cond delay="0"/>
+                                  </p:stCondLst>
+                                  <p:childTnLst>
+                                    <p:set>
+                                      <p:cBhvr>
+                                        <p:cTn id="82" dur="1" fill="hold">
+                                          <p:stCondLst>
+                                            <p:cond delay="0"/>
+                                          </p:stCondLst>
+                                        </p:cTn>
+                                        <p:tgtEl>
+                                          <p:spTgt spid="20"/>
+                                        </p:tgtEl>
+                                        <p:attrNameLst>
+                                          <p:attrName>style.visibility</p:attrName>
+                                        </p:attrNameLst>
+                                      </p:cBhvr>
+                                      <p:to>
+                                        <p:strVal val="hidden"/>
+                                      </p:to>
+                                    </p:set>
+                                  </p:childTnLst>
+                                </p:cTn>
+                              </p:par>
+                            </p:childTnLst>
+                          </p:cTn>
+                        </p:par>
+                      </p:childTnLst>
+                    </p:cTn>
+                  </p:par>
+                  <p:par>
+                    <p:cTn id="83" fill="hold">
+                      <p:stCondLst>
+                        <p:cond delay="indefinite"/>
+                      </p:stCondLst>
+                      <p:childTnLst>
+                        <p:par>
+                          <p:cTn id="84" fill="hold">
+                            <p:stCondLst>
+                              <p:cond delay="0"/>
+                            </p:stCondLst>
+                            <p:childTnLst>
+                              <p:par>
+                                <p:cTn id="85" presetID="2" presetClass="entr" presetSubtype="4" fill="hold" nodeType="clickEffect">
+                                  <p:stCondLst>
+                                    <p:cond delay="0"/>
+                                  </p:stCondLst>
+                                  <p:childTnLst>
+                                    <p:set>
+                                      <p:cBhvr>
+                                        <p:cTn id="86" dur="1" fill="hold">
+                                          <p:stCondLst>
+                                            <p:cond delay="0"/>
+                                          </p:stCondLst>
+                                        </p:cTn>
+                                        <p:tgtEl>
+                                          <p:spTgt spid="1039"/>
+                                        </p:tgtEl>
+                                        <p:attrNameLst>
+                                          <p:attrName>style.visibility</p:attrName>
+                                        </p:attrNameLst>
+                                      </p:cBhvr>
+                                      <p:to>
+                                        <p:strVal val="visible"/>
+                                      </p:to>
+                                    </p:set>
+                                    <p:anim calcmode="lin" valueType="num">
+                                      <p:cBhvr additive="base">
+                                        <p:cTn id="87" dur="500" fill="hold"/>
+                                        <p:tgtEl>
+                                          <p:spTgt spid="1039"/>
+                                        </p:tgtEl>
+                                        <p:attrNameLst>
+                                          <p:attrName>ppt_x</p:attrName>
+                                        </p:attrNameLst>
+                                      </p:cBhvr>
+                                      <p:tavLst>
+                                        <p:tav tm="0">
+                                          <p:val>
+                                            <p:strVal val="#ppt_x"/>
+                                          </p:val>
+                                        </p:tav>
+                                        <p:tav tm="100000">
+                                          <p:val>
+                                            <p:strVal val="#ppt_x"/>
+                                          </p:val>
+                                        </p:tav>
+                                      </p:tavLst>
+                                    </p:anim>
+                                    <p:anim calcmode="lin" valueType="num">
+                                      <p:cBhvr additive="base">
+                                        <p:cTn id="88" dur="500" fill="hold"/>
+                                        <p:tgtEl>
+                                          <p:spTgt spid="1039"/>
+                                        </p:tgtEl>
+                                        <p:attrNameLst>
+                                          <p:attrName>ppt_y</p:attrName>
+                                        </p:attrNameLst>
+                                      </p:cBhvr>
+                                      <p:tavLst>
+                                        <p:tav tm="0">
+                                          <p:val>
+                                            <p:strVal val="1+#ppt_h/2"/>
+                                          </p:val>
+                                        </p:tav>
+                                        <p:tav tm="100000">
+                                          <p:val>
+                                            <p:strVal val="#ppt_y"/>
+                                          </p:val>
+                                        </p:tav>
+                                      </p:tavLst>
+                                    </p:anim>
+                                  </p:childTnLst>
+                                </p:cTn>
+                              </p:par>
+                              <p:par>
+                                <p:cTn id="89" presetID="2" presetClass="entr" presetSubtype="4" fill="hold" grpId="0" nodeType="withEffect">
+                                  <p:stCondLst>
+                                    <p:cond delay="0"/>
+                                  </p:stCondLst>
+                                  <p:childTnLst>
+                                    <p:set>
+                                      <p:cBhvr>
+                                        <p:cTn id="90" dur="1" fill="hold">
+                                          <p:stCondLst>
+                                            <p:cond delay="0"/>
+                                          </p:stCondLst>
+                                        </p:cTn>
+                                        <p:tgtEl>
+                                          <p:spTgt spid="9"/>
+                                        </p:tgtEl>
+                                        <p:attrNameLst>
+                                          <p:attrName>style.visibility</p:attrName>
+                                        </p:attrNameLst>
+                                      </p:cBhvr>
+                                      <p:to>
+                                        <p:strVal val="visible"/>
+                                      </p:to>
+                                    </p:set>
+                                    <p:anim calcmode="lin" valueType="num">
+                                      <p:cBhvr additive="base">
+                                        <p:cTn id="91" dur="500" fill="hold"/>
+                                        <p:tgtEl>
+                                          <p:spTgt spid="9"/>
+                                        </p:tgtEl>
+                                        <p:attrNameLst>
+                                          <p:attrName>ppt_x</p:attrName>
+                                        </p:attrNameLst>
+                                      </p:cBhvr>
+                                      <p:tavLst>
+                                        <p:tav tm="0">
+                                          <p:val>
+                                            <p:strVal val="#ppt_x"/>
+                                          </p:val>
+                                        </p:tav>
+                                        <p:tav tm="100000">
+                                          <p:val>
+                                            <p:strVal val="#ppt_x"/>
+                                          </p:val>
+                                        </p:tav>
+                                      </p:tavLst>
+                                    </p:anim>
+                                    <p:anim calcmode="lin" valueType="num">
+                                      <p:cBhvr additive="base">
+                                        <p:cTn id="92" dur="500" fill="hold"/>
+                                        <p:tgtEl>
+                                          <p:spTgt spid="9"/>
+                                        </p:tgtEl>
+                                        <p:attrNameLst>
+                                          <p:attrName>ppt_y</p:attrName>
+                                        </p:attrNameLst>
+                                      </p:cBhvr>
+                                      <p:tavLst>
+                                        <p:tav tm="0">
+                                          <p:val>
+                                            <p:strVal val="1+#ppt_h/2"/>
+                                          </p:val>
+                                        </p:tav>
+                                        <p:tav tm="100000">
+                                          <p:val>
+                                            <p:strVal val="#ppt_y"/>
+                                          </p:val>
+                                        </p:tav>
+                                      </p:tavLst>
+                                    </p:anim>
+                                  </p:childTnLst>
+                                </p:cTn>
+                              </p:par>
+                            </p:childTnLst>
+                          </p:cTn>
+                        </p:par>
+                      </p:childTnLst>
+                    </p:cTn>
+                  </p:par>
+                  <p:par>
+                    <p:cTn id="93" fill="hold">
+                      <p:stCondLst>
+                        <p:cond delay="indefinite"/>
+                      </p:stCondLst>
+                      <p:childTnLst>
+                        <p:par>
+                          <p:cTn id="94" fill="hold">
+                            <p:stCondLst>
+                              <p:cond delay="0"/>
+                            </p:stCondLst>
+                            <p:childTnLst>
+                              <p:par>
+                                <p:cTn id="95" presetID="10" presetClass="entr" presetSubtype="0" fill="hold" nodeType="clickEffect">
+                                  <p:stCondLst>
+                                    <p:cond delay="0"/>
+                                  </p:stCondLst>
+                                  <p:childTnLst>
+                                    <p:set>
+                                      <p:cBhvr>
+                                        <p:cTn id="96" dur="1" fill="hold">
+                                          <p:stCondLst>
+                                            <p:cond delay="0"/>
+                                          </p:stCondLst>
+                                        </p:cTn>
+                                        <p:tgtEl>
+                                          <p:spTgt spid="23"/>
+                                        </p:tgtEl>
+                                        <p:attrNameLst>
+                                          <p:attrName>style.visibility</p:attrName>
+                                        </p:attrNameLst>
+                                      </p:cBhvr>
+                                      <p:to>
+                                        <p:strVal val="visible"/>
+                                      </p:to>
+                                    </p:set>
+                                    <p:animEffect transition="in" filter="fade">
+                                      <p:cBhvr>
+                                        <p:cTn id="97" dur="500"/>
+                                        <p:tgtEl>
+                                          <p:spTgt spid="23"/>
+                                        </p:tgtEl>
+                                      </p:cBhvr>
+                                    </p:animEffect>
+                                  </p:childTnLst>
+                                </p:cTn>
+                              </p:par>
+                              <p:par>
+                                <p:cTn id="98" presetID="42" presetClass="entr" presetSubtype="0" fill="hold" grpId="0" nodeType="withEffect">
+                                  <p:stCondLst>
+                                    <p:cond delay="0"/>
+                                  </p:stCondLst>
+                                  <p:childTnLst>
+                                    <p:set>
+                                      <p:cBhvr>
+                                        <p:cTn id="99" dur="1" fill="hold">
+                                          <p:stCondLst>
+                                            <p:cond delay="0"/>
+                                          </p:stCondLst>
+                                        </p:cTn>
+                                        <p:tgtEl>
+                                          <p:spTgt spid="26"/>
+                                        </p:tgtEl>
+                                        <p:attrNameLst>
+                                          <p:attrName>style.visibility</p:attrName>
+                                        </p:attrNameLst>
+                                      </p:cBhvr>
+                                      <p:to>
+                                        <p:strVal val="visible"/>
+                                      </p:to>
+                                    </p:set>
+                                    <p:animEffect transition="in" filter="fade">
+                                      <p:cBhvr>
+                                        <p:cTn id="100" dur="1000"/>
+                                        <p:tgtEl>
+                                          <p:spTgt spid="26"/>
+                                        </p:tgtEl>
+                                      </p:cBhvr>
+                                    </p:animEffect>
+                                    <p:anim calcmode="lin" valueType="num">
+                                      <p:cBhvr>
+                                        <p:cTn id="101" dur="1000" fill="hold"/>
+                                        <p:tgtEl>
+                                          <p:spTgt spid="26"/>
+                                        </p:tgtEl>
+                                        <p:attrNameLst>
+                                          <p:attrName>ppt_x</p:attrName>
+                                        </p:attrNameLst>
+                                      </p:cBhvr>
+                                      <p:tavLst>
+                                        <p:tav tm="0">
+                                          <p:val>
+                                            <p:strVal val="#ppt_x"/>
+                                          </p:val>
+                                        </p:tav>
+                                        <p:tav tm="100000">
+                                          <p:val>
+                                            <p:strVal val="#ppt_x"/>
+                                          </p:val>
+                                        </p:tav>
+                                      </p:tavLst>
+                                    </p:anim>
+                                    <p:anim calcmode="lin" valueType="num">
+                                      <p:cBhvr>
+                                        <p:cTn id="102" dur="1000" fill="hold"/>
+                                        <p:tgtEl>
+                                          <p:spTgt spid="26"/>
+                                        </p:tgtEl>
+                                        <p:attrNameLst>
+                                          <p:attrName>ppt_y</p:attrName>
+                                        </p:attrNameLst>
+                                      </p:cBhvr>
+                                      <p:tavLst>
+                                        <p:tav tm="0">
+                                          <p:val>
+                                            <p:strVal val="#ppt_y+.1"/>
+                                          </p:val>
+                                        </p:tav>
+                                        <p:tav tm="100000">
+                                          <p:val>
+                                            <p:strVal val="#ppt_y"/>
+                                          </p:val>
+                                        </p:tav>
+                                      </p:tavLst>
+                                    </p:anim>
+                                  </p:childTnLst>
+                                </p:cTn>
+                              </p:par>
+                            </p:childTnLst>
+                          </p:cTn>
+                        </p:par>
+                      </p:childTnLst>
+                    </p:cTn>
+                  </p:par>
+                  <p:par>
+                    <p:cTn id="103" fill="hold">
+                      <p:stCondLst>
+                        <p:cond delay="indefinite"/>
+                      </p:stCondLst>
+                      <p:childTnLst>
+                        <p:par>
+                          <p:cTn id="104" fill="hold">
+                            <p:stCondLst>
+                              <p:cond delay="0"/>
+                            </p:stCondLst>
+                            <p:childTnLst>
+                              <p:par>
+                                <p:cTn id="105" presetID="1" presetClass="exit" presetSubtype="0" fill="hold" grpId="1" nodeType="clickEffect">
+                                  <p:stCondLst>
+                                    <p:cond delay="0"/>
+                                  </p:stCondLst>
+                                  <p:childTnLst>
+                                    <p:set>
+                                      <p:cBhvr>
+                                        <p:cTn id="106" dur="1" fill="hold">
+                                          <p:stCondLst>
+                                            <p:cond delay="0"/>
+                                          </p:stCondLst>
+                                        </p:cTn>
+                                        <p:tgtEl>
+                                          <p:spTgt spid="26"/>
+                                        </p:tgtEl>
+                                        <p:attrNameLst>
+                                          <p:attrName>style.visibility</p:attrName>
+                                        </p:attrNameLst>
+                                      </p:cBhvr>
+                                      <p:to>
+                                        <p:strVal val="hidden"/>
+                                      </p:to>
+                                    </p:set>
+                                  </p:childTnLst>
+                                </p:cTn>
+                              </p:par>
+                              <p:par>
+                                <p:cTn id="107" presetID="1" presetClass="exit" presetSubtype="0" fill="hold" nodeType="withEffect">
+                                  <p:stCondLst>
+                                    <p:cond delay="0"/>
+                                  </p:stCondLst>
+                                  <p:childTnLst>
+                                    <p:set>
+                                      <p:cBhvr>
+                                        <p:cTn id="108" dur="1" fill="hold">
+                                          <p:stCondLst>
+                                            <p:cond delay="0"/>
+                                          </p:stCondLst>
+                                        </p:cTn>
+                                        <p:tgtEl>
+                                          <p:spTgt spid="23"/>
+                                        </p:tgtEl>
+                                        <p:attrNameLst>
+                                          <p:attrName>style.visibility</p:attrName>
+                                        </p:attrNameLst>
+                                      </p:cBhvr>
+                                      <p:to>
+                                        <p:strVal val="hidden"/>
+                                      </p:to>
+                                    </p:set>
+                                  </p:childTnLst>
+                                </p:cTn>
+                              </p:par>
+                            </p:childTnLst>
+                          </p:cTn>
+                        </p:par>
+                      </p:childTnLst>
+                    </p:cTn>
+                  </p:par>
+                </p:childTnLst>
+              </p:cTn>
+              <p:prevCondLst>
+                <p:cond evt="onPrev" delay="0">
+                  <p:tgtEl>
+                    <p:sldTgt/>
+                  </p:tgtEl>
+                </p:cond>
+              </p:prevCondLst>
+              <p:nextCondLst>
+                <p:cond evt="onNext" delay="0">
+                  <p:tgtEl>
+                    <p:sldTgt/>
+                  </p:tgtEl>
+                </p:cond>
+              </p:nextCondLst>
+            </p:seq>
+          </p:childTnLst>
+        </p:cTn>
+      </p:par>
+    </p:tnLst>
+    <p:bldLst>
+      <p:bldP spid="7" grpId="0"/>
+      <p:bldP spid="8" grpId="0"/>
+      <p:bldP spid="9" grpId="0"/>
+      <p:bldP spid="6" grpId="0"/>
+      <p:bldP spid="6" grpId="1"/>
+      <p:bldP spid="14" grpId="0"/>
+      <p:bldP spid="14" grpId="1"/>
+      <p:bldP spid="18" grpId="0"/>
+      <p:bldP spid="18" grpId="1"/>
+      <p:bldP spid="20" grpId="0"/>
+      <p:bldP spid="20" grpId="2"/>
+      <p:bldP spid="26" grpId="0"/>
+      <p:bldP spid="26" grpId="1"/>
+    </p:bldLst>
+  </p:timing>
+</p:sld>
+</file>
+
+<file path=ppt/slides/slide7.xml><?xml version="1.0" encoding="utf-8"?>
+<p:sld xmlns:a="http://schemas.openxmlformats.org/drawingml/2006/main" xmlns:r="http://schemas.openxmlformats.org/officeDocument/2006/relationships" xmlns:p="http://schemas.openxmlformats.org/presentationml/2006/main">
+  <p:cSld>
+    <p:spTree>
+      <p:nvGrpSpPr>
+        <p:cNvPr id="1" name=""/>
+        <p:cNvGrpSpPr/>
+        <p:nvPr/>
+      </p:nvGrpSpPr>
+      <p:grpSpPr>
+        <a:xfrm>
+          <a:off x="0" y="0"/>
+          <a:ext cx="0" cy="0"/>
+          <a:chOff x="0" y="0"/>
+          <a:chExt cx="0" cy="0"/>
+        </a:xfrm>
+      </p:grpSpPr>
+      <p:sp>
+        <p:nvSpPr>
+          <p:cNvPr id="2" name="Title 1">
+            <a:extLst>
+              <a:ext uri="{FF2B5EF4-FFF2-40B4-BE49-F238E27FC236}">
+                <a16:creationId xmlns:a16="http://schemas.microsoft.com/office/drawing/2014/main" id="{29637FF6-2210-9469-07B3-D36E0B53EBFB}"/>
+              </a:ext>
+            </a:extLst>
+          </p:cNvPr>
+          <p:cNvSpPr>
+            <a:spLocks noGrp="1"/>
+          </p:cNvSpPr>
+          <p:nvPr>
+            <p:ph type="ctrTitle"/>
+          </p:nvPr>
+        </p:nvSpPr>
+        <p:spPr>
+          <a:xfrm>
+            <a:off x="1843862" y="295867"/>
+            <a:ext cx="8504275" cy="728014"/>
+          </a:xfrm>
+        </p:spPr>
+        <p:txBody>
+          <a:bodyPr>
+            <a:normAutofit fontScale="90000"/>
+          </a:bodyPr>
+          <a:lstStyle/>
+          <a:p>
+            <a:pPr algn="ctr"/>
+            <a:r>
+              <a:rPr lang="en-US" dirty="0"/>
+              <a:t>Timeline of a Carpool Ride</a:t>
+            </a:r>
+            <a:endParaRPr lang="LID4096" dirty="0"/>
+          </a:p>
+        </p:txBody>
+      </p:sp>
+      <p:sp>
+        <p:nvSpPr>
+          <p:cNvPr id="7" name="תיבת טקסט 6">
+            <a:extLst>
+              <a:ext uri="{FF2B5EF4-FFF2-40B4-BE49-F238E27FC236}">
+                <a16:creationId xmlns:a16="http://schemas.microsoft.com/office/drawing/2014/main" id="{B5AA206C-00E1-A5AD-7324-F7A39464C4CB}"/>
+              </a:ext>
+            </a:extLst>
+          </p:cNvPr>
+          <p:cNvSpPr txBox="1"/>
+          <p:nvPr/>
+        </p:nvSpPr>
+        <p:spPr>
+          <a:xfrm>
+            <a:off x="1747334" y="1877961"/>
+            <a:ext cx="1179871" cy="369332"/>
+          </a:xfrm>
+          <a:prstGeom prst="rect">
+            <a:avLst/>
+          </a:prstGeom>
+          <a:noFill/>
+        </p:spPr>
+        <p:txBody>
+          <a:bodyPr wrap="square" rtlCol="1">
+            <a:spAutoFit/>
+          </a:bodyPr>
+          <a:lstStyle/>
+          <a:p>
+            <a:r>
+              <a:rPr lang="en-US" dirty="0"/>
+              <a:t>17:00 PM</a:t>
+            </a:r>
+            <a:endParaRPr lang="he-IL" dirty="0"/>
+          </a:p>
+        </p:txBody>
+      </p:sp>
+      <p:sp>
+        <p:nvSpPr>
+          <p:cNvPr id="8" name="תיבת טקסט 7">
+            <a:extLst>
+              <a:ext uri="{FF2B5EF4-FFF2-40B4-BE49-F238E27FC236}">
+                <a16:creationId xmlns:a16="http://schemas.microsoft.com/office/drawing/2014/main" id="{72BE667B-A4EF-C194-689D-9F431244C9E2}"/>
+              </a:ext>
+            </a:extLst>
+          </p:cNvPr>
+          <p:cNvSpPr txBox="1"/>
+          <p:nvPr/>
+        </p:nvSpPr>
+        <p:spPr>
+          <a:xfrm>
+            <a:off x="5550566" y="1877961"/>
+            <a:ext cx="1179871" cy="369332"/>
+          </a:xfrm>
+          <a:prstGeom prst="rect">
+            <a:avLst/>
+          </a:prstGeom>
+          <a:noFill/>
+        </p:spPr>
+        <p:txBody>
+          <a:bodyPr wrap="square" rtlCol="1">
+            <a:spAutoFit/>
+          </a:bodyPr>
+          <a:lstStyle/>
+          <a:p>
+            <a:r>
+              <a:rPr lang="en-US" dirty="0"/>
+              <a:t>17:01 PM</a:t>
+            </a:r>
+            <a:endParaRPr lang="he-IL" dirty="0"/>
+          </a:p>
+        </p:txBody>
+      </p:sp>
+      <p:pic>
+        <p:nvPicPr>
+          <p:cNvPr id="2050" name="Picture 2">
+            <a:extLst>
+              <a:ext uri="{FF2B5EF4-FFF2-40B4-BE49-F238E27FC236}">
+                <a16:creationId xmlns:a16="http://schemas.microsoft.com/office/drawing/2014/main" id="{8CB4C255-D719-62DB-A0DC-B62F4EF57385}"/>
+              </a:ext>
+            </a:extLst>
+          </p:cNvPr>
+          <p:cNvPicPr>
+            <a:picLocks noChangeAspect="1" noChangeArrowheads="1"/>
+          </p:cNvPicPr>
+          <p:nvPr/>
+        </p:nvPicPr>
+        <p:blipFill>
+          <a:blip r:embed="rId3">
+            <a:extLst>
+              <a:ext uri="{28A0092B-C50C-407E-A947-70E740481C1C}">
+                <a14:useLocalDpi xmlns:a14="http://schemas.microsoft.com/office/drawing/2010/main" val="0"/>
+              </a:ext>
+            </a:extLst>
+          </a:blip>
+          <a:srcRect/>
+          <a:stretch>
+            <a:fillRect/>
+          </a:stretch>
+        </p:blipFill>
+        <p:spPr bwMode="auto">
+          <a:xfrm>
+            <a:off x="1137645" y="2477728"/>
+            <a:ext cx="2399248" cy="3923071"/>
+          </a:xfrm>
+          <a:prstGeom prst="rect">
+            <a:avLst/>
+          </a:prstGeom>
+          <a:noFill/>
+          <a:extLst>
+            <a:ext uri="{909E8E84-426E-40DD-AFC4-6F175D3DCCD1}">
+              <a14:hiddenFill xmlns:a14="http://schemas.microsoft.com/office/drawing/2010/main">
+                <a:solidFill>
+                  <a:srgbClr val="FFFFFF"/>
+                </a:solidFill>
+              </a14:hiddenFill>
+            </a:ext>
+          </a:extLst>
+        </p:spPr>
+      </p:pic>
+      <p:pic>
+        <p:nvPicPr>
+          <p:cNvPr id="2054" name="Picture 6">
+            <a:extLst>
+              <a:ext uri="{FF2B5EF4-FFF2-40B4-BE49-F238E27FC236}">
+                <a16:creationId xmlns:a16="http://schemas.microsoft.com/office/drawing/2014/main" id="{24267A54-D646-0A42-DB91-45F4C98AF6E7}"/>
+              </a:ext>
+            </a:extLst>
+          </p:cNvPr>
+          <p:cNvPicPr>
+            <a:picLocks noChangeAspect="1" noChangeArrowheads="1"/>
+          </p:cNvPicPr>
+          <p:nvPr/>
+        </p:nvPicPr>
+        <p:blipFill>
+          <a:blip r:embed="rId4">
+            <a:extLst>
+              <a:ext uri="{28A0092B-C50C-407E-A947-70E740481C1C}">
+                <a14:useLocalDpi xmlns:a14="http://schemas.microsoft.com/office/drawing/2010/main" val="0"/>
+              </a:ext>
+            </a:extLst>
+          </a:blip>
+          <a:srcRect/>
+          <a:stretch>
+            <a:fillRect/>
+          </a:stretch>
+        </p:blipFill>
+        <p:spPr bwMode="auto">
+          <a:xfrm>
+            <a:off x="4939060" y="2477727"/>
+            <a:ext cx="2402882" cy="3923072"/>
+          </a:xfrm>
+          <a:prstGeom prst="rect">
+            <a:avLst/>
+          </a:prstGeom>
+          <a:noFill/>
+          <a:extLst>
+            <a:ext uri="{909E8E84-426E-40DD-AFC4-6F175D3DCCD1}">
+              <a14:hiddenFill xmlns:a14="http://schemas.microsoft.com/office/drawing/2010/main">
+                <a:solidFill>
+                  <a:srgbClr val="FFFFFF"/>
+                </a:solidFill>
+              </a14:hiddenFill>
+            </a:ext>
+          </a:extLst>
+        </p:spPr>
+      </p:pic>
+      <p:cxnSp>
+        <p:nvCxnSpPr>
+          <p:cNvPr id="10" name="מחבר חץ ישר 9">
+            <a:extLst>
+              <a:ext uri="{FF2B5EF4-FFF2-40B4-BE49-F238E27FC236}">
+                <a16:creationId xmlns:a16="http://schemas.microsoft.com/office/drawing/2014/main" id="{406C7CA7-B95F-1160-4E29-E35D3C567615}"/>
+              </a:ext>
+            </a:extLst>
+          </p:cNvPr>
+          <p:cNvCxnSpPr>
+            <a:cxnSpLocks/>
+          </p:cNvCxnSpPr>
+          <p:nvPr/>
+        </p:nvCxnSpPr>
+        <p:spPr>
+          <a:xfrm flipV="1">
+            <a:off x="7341942" y="3864077"/>
+            <a:ext cx="671348" cy="855407"/>
+          </a:xfrm>
+          <a:prstGeom prst="straightConnector1">
+            <a:avLst/>
+          </a:prstGeom>
+          <a:ln>
+            <a:tailEnd type="triangle"/>
+          </a:ln>
+        </p:spPr>
+        <p:style>
+          <a:lnRef idx="1">
+            <a:schemeClr val="accent1"/>
+          </a:lnRef>
+          <a:fillRef idx="0">
+            <a:schemeClr val="accent1"/>
+          </a:fillRef>
+          <a:effectRef idx="0">
+            <a:schemeClr val="accent1"/>
+          </a:effectRef>
+          <a:fontRef idx="minor">
+            <a:schemeClr val="tx1"/>
+          </a:fontRef>
+        </p:style>
+      </p:cxnSp>
+      <p:pic>
+        <p:nvPicPr>
+          <p:cNvPr id="2056" name="Picture 8">
+            <a:extLst>
+              <a:ext uri="{FF2B5EF4-FFF2-40B4-BE49-F238E27FC236}">
+                <a16:creationId xmlns:a16="http://schemas.microsoft.com/office/drawing/2014/main" id="{B66622CB-494C-9014-6328-C5AF6FB0FF84}"/>
+              </a:ext>
+            </a:extLst>
+          </p:cNvPr>
+          <p:cNvPicPr>
+            <a:picLocks noChangeAspect="1" noChangeArrowheads="1"/>
+          </p:cNvPicPr>
+          <p:nvPr/>
+        </p:nvPicPr>
+        <p:blipFill>
+          <a:blip r:embed="rId5">
+            <a:extLst>
+              <a:ext uri="{28A0092B-C50C-407E-A947-70E740481C1C}">
+                <a14:useLocalDpi xmlns:a14="http://schemas.microsoft.com/office/drawing/2010/main" val="0"/>
+              </a:ext>
+            </a:extLst>
+          </a:blip>
+          <a:srcRect/>
+          <a:stretch>
+            <a:fillRect/>
+          </a:stretch>
+        </p:blipFill>
+        <p:spPr bwMode="auto">
+          <a:xfrm>
+            <a:off x="8084306" y="3382867"/>
+            <a:ext cx="502337" cy="481210"/>
+          </a:xfrm>
+          <a:prstGeom prst="rect">
+            <a:avLst/>
+          </a:prstGeom>
+          <a:noFill/>
+          <a:extLst>
+            <a:ext uri="{909E8E84-426E-40DD-AFC4-6F175D3DCCD1}">
+              <a14:hiddenFill xmlns:a14="http://schemas.microsoft.com/office/drawing/2010/main">
+                <a:solidFill>
+                  <a:srgbClr val="FFFFFF"/>
+                </a:solidFill>
+              </a14:hiddenFill>
+            </a:ext>
+          </a:extLst>
+        </p:spPr>
+      </p:pic>
+      <p:cxnSp>
+        <p:nvCxnSpPr>
+          <p:cNvPr id="15" name="מחבר חץ ישר 14">
+            <a:extLst>
+              <a:ext uri="{FF2B5EF4-FFF2-40B4-BE49-F238E27FC236}">
+                <a16:creationId xmlns:a16="http://schemas.microsoft.com/office/drawing/2014/main" id="{82907170-FE82-229D-3CD9-D305D21CDB27}"/>
+              </a:ext>
+            </a:extLst>
+          </p:cNvPr>
+          <p:cNvCxnSpPr>
+            <a:cxnSpLocks/>
+          </p:cNvCxnSpPr>
+          <p:nvPr/>
+        </p:nvCxnSpPr>
+        <p:spPr>
+          <a:xfrm>
+            <a:off x="6233652" y="5230761"/>
+            <a:ext cx="1779638" cy="0"/>
+          </a:xfrm>
+          <a:prstGeom prst="straightConnector1">
+            <a:avLst/>
+          </a:prstGeom>
+          <a:ln>
+            <a:tailEnd type="triangle"/>
+          </a:ln>
+        </p:spPr>
+        <p:style>
+          <a:lnRef idx="1">
+            <a:schemeClr val="accent1"/>
+          </a:lnRef>
+          <a:fillRef idx="0">
+            <a:schemeClr val="accent1"/>
+          </a:fillRef>
+          <a:effectRef idx="0">
+            <a:schemeClr val="accent1"/>
+          </a:effectRef>
+          <a:fontRef idx="minor">
+            <a:schemeClr val="tx1"/>
+          </a:fontRef>
+        </p:style>
+      </p:cxnSp>
+      <p:sp>
+        <p:nvSpPr>
+          <p:cNvPr id="16" name="תיבת טקסט 15">
+            <a:extLst>
+              <a:ext uri="{FF2B5EF4-FFF2-40B4-BE49-F238E27FC236}">
+                <a16:creationId xmlns:a16="http://schemas.microsoft.com/office/drawing/2014/main" id="{FCD7CCA3-0BB6-C3A8-DF8D-2F1B4898F13D}"/>
+              </a:ext>
+            </a:extLst>
+          </p:cNvPr>
+          <p:cNvSpPr txBox="1"/>
+          <p:nvPr/>
+        </p:nvSpPr>
+        <p:spPr>
+          <a:xfrm>
+            <a:off x="8636534" y="4907594"/>
+            <a:ext cx="2674374" cy="646331"/>
+          </a:xfrm>
+          <a:prstGeom prst="rect">
+            <a:avLst/>
+          </a:prstGeom>
+          <a:noFill/>
+        </p:spPr>
+        <p:txBody>
+          <a:bodyPr wrap="square" rtlCol="1">
+            <a:spAutoFit/>
+          </a:bodyPr>
+          <a:lstStyle/>
+          <a:p>
+            <a:r>
+              <a:rPr lang="en-US" dirty="0"/>
+              <a:t>Assigned new driver for next ride automatically</a:t>
+            </a:r>
+            <a:endParaRPr lang="he-IL" dirty="0"/>
+          </a:p>
+        </p:txBody>
+      </p:sp>
+      <p:sp>
+        <p:nvSpPr>
+          <p:cNvPr id="17" name="תיבת טקסט 16">
+            <a:extLst>
+              <a:ext uri="{FF2B5EF4-FFF2-40B4-BE49-F238E27FC236}">
+                <a16:creationId xmlns:a16="http://schemas.microsoft.com/office/drawing/2014/main" id="{3B033C59-0A69-00D0-FD80-E371D2FDCC00}"/>
+              </a:ext>
+            </a:extLst>
+          </p:cNvPr>
+          <p:cNvSpPr txBox="1"/>
+          <p:nvPr/>
+        </p:nvSpPr>
+        <p:spPr>
+          <a:xfrm>
+            <a:off x="8636534" y="3300306"/>
+            <a:ext cx="2674374" cy="646331"/>
+          </a:xfrm>
+          <a:prstGeom prst="rect">
+            <a:avLst/>
+          </a:prstGeom>
+          <a:noFill/>
+        </p:spPr>
+        <p:txBody>
+          <a:bodyPr wrap="square" rtlCol="1">
+            <a:spAutoFit/>
+          </a:bodyPr>
+          <a:lstStyle/>
+          <a:p>
+            <a:r>
+              <a:rPr lang="en-US" dirty="0"/>
+              <a:t>The driver received a point for his ride.</a:t>
+            </a:r>
+            <a:endParaRPr lang="he-IL" dirty="0"/>
+          </a:p>
+        </p:txBody>
+      </p:sp>
+      <p:pic>
+        <p:nvPicPr>
+          <p:cNvPr id="19" name="תמונה 18">
+            <a:extLst>
+              <a:ext uri="{FF2B5EF4-FFF2-40B4-BE49-F238E27FC236}">
+                <a16:creationId xmlns:a16="http://schemas.microsoft.com/office/drawing/2014/main" id="{B4BA5084-CD57-5273-DB1A-AF98DDADEF74}"/>
+              </a:ext>
+            </a:extLst>
+          </p:cNvPr>
+          <p:cNvPicPr>
+            <a:picLocks noChangeAspect="1"/>
+          </p:cNvPicPr>
+          <p:nvPr/>
+        </p:nvPicPr>
+        <p:blipFill>
+          <a:blip r:embed="rId6"/>
+          <a:stretch>
+            <a:fillRect/>
+          </a:stretch>
+        </p:blipFill>
+        <p:spPr>
+          <a:xfrm>
+            <a:off x="8084306" y="4990153"/>
+            <a:ext cx="481211" cy="481211"/>
+          </a:xfrm>
+          <a:prstGeom prst="rect">
+            <a:avLst/>
+          </a:prstGeom>
+        </p:spPr>
+      </p:pic>
+      <p:cxnSp>
+        <p:nvCxnSpPr>
+          <p:cNvPr id="3" name="מחבר חץ ישר 2">
+            <a:extLst>
+              <a:ext uri="{FF2B5EF4-FFF2-40B4-BE49-F238E27FC236}">
+                <a16:creationId xmlns:a16="http://schemas.microsoft.com/office/drawing/2014/main" id="{11159785-9CA8-2812-A1D7-0FE365DF6305}"/>
+              </a:ext>
+            </a:extLst>
+          </p:cNvPr>
+          <p:cNvCxnSpPr>
+            <a:cxnSpLocks/>
+          </p:cNvCxnSpPr>
+          <p:nvPr/>
+        </p:nvCxnSpPr>
+        <p:spPr>
+          <a:xfrm>
+            <a:off x="2788286" y="5482534"/>
+            <a:ext cx="998726" cy="0"/>
+          </a:xfrm>
+          <a:prstGeom prst="straightConnector1">
+            <a:avLst/>
+          </a:prstGeom>
+          <a:ln>
+            <a:tailEnd type="triangle"/>
+          </a:ln>
+        </p:spPr>
+        <p:style>
+          <a:lnRef idx="1">
+            <a:schemeClr val="accent1"/>
+          </a:lnRef>
+          <a:fillRef idx="0">
+            <a:schemeClr val="accent1"/>
+          </a:fillRef>
+          <a:effectRef idx="0">
+            <a:schemeClr val="accent1"/>
+          </a:effectRef>
+          <a:fontRef idx="minor">
+            <a:schemeClr val="tx1"/>
+          </a:fontRef>
+        </p:style>
+      </p:cxnSp>
+      <p:sp>
+        <p:nvSpPr>
+          <p:cNvPr id="4" name="תיבת טקסט 3">
+            <a:extLst>
+              <a:ext uri="{FF2B5EF4-FFF2-40B4-BE49-F238E27FC236}">
+                <a16:creationId xmlns:a16="http://schemas.microsoft.com/office/drawing/2014/main" id="{96AB59DB-0A7D-A399-AE3F-1B9A49A7FA39}"/>
+              </a:ext>
+            </a:extLst>
+          </p:cNvPr>
+          <p:cNvSpPr txBox="1"/>
+          <p:nvPr/>
+        </p:nvSpPr>
+        <p:spPr>
+          <a:xfrm>
+            <a:off x="3787012" y="5027306"/>
+            <a:ext cx="2674374" cy="923330"/>
+          </a:xfrm>
+          <a:prstGeom prst="rect">
+            <a:avLst/>
+          </a:prstGeom>
+          <a:noFill/>
+        </p:spPr>
+        <p:txBody>
+          <a:bodyPr wrap="square" rtlCol="1">
+            <a:spAutoFit/>
+          </a:bodyPr>
+          <a:lstStyle/>
+          <a:p>
+            <a:r>
+              <a:rPr lang="en-US" dirty="0"/>
+              <a:t>Can end drive from 10 minutes before the return time</a:t>
+            </a:r>
+            <a:endParaRPr lang="he-IL" dirty="0"/>
+          </a:p>
+        </p:txBody>
+      </p:sp>
+    </p:spTree>
+    <p:extLst>
+      <p:ext uri="{BB962C8B-B14F-4D97-AF65-F5344CB8AC3E}">
+        <p14:creationId xmlns:p14="http://schemas.microsoft.com/office/powerpoint/2010/main" val="2055754447"/>
+      </p:ext>
+    </p:extLst>
+  </p:cSld>
+  <p:clrMapOvr>
+    <a:masterClrMapping/>
+  </p:clrMapOvr>
+  <p:timing>
+    <p:tnLst>
+      <p:par>
+        <p:cTn id="1" dur="indefinite" restart="never" nodeType="tmRoot">
+          <p:childTnLst>
+            <p:seq concurrent="1" nextAc="seek">
+              <p:cTn id="2" dur="indefinite" nodeType="mainSeq">
+                <p:childTnLst>
+                  <p:par>
+                    <p:cTn id="3" fill="hold">
+                      <p:stCondLst>
+                        <p:cond delay="indefinite"/>
+                      </p:stCondLst>
+                      <p:childTnLst>
+                        <p:par>
+                          <p:cTn id="4" fill="hold">
+                            <p:stCondLst>
+                              <p:cond delay="0"/>
+                            </p:stCondLst>
+                            <p:childTnLst>
+                              <p:par>
+                                <p:cTn id="5" presetID="2" presetClass="entr" presetSubtype="4" fill="hold" nodeType="clickEffect">
+                                  <p:stCondLst>
+                                    <p:cond delay="0"/>
+                                  </p:stCondLst>
+                                  <p:childTnLst>
+                                    <p:set>
+                                      <p:cBhvr>
+                                        <p:cTn id="6" dur="1" fill="hold">
+                                          <p:stCondLst>
+                                            <p:cond delay="0"/>
+                                          </p:stCondLst>
+                                        </p:cTn>
+                                        <p:tgtEl>
+                                          <p:spTgt spid="2050"/>
+                                        </p:tgtEl>
+                                        <p:attrNameLst>
+                                          <p:attrName>style.visibility</p:attrName>
+                                        </p:attrNameLst>
+                                      </p:cBhvr>
+                                      <p:to>
+                                        <p:strVal val="visible"/>
+                                      </p:to>
+                                    </p:set>
+                                    <p:anim calcmode="lin" valueType="num">
+                                      <p:cBhvr additive="base">
+                                        <p:cTn id="7" dur="500" fill="hold"/>
+                                        <p:tgtEl>
+                                          <p:spTgt spid="2050"/>
+                                        </p:tgtEl>
+                                        <p:attrNameLst>
+                                          <p:attrName>ppt_x</p:attrName>
+                                        </p:attrNameLst>
+                                      </p:cBhvr>
+                                      <p:tavLst>
+                                        <p:tav tm="0">
+                                          <p:val>
+                                            <p:strVal val="#ppt_x"/>
+                                          </p:val>
+                                        </p:tav>
+                                        <p:tav tm="100000">
+                                          <p:val>
+                                            <p:strVal val="#ppt_x"/>
+                                          </p:val>
+                                        </p:tav>
+                                      </p:tavLst>
+                                    </p:anim>
+                                    <p:anim calcmode="lin" valueType="num">
+                                      <p:cBhvr additive="base">
+                                        <p:cTn id="8" dur="500" fill="hold"/>
+                                        <p:tgtEl>
+                                          <p:spTgt spid="2050"/>
+                                        </p:tgtEl>
+                                        <p:attrNameLst>
+                                          <p:attrName>ppt_y</p:attrName>
+                                        </p:attrNameLst>
+                                      </p:cBhvr>
+                                      <p:tavLst>
+                                        <p:tav tm="0">
+                                          <p:val>
+                                            <p:strVal val="1+#ppt_h/2"/>
+                                          </p:val>
+                                        </p:tav>
+                                        <p:tav tm="100000">
+                                          <p:val>
+                                            <p:strVal val="#ppt_y"/>
+                                          </p:val>
+                                        </p:tav>
+                                      </p:tavLst>
+                                    </p:anim>
+                                  </p:childTnLst>
+                                </p:cTn>
+                              </p:par>
+                              <p:par>
+                                <p:cTn id="9" presetID="2" presetClass="entr" presetSubtype="4" fill="hold" grpId="0" nodeType="withEffect">
+                                  <p:stCondLst>
+                                    <p:cond delay="0"/>
+                                  </p:stCondLst>
+                                  <p:childTnLst>
+                                    <p:set>
+                                      <p:cBhvr>
+                                        <p:cTn id="10" dur="1" fill="hold">
+                                          <p:stCondLst>
+                                            <p:cond delay="0"/>
+                                          </p:stCondLst>
+                                        </p:cTn>
+                                        <p:tgtEl>
+                                          <p:spTgt spid="7"/>
+                                        </p:tgtEl>
+                                        <p:attrNameLst>
+                                          <p:attrName>style.visibility</p:attrName>
+                                        </p:attrNameLst>
+                                      </p:cBhvr>
+                                      <p:to>
+                                        <p:strVal val="visible"/>
+                                      </p:to>
+                                    </p:set>
+                                    <p:anim calcmode="lin" valueType="num">
+                                      <p:cBhvr additive="base">
+                                        <p:cTn id="11" dur="500" fill="hold"/>
+                                        <p:tgtEl>
+                                          <p:spTgt spid="7"/>
+                                        </p:tgtEl>
+                                        <p:attrNameLst>
+                                          <p:attrName>ppt_x</p:attrName>
+                                        </p:attrNameLst>
+                                      </p:cBhvr>
+                                      <p:tavLst>
+                                        <p:tav tm="0">
+                                          <p:val>
+                                            <p:strVal val="#ppt_x"/>
+                                          </p:val>
+                                        </p:tav>
+                                        <p:tav tm="100000">
+                                          <p:val>
+                                            <p:strVal val="#ppt_x"/>
+                                          </p:val>
+                                        </p:tav>
+                                      </p:tavLst>
+                                    </p:anim>
+                                    <p:anim calcmode="lin" valueType="num">
+                                      <p:cBhvr additive="base">
+                                        <p:cTn id="12" dur="500" fill="hold"/>
+                                        <p:tgtEl>
+                                          <p:spTgt spid="7"/>
+                                        </p:tgtEl>
+                                        <p:attrNameLst>
+                                          <p:attrName>ppt_y</p:attrName>
+                                        </p:attrNameLst>
+                                      </p:cBhvr>
+                                      <p:tavLst>
+                                        <p:tav tm="0">
+                                          <p:val>
+                                            <p:strVal val="1+#ppt_h/2"/>
+                                          </p:val>
+                                        </p:tav>
+                                        <p:tav tm="100000">
+                                          <p:val>
+                                            <p:strVal val="#ppt_y"/>
+                                          </p:val>
+                                        </p:tav>
+                                      </p:tavLst>
+                                    </p:anim>
+                                  </p:childTnLst>
+                                </p:cTn>
+                              </p:par>
+                            </p:childTnLst>
+                          </p:cTn>
+                        </p:par>
+                      </p:childTnLst>
+                    </p:cTn>
+                  </p:par>
+                  <p:par>
+                    <p:cTn id="13" fill="hold">
+                      <p:stCondLst>
+                        <p:cond delay="indefinite"/>
+                      </p:stCondLst>
+                      <p:childTnLst>
+                        <p:par>
+                          <p:cTn id="14" fill="hold">
+                            <p:stCondLst>
+                              <p:cond delay="0"/>
+                            </p:stCondLst>
+                            <p:childTnLst>
+                              <p:par>
+                                <p:cTn id="15" presetID="10" presetClass="entr" presetSubtype="0" fill="hold" nodeType="clickEffect">
+                                  <p:stCondLst>
+                                    <p:cond delay="0"/>
+                                  </p:stCondLst>
+                                  <p:childTnLst>
+                                    <p:set>
+                                      <p:cBhvr>
+                                        <p:cTn id="16" dur="1" fill="hold">
+                                          <p:stCondLst>
+                                            <p:cond delay="0"/>
+                                          </p:stCondLst>
+                                        </p:cTn>
+                                        <p:tgtEl>
+                                          <p:spTgt spid="3"/>
+                                        </p:tgtEl>
+                                        <p:attrNameLst>
+                                          <p:attrName>style.visibility</p:attrName>
+                                        </p:attrNameLst>
+                                      </p:cBhvr>
+                                      <p:to>
+                                        <p:strVal val="visible"/>
+                                      </p:to>
+                                    </p:set>
+                                    <p:animEffect transition="in" filter="fade">
+                                      <p:cBhvr>
+                                        <p:cTn id="17" dur="500"/>
+                                        <p:tgtEl>
+                                          <p:spTgt spid="3"/>
+                                        </p:tgtEl>
+                                      </p:cBhvr>
+                                    </p:animEffect>
+                                  </p:childTnLst>
+                                </p:cTn>
+                              </p:par>
+                              <p:par>
+                                <p:cTn id="18" presetID="42" presetClass="entr" presetSubtype="0" fill="hold" grpId="0" nodeType="withEffect">
+                                  <p:stCondLst>
+                                    <p:cond delay="0"/>
+                                  </p:stCondLst>
+                                  <p:childTnLst>
+                                    <p:set>
+                                      <p:cBhvr>
+                                        <p:cTn id="19" dur="1" fill="hold">
+                                          <p:stCondLst>
+                                            <p:cond delay="0"/>
+                                          </p:stCondLst>
+                                        </p:cTn>
+                                        <p:tgtEl>
+                                          <p:spTgt spid="4"/>
+                                        </p:tgtEl>
+                                        <p:attrNameLst>
+                                          <p:attrName>style.visibility</p:attrName>
+                                        </p:attrNameLst>
+                                      </p:cBhvr>
+                                      <p:to>
+                                        <p:strVal val="visible"/>
+                                      </p:to>
+                                    </p:set>
+                                    <p:animEffect transition="in" filter="fade">
+                                      <p:cBhvr>
+                                        <p:cTn id="20" dur="1000"/>
+                                        <p:tgtEl>
+                                          <p:spTgt spid="4"/>
+                                        </p:tgtEl>
+                                      </p:cBhvr>
+                                    </p:animEffect>
+                                    <p:anim calcmode="lin" valueType="num">
+                                      <p:cBhvr>
+                                        <p:cTn id="21" dur="1000" fill="hold"/>
+                                        <p:tgtEl>
+                                          <p:spTgt spid="4"/>
+                                        </p:tgtEl>
+                                        <p:attrNameLst>
+                                          <p:attrName>ppt_x</p:attrName>
+                                        </p:attrNameLst>
+                                      </p:cBhvr>
+                                      <p:tavLst>
+                                        <p:tav tm="0">
+                                          <p:val>
+                                            <p:strVal val="#ppt_x"/>
+                                          </p:val>
+                                        </p:tav>
+                                        <p:tav tm="100000">
+                                          <p:val>
+                                            <p:strVal val="#ppt_x"/>
+                                          </p:val>
+                                        </p:tav>
+                                      </p:tavLst>
+                                    </p:anim>
+                                    <p:anim calcmode="lin" valueType="num">
+                                      <p:cBhvr>
+                                        <p:cTn id="22" dur="1000" fill="hold"/>
+                                        <p:tgtEl>
+                                          <p:spTgt spid="4"/>
+                                        </p:tgtEl>
+                                        <p:attrNameLst>
+                                          <p:attrName>ppt_y</p:attrName>
+                                        </p:attrNameLst>
+                                      </p:cBhvr>
+                                      <p:tavLst>
+                                        <p:tav tm="0">
+                                          <p:val>
+                                            <p:strVal val="#ppt_y+.1"/>
+                                          </p:val>
+                                        </p:tav>
+                                        <p:tav tm="100000">
+                                          <p:val>
+                                            <p:strVal val="#ppt_y"/>
+                                          </p:val>
+                                        </p:tav>
+                                      </p:tavLst>
+                                    </p:anim>
+                                  </p:childTnLst>
+                                </p:cTn>
+                              </p:par>
+                            </p:childTnLst>
+                          </p:cTn>
+                        </p:par>
+                      </p:childTnLst>
+                    </p:cTn>
+                  </p:par>
+                  <p:par>
+                    <p:cTn id="23" fill="hold">
+                      <p:stCondLst>
+                        <p:cond delay="indefinite"/>
+                      </p:stCondLst>
+                      <p:childTnLst>
+                        <p:par>
+                          <p:cTn id="24" fill="hold">
+                            <p:stCondLst>
+                              <p:cond delay="0"/>
+                            </p:stCondLst>
+                            <p:childTnLst>
+                              <p:par>
+                                <p:cTn id="25" presetID="1" presetClass="exit" presetSubtype="0" fill="hold" grpId="1" nodeType="clickEffect">
+                                  <p:stCondLst>
+                                    <p:cond delay="0"/>
+                                  </p:stCondLst>
+                                  <p:childTnLst>
+                                    <p:set>
+                                      <p:cBhvr>
+                                        <p:cTn id="26" dur="1" fill="hold">
+                                          <p:stCondLst>
+                                            <p:cond delay="0"/>
+                                          </p:stCondLst>
+                                        </p:cTn>
+                                        <p:tgtEl>
+                                          <p:spTgt spid="4"/>
+                                        </p:tgtEl>
+                                        <p:attrNameLst>
+                                          <p:attrName>style.visibility</p:attrName>
+                                        </p:attrNameLst>
+                                      </p:cBhvr>
+                                      <p:to>
+                                        <p:strVal val="hidden"/>
+                                      </p:to>
+                                    </p:set>
+                                  </p:childTnLst>
+                                </p:cTn>
+                              </p:par>
+                              <p:par>
+                                <p:cTn id="27" presetID="1" presetClass="exit" presetSubtype="0" fill="hold" nodeType="withEffect">
+                                  <p:stCondLst>
+                                    <p:cond delay="0"/>
+                                  </p:stCondLst>
+                                  <p:childTnLst>
+                                    <p:set>
+                                      <p:cBhvr>
+                                        <p:cTn id="28" dur="1" fill="hold">
+                                          <p:stCondLst>
+                                            <p:cond delay="0"/>
+                                          </p:stCondLst>
+                                        </p:cTn>
+                                        <p:tgtEl>
+                                          <p:spTgt spid="3"/>
+                                        </p:tgtEl>
+                                        <p:attrNameLst>
+                                          <p:attrName>style.visibility</p:attrName>
+                                        </p:attrNameLst>
+                                      </p:cBhvr>
+                                      <p:to>
+                                        <p:strVal val="hidden"/>
+                                      </p:to>
+                                    </p:set>
+                                  </p:childTnLst>
+                                </p:cTn>
+                              </p:par>
+                            </p:childTnLst>
+                          </p:cTn>
+                        </p:par>
+                      </p:childTnLst>
+                    </p:cTn>
+                  </p:par>
+                  <p:par>
+                    <p:cTn id="29" fill="hold">
+                      <p:stCondLst>
+                        <p:cond delay="indefinite"/>
+                      </p:stCondLst>
+                      <p:childTnLst>
+                        <p:par>
+                          <p:cTn id="30" fill="hold">
+                            <p:stCondLst>
+                              <p:cond delay="0"/>
+                            </p:stCondLst>
+                            <p:childTnLst>
+                              <p:par>
+                                <p:cTn id="31" presetID="2" presetClass="entr" presetSubtype="4" fill="hold" nodeType="clickEffect">
+                                  <p:stCondLst>
+                                    <p:cond delay="0"/>
+                                  </p:stCondLst>
+                                  <p:childTnLst>
+                                    <p:set>
+                                      <p:cBhvr>
+                                        <p:cTn id="32" dur="1" fill="hold">
+                                          <p:stCondLst>
+                                            <p:cond delay="0"/>
+                                          </p:stCondLst>
+                                        </p:cTn>
+                                        <p:tgtEl>
+                                          <p:spTgt spid="2054"/>
+                                        </p:tgtEl>
+                                        <p:attrNameLst>
+                                          <p:attrName>style.visibility</p:attrName>
+                                        </p:attrNameLst>
+                                      </p:cBhvr>
+                                      <p:to>
+                                        <p:strVal val="visible"/>
+                                      </p:to>
+                                    </p:set>
+                                    <p:anim calcmode="lin" valueType="num">
+                                      <p:cBhvr additive="base">
+                                        <p:cTn id="33" dur="500" fill="hold"/>
+                                        <p:tgtEl>
+                                          <p:spTgt spid="2054"/>
+                                        </p:tgtEl>
+                                        <p:attrNameLst>
+                                          <p:attrName>ppt_x</p:attrName>
+                                        </p:attrNameLst>
+                                      </p:cBhvr>
+                                      <p:tavLst>
+                                        <p:tav tm="0">
+                                          <p:val>
+                                            <p:strVal val="#ppt_x"/>
+                                          </p:val>
+                                        </p:tav>
+                                        <p:tav tm="100000">
+                                          <p:val>
+                                            <p:strVal val="#ppt_x"/>
+                                          </p:val>
+                                        </p:tav>
+                                      </p:tavLst>
+                                    </p:anim>
+                                    <p:anim calcmode="lin" valueType="num">
+                                      <p:cBhvr additive="base">
+                                        <p:cTn id="34" dur="500" fill="hold"/>
+                                        <p:tgtEl>
+                                          <p:spTgt spid="2054"/>
+                                        </p:tgtEl>
+                                        <p:attrNameLst>
+                                          <p:attrName>ppt_y</p:attrName>
+                                        </p:attrNameLst>
+                                      </p:cBhvr>
+                                      <p:tavLst>
+                                        <p:tav tm="0">
+                                          <p:val>
+                                            <p:strVal val="1+#ppt_h/2"/>
+                                          </p:val>
+                                        </p:tav>
+                                        <p:tav tm="100000">
+                                          <p:val>
+                                            <p:strVal val="#ppt_y"/>
+                                          </p:val>
+                                        </p:tav>
+                                      </p:tavLst>
+                                    </p:anim>
+                                  </p:childTnLst>
+                                </p:cTn>
+                              </p:par>
+                              <p:par>
+                                <p:cTn id="35" presetID="2" presetClass="entr" presetSubtype="4" fill="hold" grpId="0" nodeType="withEffect">
+                                  <p:stCondLst>
+                                    <p:cond delay="0"/>
+                                  </p:stCondLst>
+                                  <p:childTnLst>
+                                    <p:set>
+                                      <p:cBhvr>
+                                        <p:cTn id="36" dur="1" fill="hold">
+                                          <p:stCondLst>
+                                            <p:cond delay="0"/>
+                                          </p:stCondLst>
+                                        </p:cTn>
+                                        <p:tgtEl>
+                                          <p:spTgt spid="8"/>
+                                        </p:tgtEl>
+                                        <p:attrNameLst>
+                                          <p:attrName>style.visibility</p:attrName>
+                                        </p:attrNameLst>
+                                      </p:cBhvr>
+                                      <p:to>
+                                        <p:strVal val="visible"/>
+                                      </p:to>
+                                    </p:set>
+                                    <p:anim calcmode="lin" valueType="num">
+                                      <p:cBhvr additive="base">
+                                        <p:cTn id="37" dur="500" fill="hold"/>
+                                        <p:tgtEl>
+                                          <p:spTgt spid="8"/>
+                                        </p:tgtEl>
+                                        <p:attrNameLst>
+                                          <p:attrName>ppt_x</p:attrName>
+                                        </p:attrNameLst>
+                                      </p:cBhvr>
+                                      <p:tavLst>
+                                        <p:tav tm="0">
+                                          <p:val>
+                                            <p:strVal val="#ppt_x"/>
+                                          </p:val>
+                                        </p:tav>
+                                        <p:tav tm="100000">
+                                          <p:val>
+                                            <p:strVal val="#ppt_x"/>
+                                          </p:val>
+                                        </p:tav>
+                                      </p:tavLst>
+                                    </p:anim>
+                                    <p:anim calcmode="lin" valueType="num">
+                                      <p:cBhvr additive="base">
+                                        <p:cTn id="38" dur="500" fill="hold"/>
+                                        <p:tgtEl>
+                                          <p:spTgt spid="8"/>
+                                        </p:tgtEl>
+                                        <p:attrNameLst>
+                                          <p:attrName>ppt_y</p:attrName>
+                                        </p:attrNameLst>
+                                      </p:cBhvr>
+                                      <p:tavLst>
+                                        <p:tav tm="0">
+                                          <p:val>
+                                            <p:strVal val="1+#ppt_h/2"/>
+                                          </p:val>
+                                        </p:tav>
+                                        <p:tav tm="100000">
+                                          <p:val>
+                                            <p:strVal val="#ppt_y"/>
+                                          </p:val>
+                                        </p:tav>
+                                      </p:tavLst>
+                                    </p:anim>
+                                  </p:childTnLst>
+                                </p:cTn>
+                              </p:par>
+                            </p:childTnLst>
+                          </p:cTn>
+                        </p:par>
+                      </p:childTnLst>
+                    </p:cTn>
+                  </p:par>
+                  <p:par>
+                    <p:cTn id="39" fill="hold">
+                      <p:stCondLst>
+                        <p:cond delay="indefinite"/>
+                      </p:stCondLst>
+                      <p:childTnLst>
+                        <p:par>
+                          <p:cTn id="40" fill="hold">
+                            <p:stCondLst>
+                              <p:cond delay="0"/>
+                            </p:stCondLst>
+                            <p:childTnLst>
+                              <p:par>
+                                <p:cTn id="41" presetID="10" presetClass="entr" presetSubtype="0" fill="hold" nodeType="clickEffect">
+                                  <p:stCondLst>
+                                    <p:cond delay="0"/>
+                                  </p:stCondLst>
+                                  <p:childTnLst>
+                                    <p:set>
+                                      <p:cBhvr>
+                                        <p:cTn id="42" dur="1" fill="hold">
+                                          <p:stCondLst>
+                                            <p:cond delay="0"/>
+                                          </p:stCondLst>
+                                        </p:cTn>
+                                        <p:tgtEl>
+                                          <p:spTgt spid="10"/>
+                                        </p:tgtEl>
+                                        <p:attrNameLst>
+                                          <p:attrName>style.visibility</p:attrName>
+                                        </p:attrNameLst>
+                                      </p:cBhvr>
+                                      <p:to>
+                                        <p:strVal val="visible"/>
+                                      </p:to>
+                                    </p:set>
+                                    <p:animEffect transition="in" filter="fade">
+                                      <p:cBhvr>
+                                        <p:cTn id="43" dur="500"/>
+                                        <p:tgtEl>
+                                          <p:spTgt spid="10"/>
+                                        </p:tgtEl>
+                                      </p:cBhvr>
+                                    </p:animEffect>
+                                  </p:childTnLst>
+                                </p:cTn>
+                              </p:par>
+                              <p:par>
+                                <p:cTn id="44" presetID="10" presetClass="entr" presetSubtype="0" fill="hold" nodeType="withEffect">
+                                  <p:stCondLst>
+                                    <p:cond delay="0"/>
+                                  </p:stCondLst>
+                                  <p:childTnLst>
+                                    <p:set>
+                                      <p:cBhvr>
+                                        <p:cTn id="45" dur="1" fill="hold">
+                                          <p:stCondLst>
+                                            <p:cond delay="0"/>
+                                          </p:stCondLst>
+                                        </p:cTn>
+                                        <p:tgtEl>
+                                          <p:spTgt spid="2056"/>
+                                        </p:tgtEl>
+                                        <p:attrNameLst>
+                                          <p:attrName>style.visibility</p:attrName>
+                                        </p:attrNameLst>
+                                      </p:cBhvr>
+                                      <p:to>
+                                        <p:strVal val="visible"/>
+                                      </p:to>
+                                    </p:set>
+                                    <p:animEffect transition="in" filter="fade">
+                                      <p:cBhvr>
+                                        <p:cTn id="46" dur="500"/>
+                                        <p:tgtEl>
+                                          <p:spTgt spid="2056"/>
+                                        </p:tgtEl>
+                                      </p:cBhvr>
+                                    </p:animEffect>
+                                  </p:childTnLst>
+                                </p:cTn>
+                              </p:par>
+                              <p:par>
+                                <p:cTn id="47" presetID="10" presetClass="entr" presetSubtype="0" fill="hold" grpId="0" nodeType="withEffect">
+                                  <p:stCondLst>
+                                    <p:cond delay="0"/>
+                                  </p:stCondLst>
+                                  <p:childTnLst>
+                                    <p:set>
+                                      <p:cBhvr>
+                                        <p:cTn id="48" dur="1" fill="hold">
+                                          <p:stCondLst>
+                                            <p:cond delay="0"/>
+                                          </p:stCondLst>
+                                        </p:cTn>
+                                        <p:tgtEl>
+                                          <p:spTgt spid="17"/>
+                                        </p:tgtEl>
+                                        <p:attrNameLst>
+                                          <p:attrName>style.visibility</p:attrName>
+                                        </p:attrNameLst>
+                                      </p:cBhvr>
+                                      <p:to>
+                                        <p:strVal val="visible"/>
+                                      </p:to>
+                                    </p:set>
+                                    <p:animEffect transition="in" filter="fade">
+                                      <p:cBhvr>
+                                        <p:cTn id="49" dur="500"/>
+                                        <p:tgtEl>
+                                          <p:spTgt spid="17"/>
+                                        </p:tgtEl>
+                                      </p:cBhvr>
+                                    </p:animEffect>
+                                  </p:childTnLst>
+                                </p:cTn>
+                              </p:par>
+                            </p:childTnLst>
+                          </p:cTn>
+                        </p:par>
+                      </p:childTnLst>
+                    </p:cTn>
+                  </p:par>
+                  <p:par>
+                    <p:cTn id="50" fill="hold">
+                      <p:stCondLst>
+                        <p:cond delay="indefinite"/>
+                      </p:stCondLst>
+                      <p:childTnLst>
+                        <p:par>
+                          <p:cTn id="51" fill="hold">
+                            <p:stCondLst>
+                              <p:cond delay="0"/>
+                            </p:stCondLst>
+                            <p:childTnLst>
+                              <p:par>
+                                <p:cTn id="52" presetID="10" presetClass="entr" presetSubtype="0" fill="hold" nodeType="clickEffect">
+                                  <p:stCondLst>
+                                    <p:cond delay="0"/>
+                                  </p:stCondLst>
+                                  <p:childTnLst>
+                                    <p:set>
+                                      <p:cBhvr>
+                                        <p:cTn id="53" dur="1" fill="hold">
+                                          <p:stCondLst>
+                                            <p:cond delay="0"/>
+                                          </p:stCondLst>
+                                        </p:cTn>
+                                        <p:tgtEl>
+                                          <p:spTgt spid="15"/>
+                                        </p:tgtEl>
+                                        <p:attrNameLst>
+                                          <p:attrName>style.visibility</p:attrName>
+                                        </p:attrNameLst>
+                                      </p:cBhvr>
+                                      <p:to>
+                                        <p:strVal val="visible"/>
+                                      </p:to>
+                                    </p:set>
+                                    <p:animEffect transition="in" filter="fade">
+                                      <p:cBhvr>
+                                        <p:cTn id="54" dur="500"/>
+                                        <p:tgtEl>
+                                          <p:spTgt spid="15"/>
+                                        </p:tgtEl>
+                                      </p:cBhvr>
+                                    </p:animEffect>
+                                  </p:childTnLst>
+                                </p:cTn>
+                              </p:par>
+                              <p:par>
+                                <p:cTn id="55" presetID="42" presetClass="entr" presetSubtype="0" fill="hold" nodeType="withEffect">
+                                  <p:stCondLst>
+                                    <p:cond delay="0"/>
+                                  </p:stCondLst>
+                                  <p:childTnLst>
+                                    <p:set>
+                                      <p:cBhvr>
+                                        <p:cTn id="56" dur="1" fill="hold">
+                                          <p:stCondLst>
+                                            <p:cond delay="0"/>
+                                          </p:stCondLst>
+                                        </p:cTn>
+                                        <p:tgtEl>
+                                          <p:spTgt spid="19"/>
+                                        </p:tgtEl>
+                                        <p:attrNameLst>
+                                          <p:attrName>style.visibility</p:attrName>
+                                        </p:attrNameLst>
+                                      </p:cBhvr>
+                                      <p:to>
+                                        <p:strVal val="visible"/>
+                                      </p:to>
+                                    </p:set>
+                                    <p:animEffect transition="in" filter="fade">
+                                      <p:cBhvr>
+                                        <p:cTn id="57" dur="1000"/>
+                                        <p:tgtEl>
+                                          <p:spTgt spid="19"/>
+                                        </p:tgtEl>
+                                      </p:cBhvr>
+                                    </p:animEffect>
+                                    <p:anim calcmode="lin" valueType="num">
+                                      <p:cBhvr>
+                                        <p:cTn id="58" dur="1000" fill="hold"/>
+                                        <p:tgtEl>
+                                          <p:spTgt spid="19"/>
+                                        </p:tgtEl>
+                                        <p:attrNameLst>
+                                          <p:attrName>ppt_x</p:attrName>
+                                        </p:attrNameLst>
+                                      </p:cBhvr>
+                                      <p:tavLst>
+                                        <p:tav tm="0">
+                                          <p:val>
+                                            <p:strVal val="#ppt_x"/>
+                                          </p:val>
+                                        </p:tav>
+                                        <p:tav tm="100000">
+                                          <p:val>
+                                            <p:strVal val="#ppt_x"/>
+                                          </p:val>
+                                        </p:tav>
+                                      </p:tavLst>
+                                    </p:anim>
+                                    <p:anim calcmode="lin" valueType="num">
+                                      <p:cBhvr>
+                                        <p:cTn id="59" dur="1000" fill="hold"/>
+                                        <p:tgtEl>
+                                          <p:spTgt spid="19"/>
+                                        </p:tgtEl>
+                                        <p:attrNameLst>
+                                          <p:attrName>ppt_y</p:attrName>
+                                        </p:attrNameLst>
+                                      </p:cBhvr>
+                                      <p:tavLst>
+                                        <p:tav tm="0">
+                                          <p:val>
+                                            <p:strVal val="#ppt_y+.1"/>
+                                          </p:val>
+                                        </p:tav>
+                                        <p:tav tm="100000">
+                                          <p:val>
+                                            <p:strVal val="#ppt_y"/>
+                                          </p:val>
+                                        </p:tav>
+                                      </p:tavLst>
+                                    </p:anim>
+                                  </p:childTnLst>
+                                </p:cTn>
+                              </p:par>
+                              <p:par>
+                                <p:cTn id="60" presetID="10" presetClass="entr" presetSubtype="0" fill="hold" grpId="0" nodeType="withEffect">
+                                  <p:stCondLst>
+                                    <p:cond delay="0"/>
+                                  </p:stCondLst>
+                                  <p:childTnLst>
+                                    <p:set>
+                                      <p:cBhvr>
+                                        <p:cTn id="61" dur="1" fill="hold">
+                                          <p:stCondLst>
+                                            <p:cond delay="0"/>
+                                          </p:stCondLst>
+                                        </p:cTn>
+                                        <p:tgtEl>
+                                          <p:spTgt spid="16"/>
+                                        </p:tgtEl>
+                                        <p:attrNameLst>
+                                          <p:attrName>style.visibility</p:attrName>
+                                        </p:attrNameLst>
+                                      </p:cBhvr>
+                                      <p:to>
+                                        <p:strVal val="visible"/>
+                                      </p:to>
+                                    </p:set>
+                                    <p:animEffect transition="in" filter="fade">
+                                      <p:cBhvr>
+                                        <p:cTn id="62" dur="500"/>
+                                        <p:tgtEl>
+                                          <p:spTgt spid="16"/>
+                                        </p:tgtEl>
+                                      </p:cBhvr>
+                                    </p:animEffect>
+                                  </p:childTnLst>
+                                </p:cTn>
+                              </p:par>
+                            </p:childTnLst>
+                          </p:cTn>
+                        </p:par>
+                      </p:childTnLst>
+                    </p:cTn>
+                  </p:par>
+                </p:childTnLst>
+              </p:cTn>
+              <p:prevCondLst>
+                <p:cond evt="onPrev" delay="0">
+                  <p:tgtEl>
+                    <p:sldTgt/>
+                  </p:tgtEl>
+                </p:cond>
+              </p:prevCondLst>
+              <p:nextCondLst>
+                <p:cond evt="onNext" delay="0">
+                  <p:tgtEl>
+                    <p:sldTgt/>
+                  </p:tgtEl>
+                </p:cond>
+              </p:nextCondLst>
+            </p:seq>
+          </p:childTnLst>
+        </p:cTn>
+      </p:par>
+    </p:tnLst>
+    <p:bldLst>
+      <p:bldP spid="7" grpId="0"/>
+      <p:bldP spid="8" grpId="0"/>
+      <p:bldP spid="16" grpId="0"/>
+      <p:bldP spid="17" grpId="0"/>
+      <p:bldP spid="4" grpId="0"/>
+      <p:bldP spid="4" grpId="1"/>
+    </p:bldLst>
+  </p:timing>
+</p:sld>
+</file>
+
+<file path=ppt/slides/slide8.xml><?xml version="1.0" encoding="utf-8"?>
+<p:sld xmlns:a="http://schemas.openxmlformats.org/drawingml/2006/main" xmlns:r="http://schemas.openxmlformats.org/officeDocument/2006/relationships" xmlns:p="http://schemas.openxmlformats.org/presentationml/2006/main">
+  <p:cSld>
+    <p:spTree>
+      <p:nvGrpSpPr>
+        <p:cNvPr id="1" name=""/>
+        <p:cNvGrpSpPr/>
+        <p:nvPr/>
+      </p:nvGrpSpPr>
+      <p:grpSpPr>
+        <a:xfrm>
+          <a:off x="0" y="0"/>
+          <a:ext cx="0" cy="0"/>
+          <a:chOff x="0" y="0"/>
+          <a:chExt cx="0" cy="0"/>
+        </a:xfrm>
+      </p:grpSpPr>
+      <p:sp>
+        <p:nvSpPr>
+          <p:cNvPr id="2" name="Title 1">
+            <a:extLst>
+              <a:ext uri="{FF2B5EF4-FFF2-40B4-BE49-F238E27FC236}">
+                <a16:creationId xmlns:a16="http://schemas.microsoft.com/office/drawing/2014/main" id="{29637FF6-2210-9469-07B3-D36E0B53EBFB}"/>
+              </a:ext>
+            </a:extLst>
+          </p:cNvPr>
+          <p:cNvSpPr>
+            <a:spLocks noGrp="1"/>
+          </p:cNvSpPr>
+          <p:nvPr>
+            <p:ph type="ctrTitle"/>
+          </p:nvPr>
+        </p:nvSpPr>
+        <p:spPr>
+          <a:xfrm>
+            <a:off x="1843862" y="295867"/>
+            <a:ext cx="8504275" cy="728014"/>
+          </a:xfrm>
+        </p:spPr>
+        <p:txBody>
+          <a:bodyPr>
+            <a:normAutofit fontScale="90000"/>
+          </a:bodyPr>
+          <a:lstStyle/>
+          <a:p>
+            <a:pPr algn="ctr"/>
+            <a:r>
               <a:rPr lang="en-US"/>
               <a:t>Software Architecture</a:t>
             </a:r>
@@ -11576,7 +16183,7 @@
 </p:sld>
 </file>
 
-<file path=ppt/slides/slide7.xml><?xml version="1.0" encoding="utf-8"?>
+<file path=ppt/slides/slide9.xml><?xml version="1.0" encoding="utf-8"?>
 <p:sld xmlns:a="http://schemas.openxmlformats.org/drawingml/2006/main" xmlns:r="http://schemas.openxmlformats.org/officeDocument/2006/relationships" xmlns:p="http://schemas.openxmlformats.org/presentationml/2006/main">
   <p:cSld>
     <p:spTree>
@@ -11994,1033 +16601,6 @@
     <p:extLst>
       <p:ext uri="{BB962C8B-B14F-4D97-AF65-F5344CB8AC3E}">
         <p14:creationId xmlns:p14="http://schemas.microsoft.com/office/powerpoint/2010/main" val="1196784971"/>
-      </p:ext>
-    </p:extLst>
-  </p:cSld>
-  <p:clrMapOvr>
-    <a:masterClrMapping/>
-  </p:clrMapOvr>
-</p:sld>
-</file>
-
-<file path=ppt/slides/slide8.xml><?xml version="1.0" encoding="utf-8"?>
-<p:sld xmlns:a="http://schemas.openxmlformats.org/drawingml/2006/main" xmlns:r="http://schemas.openxmlformats.org/officeDocument/2006/relationships" xmlns:p="http://schemas.openxmlformats.org/presentationml/2006/main">
-  <p:cSld>
-    <p:spTree>
-      <p:nvGrpSpPr>
-        <p:cNvPr id="1" name=""/>
-        <p:cNvGrpSpPr/>
-        <p:nvPr/>
-      </p:nvGrpSpPr>
-      <p:grpSpPr>
-        <a:xfrm>
-          <a:off x="0" y="0"/>
-          <a:ext cx="0" cy="0"/>
-          <a:chOff x="0" y="0"/>
-          <a:chExt cx="0" cy="0"/>
-        </a:xfrm>
-      </p:grpSpPr>
-      <p:sp>
-        <p:nvSpPr>
-          <p:cNvPr id="2" name="Title 1">
-            <a:extLst>
-              <a:ext uri="{FF2B5EF4-FFF2-40B4-BE49-F238E27FC236}">
-                <a16:creationId xmlns:a16="http://schemas.microsoft.com/office/drawing/2014/main" id="{29637FF6-2210-9469-07B3-D36E0B53EBFB}"/>
-              </a:ext>
-            </a:extLst>
-          </p:cNvPr>
-          <p:cNvSpPr>
-            <a:spLocks noGrp="1"/>
-          </p:cNvSpPr>
-          <p:nvPr>
-            <p:ph type="ctrTitle"/>
-          </p:nvPr>
-        </p:nvSpPr>
-        <p:spPr>
-          <a:xfrm>
-            <a:off x="1843862" y="295867"/>
-            <a:ext cx="8504275" cy="728014"/>
-          </a:xfrm>
-        </p:spPr>
-        <p:txBody>
-          <a:bodyPr>
-            <a:normAutofit fontScale="90000"/>
-          </a:bodyPr>
-          <a:lstStyle/>
-          <a:p>
-            <a:pPr algn="ctr"/>
-            <a:r>
-              <a:rPr lang="en-US" dirty="0"/>
-              <a:t>Challenges and Solutions</a:t>
-            </a:r>
-            <a:endParaRPr lang="LID4096" dirty="0"/>
-          </a:p>
-        </p:txBody>
-      </p:sp>
-      <p:sp>
-        <p:nvSpPr>
-          <p:cNvPr id="6" name="Google Shape;293;p3">
-            <a:extLst>
-              <a:ext uri="{FF2B5EF4-FFF2-40B4-BE49-F238E27FC236}">
-                <a16:creationId xmlns:a16="http://schemas.microsoft.com/office/drawing/2014/main" id="{95DAB734-8C22-2C6D-7F38-8ADD1A67890C}"/>
-              </a:ext>
-            </a:extLst>
-          </p:cNvPr>
-          <p:cNvSpPr txBox="1">
-            <a:spLocks/>
-          </p:cNvSpPr>
-          <p:nvPr/>
-        </p:nvSpPr>
-        <p:spPr>
-          <a:xfrm>
-            <a:off x="782060" y="1283747"/>
-            <a:ext cx="10942177" cy="5096956"/>
-          </a:xfrm>
-          <a:prstGeom prst="rect">
-            <a:avLst/>
-          </a:prstGeom>
-          <a:noFill/>
-          <a:ln>
-            <a:noFill/>
-          </a:ln>
-        </p:spPr>
-        <p:txBody>
-          <a:bodyPr spcFirstLastPara="1" vert="horz" wrap="square" lIns="91425" tIns="91425" rIns="91425" bIns="91425" rtlCol="0" anchor="t" anchorCtr="0">
-            <a:noAutofit/>
-          </a:bodyPr>
-          <a:lstStyle>
-            <a:lvl1pPr marL="228600" indent="-228600" algn="l" defTabSz="914400" rtl="0" eaLnBrk="1" latinLnBrk="0" hangingPunct="1">
-              <a:lnSpc>
-                <a:spcPct val="120000"/>
-              </a:lnSpc>
-              <a:spcBef>
-                <a:spcPts val="1000"/>
-              </a:spcBef>
-              <a:buClr>
-                <a:schemeClr val="accent5"/>
-              </a:buClr>
-              <a:buFont typeface="Arial" panose="020B0604020202020204" pitchFamily="34" charset="0"/>
-              <a:buChar char="•"/>
-              <a:defRPr sz="2000" kern="1200">
-                <a:solidFill>
-                  <a:schemeClr val="tx2"/>
-                </a:solidFill>
-                <a:latin typeface="+mn-lt"/>
-                <a:ea typeface="+mn-ea"/>
-                <a:cs typeface="+mn-cs"/>
-              </a:defRPr>
-            </a:lvl1pPr>
-            <a:lvl2pPr marL="685800" indent="-228600" algn="l" defTabSz="914400" rtl="0" eaLnBrk="1" latinLnBrk="0" hangingPunct="1">
-              <a:lnSpc>
-                <a:spcPct val="120000"/>
-              </a:lnSpc>
-              <a:spcBef>
-                <a:spcPts val="500"/>
-              </a:spcBef>
-              <a:buClr>
-                <a:schemeClr val="accent5"/>
-              </a:buClr>
-              <a:buFont typeface="Arial" panose="020B0604020202020204" pitchFamily="34" charset="0"/>
-              <a:buChar char="•"/>
-              <a:defRPr sz="1800" kern="1200">
-                <a:solidFill>
-                  <a:schemeClr val="tx2"/>
-                </a:solidFill>
-                <a:latin typeface="+mn-lt"/>
-                <a:ea typeface="+mn-ea"/>
-                <a:cs typeface="+mn-cs"/>
-              </a:defRPr>
-            </a:lvl2pPr>
-            <a:lvl3pPr marL="1143000" indent="-228600" algn="l" defTabSz="914400" rtl="0" eaLnBrk="1" latinLnBrk="0" hangingPunct="1">
-              <a:lnSpc>
-                <a:spcPct val="120000"/>
-              </a:lnSpc>
-              <a:spcBef>
-                <a:spcPts val="500"/>
-              </a:spcBef>
-              <a:buClr>
-                <a:schemeClr val="accent5"/>
-              </a:buClr>
-              <a:buFont typeface="Arial" panose="020B0604020202020204" pitchFamily="34" charset="0"/>
-              <a:buChar char="•"/>
-              <a:defRPr sz="1600" kern="1200">
-                <a:solidFill>
-                  <a:schemeClr val="tx2"/>
-                </a:solidFill>
-                <a:latin typeface="+mn-lt"/>
-                <a:ea typeface="+mn-ea"/>
-                <a:cs typeface="+mn-cs"/>
-              </a:defRPr>
-            </a:lvl3pPr>
-            <a:lvl4pPr marL="1600200" indent="-228600" algn="l" defTabSz="914400" rtl="0" eaLnBrk="1" latinLnBrk="0" hangingPunct="1">
-              <a:lnSpc>
-                <a:spcPct val="120000"/>
-              </a:lnSpc>
-              <a:spcBef>
-                <a:spcPts val="500"/>
-              </a:spcBef>
-              <a:buClr>
-                <a:schemeClr val="accent5"/>
-              </a:buClr>
-              <a:buFont typeface="Arial" panose="020B0604020202020204" pitchFamily="34" charset="0"/>
-              <a:buChar char="•"/>
-              <a:defRPr sz="1400" kern="1200">
-                <a:solidFill>
-                  <a:schemeClr val="tx2"/>
-                </a:solidFill>
-                <a:latin typeface="+mn-lt"/>
-                <a:ea typeface="+mn-ea"/>
-                <a:cs typeface="+mn-cs"/>
-              </a:defRPr>
-            </a:lvl4pPr>
-            <a:lvl5pPr marL="2057400" indent="-228600" algn="l" defTabSz="914400" rtl="0" eaLnBrk="1" latinLnBrk="0" hangingPunct="1">
-              <a:lnSpc>
-                <a:spcPct val="120000"/>
-              </a:lnSpc>
-              <a:spcBef>
-                <a:spcPts val="500"/>
-              </a:spcBef>
-              <a:buClr>
-                <a:schemeClr val="accent5"/>
-              </a:buClr>
-              <a:buFont typeface="Arial" panose="020B0604020202020204" pitchFamily="34" charset="0"/>
-              <a:buChar char="•"/>
-              <a:defRPr sz="1400" kern="1200">
-                <a:solidFill>
-                  <a:schemeClr val="tx2"/>
-                </a:solidFill>
-                <a:latin typeface="+mn-lt"/>
-                <a:ea typeface="+mn-ea"/>
-                <a:cs typeface="+mn-cs"/>
-              </a:defRPr>
-            </a:lvl5pPr>
-            <a:lvl6pPr marL="2514600" indent="-228600" algn="l" defTabSz="914400" rtl="0" eaLnBrk="1" latinLnBrk="0" hangingPunct="1">
-              <a:lnSpc>
-                <a:spcPct val="90000"/>
-              </a:lnSpc>
-              <a:spcBef>
-                <a:spcPts val="500"/>
-              </a:spcBef>
-              <a:buFont typeface="Arial" panose="020B0604020202020204" pitchFamily="34" charset="0"/>
-              <a:buChar char="•"/>
-              <a:defRPr sz="1800" kern="1200">
-                <a:solidFill>
-                  <a:schemeClr val="tx1"/>
-                </a:solidFill>
-                <a:latin typeface="+mn-lt"/>
-                <a:ea typeface="+mn-ea"/>
-                <a:cs typeface="+mn-cs"/>
-              </a:defRPr>
-            </a:lvl6pPr>
-            <a:lvl7pPr marL="2971800" indent="-228600" algn="l" defTabSz="914400" rtl="0" eaLnBrk="1" latinLnBrk="0" hangingPunct="1">
-              <a:lnSpc>
-                <a:spcPct val="90000"/>
-              </a:lnSpc>
-              <a:spcBef>
-                <a:spcPts val="500"/>
-              </a:spcBef>
-              <a:buFont typeface="Arial" panose="020B0604020202020204" pitchFamily="34" charset="0"/>
-              <a:buChar char="•"/>
-              <a:defRPr sz="1800" kern="1200">
-                <a:solidFill>
-                  <a:schemeClr val="tx1"/>
-                </a:solidFill>
-                <a:latin typeface="+mn-lt"/>
-                <a:ea typeface="+mn-ea"/>
-                <a:cs typeface="+mn-cs"/>
-              </a:defRPr>
-            </a:lvl7pPr>
-            <a:lvl8pPr marL="3429000" indent="-228600" algn="l" defTabSz="914400" rtl="0" eaLnBrk="1" latinLnBrk="0" hangingPunct="1">
-              <a:lnSpc>
-                <a:spcPct val="90000"/>
-              </a:lnSpc>
-              <a:spcBef>
-                <a:spcPts val="500"/>
-              </a:spcBef>
-              <a:buFont typeface="Arial" panose="020B0604020202020204" pitchFamily="34" charset="0"/>
-              <a:buChar char="•"/>
-              <a:defRPr sz="1800" kern="1200">
-                <a:solidFill>
-                  <a:schemeClr val="tx1"/>
-                </a:solidFill>
-                <a:latin typeface="+mn-lt"/>
-                <a:ea typeface="+mn-ea"/>
-                <a:cs typeface="+mn-cs"/>
-              </a:defRPr>
-            </a:lvl8pPr>
-            <a:lvl9pPr marL="3886200" indent="-228600" algn="l" defTabSz="914400" rtl="0" eaLnBrk="1" latinLnBrk="0" hangingPunct="1">
-              <a:lnSpc>
-                <a:spcPct val="90000"/>
-              </a:lnSpc>
-              <a:spcBef>
-                <a:spcPts val="500"/>
-              </a:spcBef>
-              <a:buFont typeface="Arial" panose="020B0604020202020204" pitchFamily="34" charset="0"/>
-              <a:buChar char="•"/>
-              <a:defRPr sz="1800" kern="1200">
-                <a:solidFill>
-                  <a:schemeClr val="tx1"/>
-                </a:solidFill>
-                <a:latin typeface="+mn-lt"/>
-                <a:ea typeface="+mn-ea"/>
-                <a:cs typeface="+mn-cs"/>
-              </a:defRPr>
-            </a:lvl9pPr>
-          </a:lstStyle>
-          <a:p>
-            <a:pPr>
-              <a:lnSpc>
-                <a:spcPct val="115000"/>
-              </a:lnSpc>
-              <a:spcBef>
-                <a:spcPts val="0"/>
-              </a:spcBef>
-              <a:buClr>
-                <a:srgbClr val="000000"/>
-              </a:buClr>
-              <a:buSzPts val="1400"/>
-            </a:pPr>
-            <a:r>
-              <a:rPr lang="en-US" b="1" dirty="0">
-                <a:solidFill>
-                  <a:schemeClr val="dk1"/>
-                </a:solidFill>
-                <a:ea typeface="Libre Franklin"/>
-                <a:cs typeface="Libre Franklin"/>
-                <a:sym typeface="Libre Franklin"/>
-              </a:rPr>
-              <a:t>Architecture Implementation (MVC)</a:t>
-            </a:r>
-          </a:p>
-          <a:p>
-            <a:pPr lvl="1">
-              <a:lnSpc>
-                <a:spcPct val="115000"/>
-              </a:lnSpc>
-              <a:spcBef>
-                <a:spcPts val="0"/>
-              </a:spcBef>
-              <a:buClr>
-                <a:srgbClr val="000000"/>
-              </a:buClr>
-              <a:buSzPts val="1400"/>
-            </a:pPr>
-            <a:r>
-              <a:rPr lang="en-US" sz="1600" u="sng" dirty="0">
-                <a:solidFill>
-                  <a:schemeClr val="dk1"/>
-                </a:solidFill>
-                <a:ea typeface="Libre Franklin"/>
-                <a:cs typeface="Libre Franklin"/>
-                <a:sym typeface="Libre Franklin"/>
-              </a:rPr>
-              <a:t>Challenge</a:t>
-            </a:r>
-            <a:r>
-              <a:rPr lang="en-US" sz="1600" dirty="0">
-                <a:solidFill>
-                  <a:schemeClr val="dk1"/>
-                </a:solidFill>
-                <a:ea typeface="Libre Franklin"/>
-                <a:cs typeface="Libre Franklin"/>
-                <a:sym typeface="Libre Franklin"/>
-              </a:rPr>
-              <a:t>: Ensuring clear separation of concerns between Model, View, and Controller while maintaining app responsiveness and modularity.</a:t>
-            </a:r>
-          </a:p>
-          <a:p>
-            <a:pPr lvl="1">
-              <a:lnSpc>
-                <a:spcPct val="115000"/>
-              </a:lnSpc>
-              <a:spcBef>
-                <a:spcPts val="0"/>
-              </a:spcBef>
-              <a:buClr>
-                <a:srgbClr val="000000"/>
-              </a:buClr>
-              <a:buSzPts val="1400"/>
-            </a:pPr>
-            <a:r>
-              <a:rPr lang="en-US" sz="1600" u="sng" dirty="0">
-                <a:solidFill>
-                  <a:schemeClr val="dk1"/>
-                </a:solidFill>
-                <a:ea typeface="Libre Franklin"/>
-                <a:cs typeface="Libre Franklin"/>
-                <a:sym typeface="Libre Franklin"/>
-              </a:rPr>
-              <a:t>Solution</a:t>
-            </a:r>
-            <a:r>
-              <a:rPr lang="en-US" sz="1600" dirty="0">
-                <a:solidFill>
-                  <a:schemeClr val="dk1"/>
-                </a:solidFill>
-                <a:ea typeface="Libre Franklin"/>
-                <a:cs typeface="Libre Franklin"/>
-                <a:sym typeface="Libre Franklin"/>
-              </a:rPr>
-              <a:t>: Clearly defined roles for each layer (Model, View, Controller), focusing on minimizing dependencies to enhance maintainability and scalability.</a:t>
-            </a:r>
-          </a:p>
-          <a:p>
-            <a:pPr>
-              <a:lnSpc>
-                <a:spcPct val="115000"/>
-              </a:lnSpc>
-              <a:spcBef>
-                <a:spcPts val="0"/>
-              </a:spcBef>
-              <a:buClr>
-                <a:srgbClr val="000000"/>
-              </a:buClr>
-              <a:buSzPts val="1400"/>
-            </a:pPr>
-            <a:r>
-              <a:rPr lang="en-US" b="1" dirty="0">
-                <a:solidFill>
-                  <a:schemeClr val="dk1"/>
-                </a:solidFill>
-                <a:ea typeface="Libre Franklin"/>
-                <a:cs typeface="Libre Franklin"/>
-                <a:sym typeface="Libre Franklin"/>
-              </a:rPr>
-              <a:t>Map Integration</a:t>
-            </a:r>
-          </a:p>
-          <a:p>
-            <a:pPr lvl="1">
-              <a:lnSpc>
-                <a:spcPct val="115000"/>
-              </a:lnSpc>
-              <a:spcBef>
-                <a:spcPts val="0"/>
-              </a:spcBef>
-              <a:buClr>
-                <a:srgbClr val="000000"/>
-              </a:buClr>
-              <a:buSzPts val="1400"/>
-            </a:pPr>
-            <a:r>
-              <a:rPr lang="en-US" sz="1600" u="sng" dirty="0">
-                <a:solidFill>
-                  <a:schemeClr val="dk1"/>
-                </a:solidFill>
-                <a:ea typeface="Libre Franklin"/>
-                <a:cs typeface="Libre Franklin"/>
-                <a:sym typeface="Libre Franklin"/>
-              </a:rPr>
-              <a:t>Challenge</a:t>
-            </a:r>
-            <a:r>
-              <a:rPr lang="en-US" sz="1600" dirty="0">
-                <a:solidFill>
-                  <a:schemeClr val="dk1"/>
-                </a:solidFill>
-                <a:ea typeface="Libre Franklin"/>
-                <a:cs typeface="Libre Franklin"/>
-                <a:sym typeface="Libre Franklin"/>
-              </a:rPr>
-              <a:t>: Integrating a reliable, cost-effective map service, with initial issues in Flutter support for Mapbox and cost constraints for Google Maps.</a:t>
-            </a:r>
-          </a:p>
-          <a:p>
-            <a:pPr lvl="1">
-              <a:lnSpc>
-                <a:spcPct val="115000"/>
-              </a:lnSpc>
-              <a:spcBef>
-                <a:spcPts val="0"/>
-              </a:spcBef>
-              <a:buClr>
-                <a:srgbClr val="000000"/>
-              </a:buClr>
-              <a:buSzPts val="1400"/>
-            </a:pPr>
-            <a:r>
-              <a:rPr lang="en-US" sz="1600" u="sng" dirty="0">
-                <a:solidFill>
-                  <a:schemeClr val="dk1"/>
-                </a:solidFill>
-                <a:ea typeface="Libre Franklin"/>
-                <a:cs typeface="Libre Franklin"/>
-                <a:sym typeface="Libre Franklin"/>
-              </a:rPr>
-              <a:t>Solution</a:t>
-            </a:r>
-            <a:r>
-              <a:rPr lang="en-US" sz="1600" dirty="0">
-                <a:solidFill>
-                  <a:schemeClr val="dk1"/>
-                </a:solidFill>
-                <a:ea typeface="Libre Franklin"/>
-                <a:cs typeface="Libre Franklin"/>
-                <a:sym typeface="Libre Franklin"/>
-              </a:rPr>
-              <a:t>: Implemented OpenStreetMap using Flutter packages (</a:t>
-            </a:r>
-            <a:r>
-              <a:rPr lang="en-US" sz="1600" dirty="0" err="1">
-                <a:solidFill>
-                  <a:schemeClr val="dk1"/>
-                </a:solidFill>
-                <a:ea typeface="Libre Franklin"/>
-                <a:cs typeface="Libre Franklin"/>
-                <a:sym typeface="Libre Franklin"/>
-              </a:rPr>
-              <a:t>flutter_map</a:t>
-            </a:r>
-            <a:r>
-              <a:rPr lang="en-US" sz="1600" dirty="0">
-                <a:solidFill>
-                  <a:schemeClr val="dk1"/>
-                </a:solidFill>
-                <a:ea typeface="Libre Franklin"/>
-                <a:cs typeface="Libre Franklin"/>
-                <a:sym typeface="Libre Franklin"/>
-              </a:rPr>
-              <a:t>, latlong2, geocoding), providing accurate location services while adhering to project budget constraints.</a:t>
-            </a:r>
-          </a:p>
-          <a:p>
-            <a:pPr>
-              <a:lnSpc>
-                <a:spcPct val="115000"/>
-              </a:lnSpc>
-              <a:spcBef>
-                <a:spcPts val="0"/>
-              </a:spcBef>
-              <a:buClr>
-                <a:srgbClr val="000000"/>
-              </a:buClr>
-              <a:buSzPts val="1400"/>
-            </a:pPr>
-            <a:r>
-              <a:rPr lang="en-US" b="1" dirty="0">
-                <a:solidFill>
-                  <a:schemeClr val="tx1"/>
-                </a:solidFill>
-              </a:rPr>
-              <a:t>UI Experience</a:t>
-            </a:r>
-          </a:p>
-          <a:p>
-            <a:pPr lvl="1">
-              <a:lnSpc>
-                <a:spcPct val="115000"/>
-              </a:lnSpc>
-              <a:spcBef>
-                <a:spcPts val="0"/>
-              </a:spcBef>
-              <a:buClr>
-                <a:srgbClr val="000000"/>
-              </a:buClr>
-              <a:buSzPts val="1400"/>
-            </a:pPr>
-            <a:r>
-              <a:rPr lang="en-US" sz="1600" u="sng" dirty="0">
-                <a:solidFill>
-                  <a:schemeClr val="tx1"/>
-                </a:solidFill>
-              </a:rPr>
-              <a:t>Challenge</a:t>
-            </a:r>
-            <a:r>
-              <a:rPr lang="en-US" sz="1600" dirty="0">
-                <a:solidFill>
-                  <a:schemeClr val="tx1"/>
-                </a:solidFill>
-              </a:rPr>
-              <a:t>: Designing a user-friendly interface that presents complex information (rides, groups, routes) while remaining simple for diverse users.</a:t>
-            </a:r>
-          </a:p>
-          <a:p>
-            <a:pPr lvl="1">
-              <a:lnSpc>
-                <a:spcPct val="115000"/>
-              </a:lnSpc>
-              <a:spcBef>
-                <a:spcPts val="0"/>
-              </a:spcBef>
-              <a:buClr>
-                <a:srgbClr val="000000"/>
-              </a:buClr>
-              <a:buSzPts val="1400"/>
-            </a:pPr>
-            <a:r>
-              <a:rPr lang="en-US" sz="1600" u="sng" dirty="0">
-                <a:solidFill>
-                  <a:schemeClr val="tx1"/>
-                </a:solidFill>
-              </a:rPr>
-              <a:t>Solution</a:t>
-            </a:r>
-            <a:r>
-              <a:rPr lang="en-US" sz="1600" dirty="0">
-                <a:solidFill>
-                  <a:schemeClr val="tx1"/>
-                </a:solidFill>
-              </a:rPr>
-              <a:t>: Adopted an iterative design approach with user testing, improving features like group creation, route displays, and overall navigation, resulting in higher user engagement and satisfaction.</a:t>
-            </a:r>
-          </a:p>
-        </p:txBody>
-      </p:sp>
-    </p:spTree>
-    <p:extLst>
-      <p:ext uri="{BB962C8B-B14F-4D97-AF65-F5344CB8AC3E}">
-        <p14:creationId xmlns:p14="http://schemas.microsoft.com/office/powerpoint/2010/main" val="2959479519"/>
-      </p:ext>
-    </p:extLst>
-  </p:cSld>
-  <p:clrMapOvr>
-    <a:masterClrMapping/>
-  </p:clrMapOvr>
-</p:sld>
-</file>
-
-<file path=ppt/slides/slide9.xml><?xml version="1.0" encoding="utf-8"?>
-<p:sld xmlns:a="http://schemas.openxmlformats.org/drawingml/2006/main" xmlns:r="http://schemas.openxmlformats.org/officeDocument/2006/relationships" xmlns:p="http://schemas.openxmlformats.org/presentationml/2006/main">
-  <p:cSld>
-    <p:spTree>
-      <p:nvGrpSpPr>
-        <p:cNvPr id="1" name=""/>
-        <p:cNvGrpSpPr/>
-        <p:nvPr/>
-      </p:nvGrpSpPr>
-      <p:grpSpPr>
-        <a:xfrm>
-          <a:off x="0" y="0"/>
-          <a:ext cx="0" cy="0"/>
-          <a:chOff x="0" y="0"/>
-          <a:chExt cx="0" cy="0"/>
-        </a:xfrm>
-      </p:grpSpPr>
-      <p:sp>
-        <p:nvSpPr>
-          <p:cNvPr id="2" name="Title 1">
-            <a:extLst>
-              <a:ext uri="{FF2B5EF4-FFF2-40B4-BE49-F238E27FC236}">
-                <a16:creationId xmlns:a16="http://schemas.microsoft.com/office/drawing/2014/main" id="{29637FF6-2210-9469-07B3-D36E0B53EBFB}"/>
-              </a:ext>
-            </a:extLst>
-          </p:cNvPr>
-          <p:cNvSpPr>
-            <a:spLocks noGrp="1"/>
-          </p:cNvSpPr>
-          <p:nvPr>
-            <p:ph type="ctrTitle"/>
-          </p:nvPr>
-        </p:nvSpPr>
-        <p:spPr>
-          <a:xfrm>
-            <a:off x="1843862" y="295867"/>
-            <a:ext cx="8504275" cy="728014"/>
-          </a:xfrm>
-        </p:spPr>
-        <p:txBody>
-          <a:bodyPr>
-            <a:normAutofit fontScale="90000"/>
-          </a:bodyPr>
-          <a:lstStyle/>
-          <a:p>
-            <a:pPr algn="ctr"/>
-            <a:r>
-              <a:rPr lang="en-US" dirty="0"/>
-              <a:t>Tests</a:t>
-            </a:r>
-            <a:endParaRPr lang="LID4096" dirty="0"/>
-          </a:p>
-        </p:txBody>
-      </p:sp>
-      <p:sp>
-        <p:nvSpPr>
-          <p:cNvPr id="6" name="Google Shape;293;p3">
-            <a:extLst>
-              <a:ext uri="{FF2B5EF4-FFF2-40B4-BE49-F238E27FC236}">
-                <a16:creationId xmlns:a16="http://schemas.microsoft.com/office/drawing/2014/main" id="{95DAB734-8C22-2C6D-7F38-8ADD1A67890C}"/>
-              </a:ext>
-            </a:extLst>
-          </p:cNvPr>
-          <p:cNvSpPr txBox="1">
-            <a:spLocks/>
-          </p:cNvSpPr>
-          <p:nvPr/>
-        </p:nvSpPr>
-        <p:spPr>
-          <a:xfrm>
-            <a:off x="782060" y="1283747"/>
-            <a:ext cx="10942177" cy="5096956"/>
-          </a:xfrm>
-          <a:prstGeom prst="rect">
-            <a:avLst/>
-          </a:prstGeom>
-          <a:noFill/>
-          <a:ln>
-            <a:noFill/>
-          </a:ln>
-        </p:spPr>
-        <p:txBody>
-          <a:bodyPr spcFirstLastPara="1" vert="horz" wrap="square" lIns="91425" tIns="91425" rIns="91425" bIns="91425" rtlCol="0" anchor="t" anchorCtr="0">
-            <a:noAutofit/>
-          </a:bodyPr>
-          <a:lstStyle>
-            <a:lvl1pPr marL="228600" indent="-228600" algn="l" defTabSz="914400" rtl="0" eaLnBrk="1" latinLnBrk="0" hangingPunct="1">
-              <a:lnSpc>
-                <a:spcPct val="120000"/>
-              </a:lnSpc>
-              <a:spcBef>
-                <a:spcPts val="1000"/>
-              </a:spcBef>
-              <a:buClr>
-                <a:schemeClr val="accent5"/>
-              </a:buClr>
-              <a:buFont typeface="Arial" panose="020B0604020202020204" pitchFamily="34" charset="0"/>
-              <a:buChar char="•"/>
-              <a:defRPr sz="2000" kern="1200">
-                <a:solidFill>
-                  <a:schemeClr val="tx2"/>
-                </a:solidFill>
-                <a:latin typeface="+mn-lt"/>
-                <a:ea typeface="+mn-ea"/>
-                <a:cs typeface="+mn-cs"/>
-              </a:defRPr>
-            </a:lvl1pPr>
-            <a:lvl2pPr marL="685800" indent="-228600" algn="l" defTabSz="914400" rtl="0" eaLnBrk="1" latinLnBrk="0" hangingPunct="1">
-              <a:lnSpc>
-                <a:spcPct val="120000"/>
-              </a:lnSpc>
-              <a:spcBef>
-                <a:spcPts val="500"/>
-              </a:spcBef>
-              <a:buClr>
-                <a:schemeClr val="accent5"/>
-              </a:buClr>
-              <a:buFont typeface="Arial" panose="020B0604020202020204" pitchFamily="34" charset="0"/>
-              <a:buChar char="•"/>
-              <a:defRPr sz="1800" kern="1200">
-                <a:solidFill>
-                  <a:schemeClr val="tx2"/>
-                </a:solidFill>
-                <a:latin typeface="+mn-lt"/>
-                <a:ea typeface="+mn-ea"/>
-                <a:cs typeface="+mn-cs"/>
-              </a:defRPr>
-            </a:lvl2pPr>
-            <a:lvl3pPr marL="1143000" indent="-228600" algn="l" defTabSz="914400" rtl="0" eaLnBrk="1" latinLnBrk="0" hangingPunct="1">
-              <a:lnSpc>
-                <a:spcPct val="120000"/>
-              </a:lnSpc>
-              <a:spcBef>
-                <a:spcPts val="500"/>
-              </a:spcBef>
-              <a:buClr>
-                <a:schemeClr val="accent5"/>
-              </a:buClr>
-              <a:buFont typeface="Arial" panose="020B0604020202020204" pitchFamily="34" charset="0"/>
-              <a:buChar char="•"/>
-              <a:defRPr sz="1600" kern="1200">
-                <a:solidFill>
-                  <a:schemeClr val="tx2"/>
-                </a:solidFill>
-                <a:latin typeface="+mn-lt"/>
-                <a:ea typeface="+mn-ea"/>
-                <a:cs typeface="+mn-cs"/>
-              </a:defRPr>
-            </a:lvl3pPr>
-            <a:lvl4pPr marL="1600200" indent="-228600" algn="l" defTabSz="914400" rtl="0" eaLnBrk="1" latinLnBrk="0" hangingPunct="1">
-              <a:lnSpc>
-                <a:spcPct val="120000"/>
-              </a:lnSpc>
-              <a:spcBef>
-                <a:spcPts val="500"/>
-              </a:spcBef>
-              <a:buClr>
-                <a:schemeClr val="accent5"/>
-              </a:buClr>
-              <a:buFont typeface="Arial" panose="020B0604020202020204" pitchFamily="34" charset="0"/>
-              <a:buChar char="•"/>
-              <a:defRPr sz="1400" kern="1200">
-                <a:solidFill>
-                  <a:schemeClr val="tx2"/>
-                </a:solidFill>
-                <a:latin typeface="+mn-lt"/>
-                <a:ea typeface="+mn-ea"/>
-                <a:cs typeface="+mn-cs"/>
-              </a:defRPr>
-            </a:lvl4pPr>
-            <a:lvl5pPr marL="2057400" indent="-228600" algn="l" defTabSz="914400" rtl="0" eaLnBrk="1" latinLnBrk="0" hangingPunct="1">
-              <a:lnSpc>
-                <a:spcPct val="120000"/>
-              </a:lnSpc>
-              <a:spcBef>
-                <a:spcPts val="500"/>
-              </a:spcBef>
-              <a:buClr>
-                <a:schemeClr val="accent5"/>
-              </a:buClr>
-              <a:buFont typeface="Arial" panose="020B0604020202020204" pitchFamily="34" charset="0"/>
-              <a:buChar char="•"/>
-              <a:defRPr sz="1400" kern="1200">
-                <a:solidFill>
-                  <a:schemeClr val="tx2"/>
-                </a:solidFill>
-                <a:latin typeface="+mn-lt"/>
-                <a:ea typeface="+mn-ea"/>
-                <a:cs typeface="+mn-cs"/>
-              </a:defRPr>
-            </a:lvl5pPr>
-            <a:lvl6pPr marL="2514600" indent="-228600" algn="l" defTabSz="914400" rtl="0" eaLnBrk="1" latinLnBrk="0" hangingPunct="1">
-              <a:lnSpc>
-                <a:spcPct val="90000"/>
-              </a:lnSpc>
-              <a:spcBef>
-                <a:spcPts val="500"/>
-              </a:spcBef>
-              <a:buFont typeface="Arial" panose="020B0604020202020204" pitchFamily="34" charset="0"/>
-              <a:buChar char="•"/>
-              <a:defRPr sz="1800" kern="1200">
-                <a:solidFill>
-                  <a:schemeClr val="tx1"/>
-                </a:solidFill>
-                <a:latin typeface="+mn-lt"/>
-                <a:ea typeface="+mn-ea"/>
-                <a:cs typeface="+mn-cs"/>
-              </a:defRPr>
-            </a:lvl6pPr>
-            <a:lvl7pPr marL="2971800" indent="-228600" algn="l" defTabSz="914400" rtl="0" eaLnBrk="1" latinLnBrk="0" hangingPunct="1">
-              <a:lnSpc>
-                <a:spcPct val="90000"/>
-              </a:lnSpc>
-              <a:spcBef>
-                <a:spcPts val="500"/>
-              </a:spcBef>
-              <a:buFont typeface="Arial" panose="020B0604020202020204" pitchFamily="34" charset="0"/>
-              <a:buChar char="•"/>
-              <a:defRPr sz="1800" kern="1200">
-                <a:solidFill>
-                  <a:schemeClr val="tx1"/>
-                </a:solidFill>
-                <a:latin typeface="+mn-lt"/>
-                <a:ea typeface="+mn-ea"/>
-                <a:cs typeface="+mn-cs"/>
-              </a:defRPr>
-            </a:lvl7pPr>
-            <a:lvl8pPr marL="3429000" indent="-228600" algn="l" defTabSz="914400" rtl="0" eaLnBrk="1" latinLnBrk="0" hangingPunct="1">
-              <a:lnSpc>
-                <a:spcPct val="90000"/>
-              </a:lnSpc>
-              <a:spcBef>
-                <a:spcPts val="500"/>
-              </a:spcBef>
-              <a:buFont typeface="Arial" panose="020B0604020202020204" pitchFamily="34" charset="0"/>
-              <a:buChar char="•"/>
-              <a:defRPr sz="1800" kern="1200">
-                <a:solidFill>
-                  <a:schemeClr val="tx1"/>
-                </a:solidFill>
-                <a:latin typeface="+mn-lt"/>
-                <a:ea typeface="+mn-ea"/>
-                <a:cs typeface="+mn-cs"/>
-              </a:defRPr>
-            </a:lvl8pPr>
-            <a:lvl9pPr marL="3886200" indent="-228600" algn="l" defTabSz="914400" rtl="0" eaLnBrk="1" latinLnBrk="0" hangingPunct="1">
-              <a:lnSpc>
-                <a:spcPct val="90000"/>
-              </a:lnSpc>
-              <a:spcBef>
-                <a:spcPts val="500"/>
-              </a:spcBef>
-              <a:buFont typeface="Arial" panose="020B0604020202020204" pitchFamily="34" charset="0"/>
-              <a:buChar char="•"/>
-              <a:defRPr sz="1800" kern="1200">
-                <a:solidFill>
-                  <a:schemeClr val="tx1"/>
-                </a:solidFill>
-                <a:latin typeface="+mn-lt"/>
-                <a:ea typeface="+mn-ea"/>
-                <a:cs typeface="+mn-cs"/>
-              </a:defRPr>
-            </a:lvl9pPr>
-          </a:lstStyle>
-          <a:p>
-            <a:pPr marL="0" indent="0">
-              <a:lnSpc>
-                <a:spcPct val="115000"/>
-              </a:lnSpc>
-              <a:spcBef>
-                <a:spcPts val="0"/>
-              </a:spcBef>
-              <a:buClr>
-                <a:srgbClr val="000000"/>
-              </a:buClr>
-              <a:buSzPts val="1400"/>
-              <a:buNone/>
-            </a:pPr>
-            <a:r>
-              <a:rPr lang="en-US" dirty="0">
-                <a:solidFill>
-                  <a:schemeClr val="tx1"/>
-                </a:solidFill>
-              </a:rPr>
-              <a:t>During the development of the Carpool application, we conducted manual acceptance testing to ensure the app met specified requirements and was ready for users. This process involved verifying navigation, functionality, and overall user experience against predefined criteria for each feature.</a:t>
-            </a:r>
-          </a:p>
-          <a:p>
-            <a:pPr marL="0" indent="0">
-              <a:lnSpc>
-                <a:spcPct val="115000"/>
-              </a:lnSpc>
-              <a:spcBef>
-                <a:spcPts val="0"/>
-              </a:spcBef>
-              <a:buClr>
-                <a:srgbClr val="000000"/>
-              </a:buClr>
-              <a:buSzPts val="1400"/>
-              <a:buNone/>
-            </a:pPr>
-            <a:endParaRPr lang="en-US" dirty="0">
-              <a:solidFill>
-                <a:schemeClr val="tx1"/>
-              </a:solidFill>
-            </a:endParaRPr>
-          </a:p>
-          <a:p>
-            <a:pPr>
-              <a:lnSpc>
-                <a:spcPct val="115000"/>
-              </a:lnSpc>
-              <a:spcBef>
-                <a:spcPts val="0"/>
-              </a:spcBef>
-              <a:buClr>
-                <a:srgbClr val="000000"/>
-              </a:buClr>
-              <a:buSzPts val="1400"/>
-            </a:pPr>
-            <a:r>
-              <a:rPr lang="en-US" u="sng" dirty="0">
-                <a:solidFill>
-                  <a:schemeClr val="tx1"/>
-                </a:solidFill>
-              </a:rPr>
-              <a:t>Manual Testing Strategy</a:t>
-            </a:r>
-            <a:r>
-              <a:rPr lang="en-US" dirty="0">
-                <a:solidFill>
-                  <a:schemeClr val="tx1"/>
-                </a:solidFill>
-              </a:rPr>
-              <a:t>: Started by testing screen layouts and navigation to verify structure and user flow.</a:t>
-            </a:r>
-          </a:p>
-          <a:p>
-            <a:pPr>
-              <a:lnSpc>
-                <a:spcPct val="115000"/>
-              </a:lnSpc>
-              <a:spcBef>
-                <a:spcPts val="0"/>
-              </a:spcBef>
-              <a:buClr>
-                <a:srgbClr val="000000"/>
-              </a:buClr>
-              <a:buSzPts val="1400"/>
-            </a:pPr>
-            <a:endParaRPr lang="en-US" dirty="0">
-              <a:solidFill>
-                <a:schemeClr val="tx1"/>
-              </a:solidFill>
-            </a:endParaRPr>
-          </a:p>
-          <a:p>
-            <a:pPr>
-              <a:lnSpc>
-                <a:spcPct val="115000"/>
-              </a:lnSpc>
-              <a:spcBef>
-                <a:spcPts val="0"/>
-              </a:spcBef>
-              <a:buClr>
-                <a:srgbClr val="000000"/>
-              </a:buClr>
-              <a:buSzPts val="1400"/>
-            </a:pPr>
-            <a:r>
-              <a:rPr lang="en-US" u="sng" dirty="0">
-                <a:solidFill>
-                  <a:schemeClr val="tx1"/>
-                </a:solidFill>
-              </a:rPr>
-              <a:t>Feature Testing</a:t>
-            </a:r>
-            <a:r>
-              <a:rPr lang="en-US" dirty="0">
-                <a:solidFill>
-                  <a:schemeClr val="tx1"/>
-                </a:solidFill>
-              </a:rPr>
-              <a:t>: Manually tested major features like user authentication, group management, ride scheduling, searching and creating groups, and map integration after each development stage.</a:t>
-            </a:r>
-          </a:p>
-          <a:p>
-            <a:pPr>
-              <a:lnSpc>
-                <a:spcPct val="115000"/>
-              </a:lnSpc>
-              <a:spcBef>
-                <a:spcPts val="0"/>
-              </a:spcBef>
-              <a:buClr>
-                <a:srgbClr val="000000"/>
-              </a:buClr>
-              <a:buSzPts val="1400"/>
-            </a:pPr>
-            <a:endParaRPr lang="en-US" dirty="0">
-              <a:solidFill>
-                <a:schemeClr val="tx1"/>
-              </a:solidFill>
-            </a:endParaRPr>
-          </a:p>
-          <a:p>
-            <a:pPr>
-              <a:lnSpc>
-                <a:spcPct val="115000"/>
-              </a:lnSpc>
-              <a:spcBef>
-                <a:spcPts val="0"/>
-              </a:spcBef>
-              <a:buClr>
-                <a:srgbClr val="000000"/>
-              </a:buClr>
-              <a:buSzPts val="1400"/>
-            </a:pPr>
-            <a:r>
-              <a:rPr lang="en-US" u="sng" dirty="0">
-                <a:solidFill>
-                  <a:schemeClr val="tx1"/>
-                </a:solidFill>
-              </a:rPr>
-              <a:t>Real-World Scenarios</a:t>
-            </a:r>
-            <a:r>
-              <a:rPr lang="en-US" dirty="0">
-                <a:solidFill>
-                  <a:schemeClr val="tx1"/>
-                </a:solidFill>
-              </a:rPr>
-              <a:t>: Focused on testing the points-based system and simulating real usage patterns to ensure functionality and user experience.</a:t>
-            </a:r>
-          </a:p>
-        </p:txBody>
-      </p:sp>
-    </p:spTree>
-    <p:extLst>
-      <p:ext uri="{BB962C8B-B14F-4D97-AF65-F5344CB8AC3E}">
-        <p14:creationId xmlns:p14="http://schemas.microsoft.com/office/powerpoint/2010/main" val="2308821300"/>
       </p:ext>
     </p:extLst>
   </p:cSld>

--- a/Capstone Project Phase B - 24-1-D-29.pptx
+++ b/Capstone Project Phase B - 24-1-D-29.pptx
@@ -132,6 +132,35 @@
     <p1510:client id="{83D5AC06-E3D7-4547-B447-0B9384011DD3}" v="20" dt="2024-09-11T11:52:42.697"/>
   </p1510:revLst>
 </p1510:revInfo>
+</file>
+
+<file path=ppt/changesInfos/changesInfo1.xml><?xml version="1.0" encoding="utf-8"?>
+<pc:chgInfo xmlns:a="http://schemas.openxmlformats.org/drawingml/2006/main" xmlns:r="http://schemas.openxmlformats.org/officeDocument/2006/relationships" xmlns:ac="http://schemas.microsoft.com/office/drawing/2013/main/command" xmlns:pc="http://schemas.microsoft.com/office/powerpoint/2013/main/command">
+  <pc:docChgLst>
+    <pc:chgData name="Baruch, Ben" userId="7d648124-6238-404e-807f-43520601a438" providerId="ADAL" clId="{83D5AC06-E3D7-4547-B447-0B9384011DD3}"/>
+    <pc:docChg chg="modSld">
+      <pc:chgData name="Baruch, Ben" userId="7d648124-6238-404e-807f-43520601a438" providerId="ADAL" clId="{83D5AC06-E3D7-4547-B447-0B9384011DD3}" dt="2024-09-15T07:09:15.412" v="30" actId="255"/>
+      <pc:docMkLst>
+        <pc:docMk/>
+      </pc:docMkLst>
+      <pc:sldChg chg="modSp mod">
+        <pc:chgData name="Baruch, Ben" userId="7d648124-6238-404e-807f-43520601a438" providerId="ADAL" clId="{83D5AC06-E3D7-4547-B447-0B9384011DD3}" dt="2024-09-15T07:09:15.412" v="30" actId="255"/>
+        <pc:sldMkLst>
+          <pc:docMk/>
+          <pc:sldMk cId="1428274495" sldId="257"/>
+        </pc:sldMkLst>
+        <pc:spChg chg="mod">
+          <ac:chgData name="Baruch, Ben" userId="7d648124-6238-404e-807f-43520601a438" providerId="ADAL" clId="{83D5AC06-E3D7-4547-B447-0B9384011DD3}" dt="2024-09-15T07:09:15.412" v="30" actId="255"/>
+          <ac:spMkLst>
+            <pc:docMk/>
+            <pc:sldMk cId="1428274495" sldId="257"/>
+            <ac:spMk id="4" creationId="{8C407079-9495-E254-3AB7-C1EF60E75F33}"/>
+          </ac:spMkLst>
+        </pc:spChg>
+      </pc:sldChg>
+    </pc:docChg>
+  </pc:docChgLst>
+</pc:chgInfo>
 </file>
 
 <file path=ppt/diagrams/colors1.xml><?xml version="1.0" encoding="utf-8"?>
@@ -3407,7 +3436,7 @@
           <a:p>
             <a:fld id="{E12EC4F8-D089-4008-B54A-E84168D1BF5D}" type="datetimeFigureOut">
               <a:rPr lang="LID4096" smtClean="0"/>
-              <a:t>09/14/2024</a:t>
+              <a:t>09/15/2024</a:t>
             </a:fld>
             <a:endParaRPr lang="LID4096"/>
           </a:p>
@@ -4915,7 +4944,7 @@
           <a:p>
             <a:fld id="{32637B58-87C1-446D-BDA9-B06F4BCF7782}" type="datetimeFigureOut">
               <a:rPr lang="en-US" smtClean="0"/>
-              <a:t>9/14/2024</a:t>
+              <a:t>9/15/2024</a:t>
             </a:fld>
             <a:endParaRPr lang="en-US"/>
           </a:p>
@@ -5118,7 +5147,7 @@
           <a:p>
             <a:fld id="{32637B58-87C1-446D-BDA9-B06F4BCF7782}" type="datetimeFigureOut">
               <a:rPr lang="en-US" smtClean="0"/>
-              <a:t>9/14/2024</a:t>
+              <a:t>9/15/2024</a:t>
             </a:fld>
             <a:endParaRPr lang="en-US"/>
           </a:p>
@@ -5326,7 +5355,7 @@
           <a:p>
             <a:fld id="{32637B58-87C1-446D-BDA9-B06F4BCF7782}" type="datetimeFigureOut">
               <a:rPr lang="en-US" smtClean="0"/>
-              <a:t>9/14/2024</a:t>
+              <a:t>9/15/2024</a:t>
             </a:fld>
             <a:endParaRPr lang="en-US"/>
           </a:p>
@@ -5576,7 +5605,7 @@
           <a:p>
             <a:fld id="{32637B58-87C1-446D-BDA9-B06F4BCF7782}" type="datetimeFigureOut">
               <a:rPr lang="en-US" smtClean="0"/>
-              <a:t>9/14/2024</a:t>
+              <a:t>9/15/2024</a:t>
             </a:fld>
             <a:endParaRPr lang="en-US"/>
           </a:p>
@@ -5880,7 +5909,7 @@
           <a:p>
             <a:fld id="{32637B58-87C1-446D-BDA9-B06F4BCF7782}" type="datetimeFigureOut">
               <a:rPr lang="en-US" smtClean="0"/>
-              <a:t>9/14/2024</a:t>
+              <a:t>9/15/2024</a:t>
             </a:fld>
             <a:endParaRPr lang="en-US"/>
           </a:p>
@@ -6147,7 +6176,7 @@
           <a:p>
             <a:fld id="{32637B58-87C1-446D-BDA9-B06F4BCF7782}" type="datetimeFigureOut">
               <a:rPr lang="en-US" smtClean="0"/>
-              <a:t>9/14/2024</a:t>
+              <a:t>9/15/2024</a:t>
             </a:fld>
             <a:endParaRPr lang="en-US"/>
           </a:p>
@@ -6602,7 +6631,7 @@
           <a:p>
             <a:fld id="{32637B58-87C1-446D-BDA9-B06F4BCF7782}" type="datetimeFigureOut">
               <a:rPr lang="en-US" smtClean="0"/>
-              <a:t>9/14/2024</a:t>
+              <a:t>9/15/2024</a:t>
             </a:fld>
             <a:endParaRPr lang="en-US"/>
           </a:p>
@@ -6743,7 +6772,7 @@
           <a:p>
             <a:fld id="{32637B58-87C1-446D-BDA9-B06F4BCF7782}" type="datetimeFigureOut">
               <a:rPr lang="en-US" smtClean="0"/>
-              <a:t>9/14/2024</a:t>
+              <a:t>9/15/2024</a:t>
             </a:fld>
             <a:endParaRPr lang="en-US"/>
           </a:p>
@@ -6856,7 +6885,7 @@
           <a:p>
             <a:fld id="{32637B58-87C1-446D-BDA9-B06F4BCF7782}" type="datetimeFigureOut">
               <a:rPr lang="en-US" smtClean="0"/>
-              <a:t>9/14/2024</a:t>
+              <a:t>9/15/2024</a:t>
             </a:fld>
             <a:endParaRPr lang="en-US"/>
           </a:p>
@@ -7167,7 +7196,7 @@
           <a:p>
             <a:fld id="{32637B58-87C1-446D-BDA9-B06F4BCF7782}" type="datetimeFigureOut">
               <a:rPr lang="en-US" smtClean="0"/>
-              <a:t>9/14/2024</a:t>
+              <a:t>9/15/2024</a:t>
             </a:fld>
             <a:endParaRPr lang="en-US"/>
           </a:p>
@@ -7458,7 +7487,7 @@
           <a:p>
             <a:fld id="{32637B58-87C1-446D-BDA9-B06F4BCF7782}" type="datetimeFigureOut">
               <a:rPr lang="en-US" smtClean="0"/>
-              <a:t>9/14/2024</a:t>
+              <a:t>9/15/2024</a:t>
             </a:fld>
             <a:endParaRPr lang="en-US"/>
           </a:p>
@@ -7869,7 +7898,7 @@
             <a:fld id="{32637B58-87C1-446D-BDA9-B06F4BCF7782}" type="datetimeFigureOut">
               <a:rPr lang="en-US" smtClean="0"/>
               <a:pPr/>
-              <a:t>9/14/2024</a:t>
+              <a:t>9/15/2024</a:t>
             </a:fld>
             <a:endParaRPr lang="en-US" dirty="0"/>
           </a:p>
@@ -10598,7 +10627,7 @@
               <a:buChar char="●"/>
             </a:pPr>
             <a:r>
-              <a:rPr lang="en-US" dirty="0">
+              <a:rPr lang="en-US" sz="2200" dirty="0">
                 <a:solidFill>
                   <a:schemeClr val="dk1"/>
                 </a:solidFill>
@@ -10625,7 +10654,7 @@
               <a:buChar char="●"/>
             </a:pPr>
             <a:r>
-              <a:rPr lang="en-US" dirty="0">
+              <a:rPr lang="en-US" sz="2200" dirty="0">
                 <a:solidFill>
                   <a:schemeClr val="dk1"/>
                 </a:solidFill>
@@ -10652,7 +10681,7 @@
               <a:buChar char="●"/>
             </a:pPr>
             <a:r>
-              <a:rPr lang="en-US" dirty="0">
+              <a:rPr lang="en-US" sz="2200" dirty="0">
                 <a:solidFill>
                   <a:schemeClr val="dk1"/>
                 </a:solidFill>
@@ -10662,6 +10691,14 @@
               </a:rPr>
               <a:t>Carpool’s Solution</a:t>
             </a:r>
+            <a:endParaRPr lang="he-IL" sz="2200" dirty="0">
+              <a:solidFill>
+                <a:schemeClr val="dk1"/>
+              </a:solidFill>
+              <a:ea typeface="Libre Franklin"/>
+              <a:cs typeface="Libre Franklin"/>
+              <a:sym typeface="Libre Franklin"/>
+            </a:endParaRPr>
           </a:p>
           <a:p>
             <a:pPr marL="457200" indent="-349250" algn="just">
@@ -10679,7 +10716,7 @@
               <a:buChar char="●"/>
             </a:pPr>
             <a:r>
-              <a:rPr lang="en-US" dirty="0">
+              <a:rPr lang="en-US" sz="2200" dirty="0">
                 <a:solidFill>
                   <a:schemeClr val="dk1"/>
                 </a:solidFill>
@@ -10687,7 +10724,7 @@
                 <a:cs typeface="Libre Franklin"/>
                 <a:sym typeface="Libre Franklin"/>
               </a:rPr>
-              <a:t>Software Architecture</a:t>
+              <a:t>Timeline of a Carpool Ride</a:t>
             </a:r>
           </a:p>
           <a:p>
@@ -10706,7 +10743,7 @@
               <a:buChar char="●"/>
             </a:pPr>
             <a:r>
-              <a:rPr lang="en-US" dirty="0">
+              <a:rPr lang="en-US" sz="2200" dirty="0">
                 <a:solidFill>
                   <a:schemeClr val="dk1"/>
                 </a:solidFill>
@@ -10714,7 +10751,7 @@
                 <a:cs typeface="Libre Franklin"/>
                 <a:sym typeface="Libre Franklin"/>
               </a:rPr>
-              <a:t>MVC Pattern</a:t>
+              <a:t>Software Architecture</a:t>
             </a:r>
           </a:p>
           <a:p>
@@ -10733,21 +10770,16 @@
               <a:buChar char="●"/>
             </a:pPr>
             <a:r>
-              <a:rPr lang="en-US" dirty="0">
+              <a:rPr lang="en-US" sz="2200" dirty="0">
                 <a:solidFill>
                   <a:schemeClr val="dk1"/>
                 </a:solidFill>
+                <a:ea typeface="Libre Franklin"/>
+                <a:cs typeface="Libre Franklin"/>
+                <a:sym typeface="Libre Franklin"/>
               </a:rPr>
-              <a:t>Challenges and Solutions</a:t>
-            </a:r>
-            <a:endParaRPr lang="en-US" dirty="0">
-              <a:solidFill>
-                <a:schemeClr val="dk1"/>
-              </a:solidFill>
-              <a:ea typeface="Libre Franklin"/>
-              <a:cs typeface="Libre Franklin"/>
-              <a:sym typeface="Libre Franklin"/>
-            </a:endParaRPr>
+              <a:t>MVC Pattern</a:t>
+            </a:r>
           </a:p>
           <a:p>
             <a:pPr marL="457200" indent="-349250" algn="just">
@@ -10765,14 +10797,14 @@
               <a:buChar char="●"/>
             </a:pPr>
             <a:r>
-              <a:rPr lang="en-US" strike="sngStrike" dirty="0">
+              <a:rPr lang="en-US" sz="2200" dirty="0">
                 <a:solidFill>
                   <a:schemeClr val="dk1"/>
                 </a:solidFill>
               </a:rPr>
-              <a:t>Project Metrics</a:t>
-            </a:r>
-            <a:endParaRPr lang="en-US" strike="sngStrike" dirty="0">
+              <a:t>Challenges and Solutions</a:t>
+            </a:r>
+            <a:endParaRPr lang="en-US" sz="2200" dirty="0">
               <a:solidFill>
                 <a:schemeClr val="dk1"/>
               </a:solidFill>
@@ -10797,7 +10829,7 @@
               <a:buChar char="●"/>
             </a:pPr>
             <a:r>
-              <a:rPr lang="en-US" dirty="0">
+              <a:rPr lang="en-US" sz="2200" dirty="0">
                 <a:solidFill>
                   <a:schemeClr val="dk1"/>
                 </a:solidFill>
@@ -10821,14 +10853,14 @@
               <a:buChar char="●"/>
             </a:pPr>
             <a:r>
-              <a:rPr lang="en-US" dirty="0">
+              <a:rPr lang="en-US" sz="2200" dirty="0">
                 <a:solidFill>
                   <a:schemeClr val="dk1"/>
                 </a:solidFill>
               </a:rPr>
               <a:t>Video of our application</a:t>
             </a:r>
-            <a:endParaRPr lang="en-US" dirty="0">
+            <a:endParaRPr lang="en-US" sz="2200" dirty="0">
               <a:solidFill>
                 <a:schemeClr val="dk1"/>
               </a:solidFill>
@@ -14200,7 +14232,7 @@
                                 </p:cTn>
                               </p:par>
                               <p:par>
-                                <p:cTn id="81" presetID="1" presetClass="exit" presetSubtype="0" fill="hold" grpId="2" nodeType="withEffect">
+                                <p:cTn id="81" presetID="1" presetClass="exit" presetSubtype="0" fill="hold" grpId="1" nodeType="withEffect">
                                   <p:stCondLst>
                                     <p:cond delay="0"/>
                                   </p:stCondLst>
@@ -14634,7 +14666,7 @@
       <p:bldP spid="18" grpId="0"/>
       <p:bldP spid="18" grpId="1"/>
       <p:bldP spid="20" grpId="0"/>
-      <p:bldP spid="20" grpId="2"/>
+      <p:bldP spid="20" grpId="1"/>
       <p:bldP spid="26" grpId="0"/>
       <p:bldP spid="26" grpId="1"/>
     </p:bldLst>

--- a/Capstone Project Phase B - 24-1-D-29.pptx
+++ b/Capstone Project Phase B - 24-1-D-29.pptx
@@ -126,14 +126,6 @@
 </p:presentation>
 </file>
 
-<file path=ppt/revisionInfo.xml><?xml version="1.0" encoding="utf-8"?>
-<p1510:revInfo xmlns:a="http://schemas.openxmlformats.org/drawingml/2006/main" xmlns:r="http://schemas.openxmlformats.org/officeDocument/2006/relationships" xmlns:p1510="http://schemas.microsoft.com/office/powerpoint/2015/10/main">
-  <p1510:revLst>
-    <p1510:client id="{83D5AC06-E3D7-4547-B447-0B9384011DD3}" v="20" dt="2024-09-11T11:52:42.697"/>
-  </p1510:revLst>
-</p1510:revInfo>
-</file>
-
 <file path=ppt/changesInfos/changesInfo1.xml><?xml version="1.0" encoding="utf-8"?>
 <pc:chgInfo xmlns:a="http://schemas.openxmlformats.org/drawingml/2006/main" xmlns:r="http://schemas.openxmlformats.org/officeDocument/2006/relationships" xmlns:ac="http://schemas.microsoft.com/office/drawing/2013/main/command" xmlns:pc="http://schemas.microsoft.com/office/powerpoint/2013/main/command">
   <pc:docChgLst>
@@ -157,6 +149,80 @@
             <ac:spMk id="4" creationId="{8C407079-9495-E254-3AB7-C1EF60E75F33}"/>
           </ac:spMkLst>
         </pc:spChg>
+      </pc:sldChg>
+    </pc:docChg>
+  </pc:docChgLst>
+  <pc:docChgLst>
+    <pc:chgData name="Baruch, Ben" userId="7d648124-6238-404e-807f-43520601a438" providerId="ADAL" clId="{3F7EC8E1-C929-46A7-9AB7-B0C5F37E727B}"/>
+    <pc:docChg chg="undo custSel modSld">
+      <pc:chgData name="Baruch, Ben" userId="7d648124-6238-404e-807f-43520601a438" providerId="ADAL" clId="{3F7EC8E1-C929-46A7-9AB7-B0C5F37E727B}" dt="2024-09-21T09:45:46.292" v="1043" actId="33524"/>
+      <pc:docMkLst>
+        <pc:docMk/>
+      </pc:docMkLst>
+      <pc:sldChg chg="modNotesTx">
+        <pc:chgData name="Baruch, Ben" userId="7d648124-6238-404e-807f-43520601a438" providerId="ADAL" clId="{3F7EC8E1-C929-46A7-9AB7-B0C5F37E727B}" dt="2024-09-21T09:45:46.292" v="1043" actId="33524"/>
+        <pc:sldMkLst>
+          <pc:docMk/>
+          <pc:sldMk cId="2521538384" sldId="256"/>
+        </pc:sldMkLst>
+      </pc:sldChg>
+      <pc:sldChg chg="modNotesTx">
+        <pc:chgData name="Baruch, Ben" userId="7d648124-6238-404e-807f-43520601a438" providerId="ADAL" clId="{3F7EC8E1-C929-46A7-9AB7-B0C5F37E727B}" dt="2024-09-16T06:43:02.197" v="516" actId="20577"/>
+        <pc:sldMkLst>
+          <pc:docMk/>
+          <pc:sldMk cId="1428274495" sldId="257"/>
+        </pc:sldMkLst>
+      </pc:sldChg>
+      <pc:sldChg chg="modSp mod modNotesTx">
+        <pc:chgData name="Baruch, Ben" userId="7d648124-6238-404e-807f-43520601a438" providerId="ADAL" clId="{3F7EC8E1-C929-46A7-9AB7-B0C5F37E727B}" dt="2024-09-21T08:04:34.952" v="933" actId="20577"/>
+        <pc:sldMkLst>
+          <pc:docMk/>
+          <pc:sldMk cId="3216242903" sldId="258"/>
+        </pc:sldMkLst>
+        <pc:spChg chg="mod">
+          <ac:chgData name="Baruch, Ben" userId="7d648124-6238-404e-807f-43520601a438" providerId="ADAL" clId="{3F7EC8E1-C929-46A7-9AB7-B0C5F37E727B}" dt="2024-09-16T06:39:31.919" v="490" actId="115"/>
+          <ac:spMkLst>
+            <pc:docMk/>
+            <pc:sldMk cId="3216242903" sldId="258"/>
+            <ac:spMk id="6" creationId="{95DAB734-8C22-2C6D-7F38-8ADD1A67890C}"/>
+          </ac:spMkLst>
+        </pc:spChg>
+      </pc:sldChg>
+      <pc:sldChg chg="modNotesTx">
+        <pc:chgData name="Baruch, Ben" userId="7d648124-6238-404e-807f-43520601a438" providerId="ADAL" clId="{3F7EC8E1-C929-46A7-9AB7-B0C5F37E727B}" dt="2024-09-21T08:36:09.857" v="1042" actId="20577"/>
+        <pc:sldMkLst>
+          <pc:docMk/>
+          <pc:sldMk cId="4264260296" sldId="259"/>
+        </pc:sldMkLst>
+      </pc:sldChg>
+      <pc:sldChg chg="modSp mod modNotesTx">
+        <pc:chgData name="Baruch, Ben" userId="7d648124-6238-404e-807f-43520601a438" providerId="ADAL" clId="{3F7EC8E1-C929-46A7-9AB7-B0C5F37E727B}" dt="2024-09-21T08:15:24.936" v="1040" actId="20577"/>
+        <pc:sldMkLst>
+          <pc:docMk/>
+          <pc:sldMk cId="805009826" sldId="260"/>
+        </pc:sldMkLst>
+        <pc:spChg chg="mod">
+          <ac:chgData name="Baruch, Ben" userId="7d648124-6238-404e-807f-43520601a438" providerId="ADAL" clId="{3F7EC8E1-C929-46A7-9AB7-B0C5F37E727B}" dt="2024-09-16T06:46:13.645" v="531" actId="1076"/>
+          <ac:spMkLst>
+            <pc:docMk/>
+            <pc:sldMk cId="805009826" sldId="260"/>
+            <ac:spMk id="6" creationId="{95DAB734-8C22-2C6D-7F38-8ADD1A67890C}"/>
+          </ac:spMkLst>
+        </pc:spChg>
+      </pc:sldChg>
+      <pc:sldChg chg="modNotesTx">
+        <pc:chgData name="Baruch, Ben" userId="7d648124-6238-404e-807f-43520601a438" providerId="ADAL" clId="{3F7EC8E1-C929-46A7-9AB7-B0C5F37E727B}" dt="2024-09-16T06:53:07.972" v="711" actId="20577"/>
+        <pc:sldMkLst>
+          <pc:docMk/>
+          <pc:sldMk cId="493836167" sldId="266"/>
+        </pc:sldMkLst>
+      </pc:sldChg>
+      <pc:sldChg chg="modNotesTx">
+        <pc:chgData name="Baruch, Ben" userId="7d648124-6238-404e-807f-43520601a438" providerId="ADAL" clId="{3F7EC8E1-C929-46A7-9AB7-B0C5F37E727B}" dt="2024-09-16T06:52:15.554" v="614" actId="20577"/>
+        <pc:sldMkLst>
+          <pc:docMk/>
+          <pc:sldMk cId="2055754447" sldId="267"/>
+        </pc:sldMkLst>
       </pc:sldChg>
     </pc:docChg>
   </pc:docChgLst>
@@ -3436,7 +3502,7 @@
           <a:p>
             <a:fld id="{E12EC4F8-D089-4008-B54A-E84168D1BF5D}" type="datetimeFigureOut">
               <a:rPr lang="LID4096" smtClean="0"/>
-              <a:t>09/15/2024</a:t>
+              <a:t>09/18/2024</a:t>
             </a:fld>
             <a:endParaRPr lang="LID4096"/>
           </a:p>
@@ -3749,8 +3815,16 @@
           <a:lstStyle/>
           <a:p>
             <a:r>
-              <a:rPr lang="he-IL" dirty="0"/>
-              <a:t>אפשר להגיד כאן שהמטרה היא הטמעה של האפליקציה במקומות עבודה \ במכללה וכך לייעל את התחבורה.</a:t>
+              <a:rPr lang="en-US" dirty="0"/>
+              <a:t>Hello everyone. My name is Ben, and this is Ravid. We’ve been working on a project called Carpool, with Zeev </a:t>
+            </a:r>
+            <a:r>
+              <a:rPr lang="en-US" dirty="0" err="1"/>
+              <a:t>Barzily</a:t>
+            </a:r>
+            <a:r>
+              <a:rPr lang="en-US" dirty="0"/>
+              <a:t>. Today, we will show you the problem we are solving, how our solution works, the structure of the app, and the challenges we faced during the project. So, let’s start.</a:t>
             </a:r>
             <a:endParaRPr lang="LID4096" dirty="0"/>
           </a:p>
@@ -3773,7 +3847,7 @@
           <a:p>
             <a:fld id="{D2DCDF40-3E08-4599-A59E-1235DD6322B5}" type="slidenum">
               <a:rPr lang="LID4096" smtClean="0"/>
-              <a:t>3</a:t>
+              <a:t>1</a:t>
             </a:fld>
             <a:endParaRPr lang="LID4096"/>
           </a:p>
@@ -3782,7 +3856,7 @@
     </p:spTree>
     <p:extLst>
       <p:ext uri="{BB962C8B-B14F-4D97-AF65-F5344CB8AC3E}">
-        <p14:creationId xmlns:p14="http://schemas.microsoft.com/office/powerpoint/2010/main" val="1175331267"/>
+        <p14:creationId xmlns:p14="http://schemas.microsoft.com/office/powerpoint/2010/main" val="4203230668"/>
       </p:ext>
     </p:extLst>
   </p:cSld>
@@ -3793,6 +3867,311 @@
 </file>
 
 <file path=ppt/notesSlides/notesSlide10.xml><?xml version="1.0" encoding="utf-8"?>
+<p:notes xmlns:a="http://schemas.openxmlformats.org/drawingml/2006/main" xmlns:r="http://schemas.openxmlformats.org/officeDocument/2006/relationships" xmlns:p="http://schemas.openxmlformats.org/presentationml/2006/main">
+  <p:cSld>
+    <p:spTree>
+      <p:nvGrpSpPr>
+        <p:cNvPr id="1" name=""/>
+        <p:cNvGrpSpPr/>
+        <p:nvPr/>
+      </p:nvGrpSpPr>
+      <p:grpSpPr>
+        <a:xfrm>
+          <a:off x="0" y="0"/>
+          <a:ext cx="0" cy="0"/>
+          <a:chOff x="0" y="0"/>
+          <a:chExt cx="0" cy="0"/>
+        </a:xfrm>
+      </p:grpSpPr>
+      <p:sp>
+        <p:nvSpPr>
+          <p:cNvPr id="2" name="Slide Image Placeholder 1"/>
+          <p:cNvSpPr>
+            <a:spLocks noGrp="1" noRot="1" noChangeAspect="1"/>
+          </p:cNvSpPr>
+          <p:nvPr>
+            <p:ph type="sldImg"/>
+          </p:nvPr>
+        </p:nvSpPr>
+        <p:spPr/>
+      </p:sp>
+      <p:sp>
+        <p:nvSpPr>
+          <p:cNvPr id="3" name="Notes Placeholder 2"/>
+          <p:cNvSpPr>
+            <a:spLocks noGrp="1"/>
+          </p:cNvSpPr>
+          <p:nvPr>
+            <p:ph type="body" idx="1"/>
+          </p:nvPr>
+        </p:nvSpPr>
+        <p:spPr/>
+        <p:txBody>
+          <a:bodyPr/>
+          <a:lstStyle/>
+          <a:p>
+            <a:pPr marL="457200" lvl="0" indent="-330200" algn="l" rtl="0">
+              <a:spcBef>
+                <a:spcPts val="0"/>
+              </a:spcBef>
+              <a:spcAft>
+                <a:spcPts val="0"/>
+              </a:spcAft>
+              <a:buClr>
+                <a:schemeClr val="dk1"/>
+              </a:buClr>
+              <a:buSzPts val="1600"/>
+              <a:buChar char="●"/>
+            </a:pPr>
+            <a:r>
+              <a:rPr lang="en-US" sz="1200" b="1" dirty="0">
+                <a:solidFill>
+                  <a:schemeClr val="dk1"/>
+                </a:solidFill>
+              </a:rPr>
+              <a:t>UI experience</a:t>
+            </a:r>
+          </a:p>
+          <a:p>
+            <a:pPr marL="914400" lvl="0" indent="-330200" algn="l" rtl="0">
+              <a:spcBef>
+                <a:spcPts val="0"/>
+              </a:spcBef>
+              <a:spcAft>
+                <a:spcPts val="0"/>
+              </a:spcAft>
+              <a:buClr>
+                <a:schemeClr val="dk1"/>
+              </a:buClr>
+              <a:buSzPts val="1600"/>
+              <a:buChar char="-"/>
+            </a:pPr>
+            <a:r>
+              <a:rPr lang="en-US" sz="1200" i="1" dirty="0">
+                <a:solidFill>
+                  <a:schemeClr val="dk1"/>
+                </a:solidFill>
+              </a:rPr>
+              <a:t>Challenge:</a:t>
+            </a:r>
+            <a:r>
+              <a:rPr lang="en-US" sz="1200" dirty="0">
+                <a:solidFill>
+                  <a:schemeClr val="dk1"/>
+                </a:solidFill>
+              </a:rPr>
+              <a:t> Designing an intuitive user interface.</a:t>
+            </a:r>
+          </a:p>
+          <a:p>
+            <a:pPr marL="914400" lvl="0" indent="-330200" algn="l" rtl="0">
+              <a:spcBef>
+                <a:spcPts val="0"/>
+              </a:spcBef>
+              <a:spcAft>
+                <a:spcPts val="0"/>
+              </a:spcAft>
+              <a:buClr>
+                <a:schemeClr val="dk1"/>
+              </a:buClr>
+              <a:buSzPts val="1600"/>
+              <a:buChar char="-"/>
+            </a:pPr>
+            <a:r>
+              <a:rPr lang="en-US" sz="1200" i="1" dirty="0">
+                <a:solidFill>
+                  <a:schemeClr val="dk1"/>
+                </a:solidFill>
+              </a:rPr>
+              <a:t>Solution: </a:t>
+            </a:r>
+            <a:r>
+              <a:rPr lang="en-US" sz="1200" dirty="0">
+                <a:solidFill>
+                  <a:schemeClr val="dk1"/>
+                </a:solidFill>
+              </a:rPr>
+              <a:t>We asked friends and family to use the app on different devices and provide us with feedback.</a:t>
+            </a:r>
+          </a:p>
+          <a:p>
+            <a:pPr marL="171450" indent="-171450">
+              <a:buFont typeface="Wingdings" panose="05000000000000000000" pitchFamily="2" charset="2"/>
+              <a:buChar char="n"/>
+            </a:pPr>
+            <a:r>
+              <a:rPr lang="he-IL" dirty="0"/>
+              <a:t>אופציה נוספת:</a:t>
+            </a:r>
+          </a:p>
+          <a:p>
+            <a:r>
+              <a:rPr lang="en-US" b="1" dirty="0"/>
+              <a:t>Database Structure</a:t>
+            </a:r>
+          </a:p>
+          <a:p>
+            <a:pPr>
+              <a:buFont typeface="Arial" panose="020B0604020202020204" pitchFamily="34" charset="0"/>
+              <a:buChar char="•"/>
+            </a:pPr>
+            <a:r>
+              <a:rPr lang="en-US" b="1" dirty="0"/>
+              <a:t>Challenge</a:t>
+            </a:r>
+            <a:r>
+              <a:rPr lang="en-US" dirty="0"/>
+              <a:t>: Designing an efficient Firebase database structure that minimizes operations while handling complex relationships between users, groups, and rides.</a:t>
+            </a:r>
+          </a:p>
+          <a:p>
+            <a:pPr>
+              <a:buFont typeface="Arial" panose="020B0604020202020204" pitchFamily="34" charset="0"/>
+              <a:buChar char="•"/>
+            </a:pPr>
+            <a:r>
+              <a:rPr lang="en-US" b="1" dirty="0"/>
+              <a:t>Solution</a:t>
+            </a:r>
+            <a:r>
+              <a:rPr lang="en-US" dirty="0"/>
+              <a:t>: Used a well-planned database structure with collections and sub-collections, utilizing denormalization techniques to optimize performance and support scalable data retrieval.</a:t>
+            </a:r>
+          </a:p>
+          <a:p>
+            <a:pPr marL="171450" indent="-171450">
+              <a:buFont typeface="Wingdings" panose="05000000000000000000" pitchFamily="2" charset="2"/>
+              <a:buChar char="n"/>
+            </a:pPr>
+            <a:endParaRPr lang="LID4096" dirty="0"/>
+          </a:p>
+        </p:txBody>
+      </p:sp>
+      <p:sp>
+        <p:nvSpPr>
+          <p:cNvPr id="4" name="Slide Number Placeholder 3"/>
+          <p:cNvSpPr>
+            <a:spLocks noGrp="1"/>
+          </p:cNvSpPr>
+          <p:nvPr>
+            <p:ph type="sldNum" sz="quarter" idx="5"/>
+          </p:nvPr>
+        </p:nvSpPr>
+        <p:spPr/>
+        <p:txBody>
+          <a:bodyPr/>
+          <a:lstStyle/>
+          <a:p>
+            <a:fld id="{D2DCDF40-3E08-4599-A59E-1235DD6322B5}" type="slidenum">
+              <a:rPr lang="LID4096" smtClean="0"/>
+              <a:t>10</a:t>
+            </a:fld>
+            <a:endParaRPr lang="LID4096"/>
+          </a:p>
+        </p:txBody>
+      </p:sp>
+    </p:spTree>
+    <p:extLst>
+      <p:ext uri="{BB962C8B-B14F-4D97-AF65-F5344CB8AC3E}">
+        <p14:creationId xmlns:p14="http://schemas.microsoft.com/office/powerpoint/2010/main" val="3622088349"/>
+      </p:ext>
+    </p:extLst>
+  </p:cSld>
+  <p:clrMapOvr>
+    <a:masterClrMapping/>
+  </p:clrMapOvr>
+</p:notes>
+</file>
+
+<file path=ppt/notesSlides/notesSlide11.xml><?xml version="1.0" encoding="utf-8"?>
+<p:notes xmlns:a="http://schemas.openxmlformats.org/drawingml/2006/main" xmlns:r="http://schemas.openxmlformats.org/officeDocument/2006/relationships" xmlns:p="http://schemas.openxmlformats.org/presentationml/2006/main">
+  <p:cSld>
+    <p:spTree>
+      <p:nvGrpSpPr>
+        <p:cNvPr id="1" name=""/>
+        <p:cNvGrpSpPr/>
+        <p:nvPr/>
+      </p:nvGrpSpPr>
+      <p:grpSpPr>
+        <a:xfrm>
+          <a:off x="0" y="0"/>
+          <a:ext cx="0" cy="0"/>
+          <a:chOff x="0" y="0"/>
+          <a:chExt cx="0" cy="0"/>
+        </a:xfrm>
+      </p:grpSpPr>
+      <p:sp>
+        <p:nvSpPr>
+          <p:cNvPr id="2" name="Slide Image Placeholder 1"/>
+          <p:cNvSpPr>
+            <a:spLocks noGrp="1" noRot="1" noChangeAspect="1"/>
+          </p:cNvSpPr>
+          <p:nvPr>
+            <p:ph type="sldImg"/>
+          </p:nvPr>
+        </p:nvSpPr>
+        <p:spPr/>
+      </p:sp>
+      <p:sp>
+        <p:nvSpPr>
+          <p:cNvPr id="3" name="Notes Placeholder 2"/>
+          <p:cNvSpPr>
+            <a:spLocks noGrp="1"/>
+          </p:cNvSpPr>
+          <p:nvPr>
+            <p:ph type="body" idx="1"/>
+          </p:nvPr>
+        </p:nvSpPr>
+        <p:spPr/>
+        <p:txBody>
+          <a:bodyPr/>
+          <a:lstStyle/>
+          <a:p>
+            <a:pPr marL="171450" indent="-171450">
+              <a:buFont typeface="Wingdings" panose="05000000000000000000" pitchFamily="2" charset="2"/>
+              <a:buChar char="n"/>
+            </a:pPr>
+            <a:endParaRPr lang="LID4096" dirty="0"/>
+          </a:p>
+        </p:txBody>
+      </p:sp>
+      <p:sp>
+        <p:nvSpPr>
+          <p:cNvPr id="4" name="Slide Number Placeholder 3"/>
+          <p:cNvSpPr>
+            <a:spLocks noGrp="1"/>
+          </p:cNvSpPr>
+          <p:nvPr>
+            <p:ph type="sldNum" sz="quarter" idx="5"/>
+          </p:nvPr>
+        </p:nvSpPr>
+        <p:spPr/>
+        <p:txBody>
+          <a:bodyPr/>
+          <a:lstStyle/>
+          <a:p>
+            <a:fld id="{D2DCDF40-3E08-4599-A59E-1235DD6322B5}" type="slidenum">
+              <a:rPr lang="LID4096" smtClean="0"/>
+              <a:t>11</a:t>
+            </a:fld>
+            <a:endParaRPr lang="LID4096"/>
+          </a:p>
+        </p:txBody>
+      </p:sp>
+    </p:spTree>
+    <p:extLst>
+      <p:ext uri="{BB962C8B-B14F-4D97-AF65-F5344CB8AC3E}">
+        <p14:creationId xmlns:p14="http://schemas.microsoft.com/office/powerpoint/2010/main" val="2049303461"/>
+      </p:ext>
+    </p:extLst>
+  </p:cSld>
+  <p:clrMapOvr>
+    <a:masterClrMapping/>
+  </p:clrMapOvr>
+</p:notes>
+</file>
+
+<file path=ppt/notesSlides/notesSlide12.xml><?xml version="1.0" encoding="utf-8"?>
 <p:notes xmlns:a="http://schemas.openxmlformats.org/drawingml/2006/main" xmlns:r="http://schemas.openxmlformats.org/officeDocument/2006/relationships" xmlns:p="http://schemas.openxmlformats.org/presentationml/2006/main">
   <p:cSld>
     <p:spTree>
@@ -3925,16 +4304,9 @@
           <a:lstStyle/>
           <a:p>
             <a:r>
-              <a:rPr lang="he-IL" dirty="0"/>
-              <a:t>בנוגע לשני, אופציה לשנות ל :</a:t>
-            </a:r>
-            <a:r>
               <a:rPr lang="en-US" dirty="0"/>
-              <a:t> Inconsistent carpooling options</a:t>
-            </a:r>
-            <a:endParaRPr lang="he-IL" dirty="0"/>
-          </a:p>
-          <a:p>
+              <a:t>This is what we’ll talk about today. First, we’ll introduce the problem. Then, we will explain the solution we created with Carpool. After that, we’ll show how a carpool ride works, the software architecture, and how we used the MVC pattern. Lastly, we will talk about the challenges and tests we did to make sure the app works well.</a:t>
+            </a:r>
             <a:endParaRPr lang="LID4096" dirty="0"/>
           </a:p>
         </p:txBody>
@@ -3956,7 +4328,7 @@
           <a:p>
             <a:fld id="{D2DCDF40-3E08-4599-A59E-1235DD6322B5}" type="slidenum">
               <a:rPr lang="LID4096" smtClean="0"/>
-              <a:t>4</a:t>
+              <a:t>2</a:t>
             </a:fld>
             <a:endParaRPr lang="LID4096"/>
           </a:p>
@@ -3965,7 +4337,7 @@
     </p:spTree>
     <p:extLst>
       <p:ext uri="{BB962C8B-B14F-4D97-AF65-F5344CB8AC3E}">
-        <p14:creationId xmlns:p14="http://schemas.microsoft.com/office/powerpoint/2010/main" val="3502062548"/>
+        <p14:creationId xmlns:p14="http://schemas.microsoft.com/office/powerpoint/2010/main" val="2540924804"/>
       </p:ext>
     </p:extLst>
   </p:cSld>
@@ -4020,8 +4392,8 @@
           <a:lstStyle/>
           <a:p>
             <a:r>
-              <a:rPr lang="he-IL" dirty="0"/>
-              <a:t>אפשר להגיד כאן שהמטרה היא הטמעה של האפליקציה במקומות עבודה \ במכללה וכך לייעל את התחבורה.</a:t>
+              <a:rPr lang="en-US" dirty="0"/>
+              <a:t>Ok so firstly, the application is for drivers only. This is what makes our application different from current apps on market. Our project aims to solve the problems of public transport and reduce solo driving. We created a mobile app that links drivers going to the same place, like work or school, to set up regular carpool groups. This encourages trust and connections between people and makes commuting easier and better for the planet.</a:t>
             </a:r>
             <a:endParaRPr lang="LID4096" dirty="0"/>
           </a:p>
@@ -4044,7 +4416,7 @@
           <a:p>
             <a:fld id="{D2DCDF40-3E08-4599-A59E-1235DD6322B5}" type="slidenum">
               <a:rPr lang="LID4096" smtClean="0"/>
-              <a:t>5</a:t>
+              <a:t>3</a:t>
             </a:fld>
             <a:endParaRPr lang="LID4096"/>
           </a:p>
@@ -4053,7 +4425,7 @@
     </p:spTree>
     <p:extLst>
       <p:ext uri="{BB962C8B-B14F-4D97-AF65-F5344CB8AC3E}">
-        <p14:creationId xmlns:p14="http://schemas.microsoft.com/office/powerpoint/2010/main" val="2182311257"/>
+        <p14:creationId xmlns:p14="http://schemas.microsoft.com/office/powerpoint/2010/main" val="1175331267"/>
       </p:ext>
     </p:extLst>
   </p:cSld>
@@ -4109,9 +4481,32 @@
           <a:p>
             <a:r>
               <a:rPr lang="en-US" dirty="0"/>
-              <a:t>Start Drive</a:t>
-            </a:r>
-            <a:endParaRPr lang="LID4096" dirty="0"/>
+              <a:t>Today, many people drive alone to places like work or college, and this causes problems.</a:t>
+            </a:r>
+          </a:p>
+          <a:p>
+            <a:r>
+              <a:rPr lang="en-US" dirty="0"/>
+              <a:t>First, too many cars with just one person in them create more traffic and delays.</a:t>
+            </a:r>
+          </a:p>
+          <a:p>
+            <a:r>
+              <a:rPr lang="en-US" dirty="0"/>
+              <a:t>Second, there aren’t many options for long-term carpooling, so it’s hard for people to share rides over time. </a:t>
+            </a:r>
+          </a:p>
+          <a:p>
+            <a:r>
+              <a:rPr lang="en-US" dirty="0"/>
+              <a:t>Third, costs aren’t shared equally because it is always the same driver.</a:t>
+            </a:r>
+          </a:p>
+          <a:p>
+            <a:r>
+              <a:rPr lang="en-US" dirty="0"/>
+              <a:t>Finally, driving alone adds to pollution, so we have environment issues.</a:t>
+            </a:r>
           </a:p>
         </p:txBody>
       </p:sp>
@@ -4132,7 +4527,7 @@
           <a:p>
             <a:fld id="{D2DCDF40-3E08-4599-A59E-1235DD6322B5}" type="slidenum">
               <a:rPr lang="LID4096" smtClean="0"/>
-              <a:t>6</a:t>
+              <a:t>4</a:t>
             </a:fld>
             <a:endParaRPr lang="LID4096"/>
           </a:p>
@@ -4141,7 +4536,7 @@
     </p:spTree>
     <p:extLst>
       <p:ext uri="{BB962C8B-B14F-4D97-AF65-F5344CB8AC3E}">
-        <p14:creationId xmlns:p14="http://schemas.microsoft.com/office/powerpoint/2010/main" val="3298530515"/>
+        <p14:creationId xmlns:p14="http://schemas.microsoft.com/office/powerpoint/2010/main" val="3502062548"/>
       </p:ext>
     </p:extLst>
   </p:cSld>
@@ -4197,7 +4592,7 @@
           <a:p>
             <a:r>
               <a:rPr lang="en-US" dirty="0"/>
-              <a:t>Start Drive</a:t>
+              <a:t>Carpool is an app that can be used on both mobile and web. It can be implemented for drivers in workplaces or colleges.  It creates permanent carpool groups based on people’s schedules and routes. It has a points system to make sure everyone takes turns driving. The app also shows fixed meeting points on a map, which makes planning easier. By riding together, people build trust, and carpooling becomes easy.</a:t>
             </a:r>
             <a:endParaRPr lang="LID4096" dirty="0"/>
           </a:p>
@@ -4220,7 +4615,7 @@
           <a:p>
             <a:fld id="{D2DCDF40-3E08-4599-A59E-1235DD6322B5}" type="slidenum">
               <a:rPr lang="LID4096" smtClean="0"/>
-              <a:t>7</a:t>
+              <a:t>5</a:t>
             </a:fld>
             <a:endParaRPr lang="LID4096"/>
           </a:p>
@@ -4229,7 +4624,7 @@
     </p:spTree>
     <p:extLst>
       <p:ext uri="{BB962C8B-B14F-4D97-AF65-F5344CB8AC3E}">
-        <p14:creationId xmlns:p14="http://schemas.microsoft.com/office/powerpoint/2010/main" val="546619374"/>
+        <p14:creationId xmlns:p14="http://schemas.microsoft.com/office/powerpoint/2010/main" val="2182311257"/>
       </p:ext>
     </p:extLst>
   </p:cSld>
@@ -4283,75 +4678,11 @@
           <a:bodyPr/>
           <a:lstStyle/>
           <a:p>
-            <a:pPr marL="0" marR="0" lvl="0" indent="0" algn="l" defTabSz="914400" rtl="0" eaLnBrk="1" fontAlgn="auto" latinLnBrk="0" hangingPunct="1">
-              <a:lnSpc>
-                <a:spcPct val="100000"/>
-              </a:lnSpc>
-              <a:spcBef>
-                <a:spcPts val="0"/>
-              </a:spcBef>
-              <a:spcAft>
-                <a:spcPts val="0"/>
-              </a:spcAft>
-              <a:buClrTx/>
-              <a:buSzTx/>
-              <a:buFontTx/>
-              <a:buNone/>
-              <a:tabLst/>
-              <a:defRPr/>
-            </a:pPr>
-            <a:r>
-              <a:rPr lang="en-US" sz="1200" b="1" dirty="0">
-                <a:solidFill>
-                  <a:schemeClr val="dk1"/>
-                </a:solidFill>
-                <a:latin typeface="Libre Franklin"/>
-                <a:ea typeface="Libre Franklin"/>
-                <a:cs typeface="Libre Franklin"/>
-                <a:sym typeface="Libre Franklin"/>
-              </a:rPr>
-              <a:t>There are more open sources library, </a:t>
-            </a:r>
-            <a:r>
-              <a:rPr lang="en-US" sz="1200" dirty="0">
-                <a:solidFill>
-                  <a:schemeClr val="dk1"/>
-                </a:solidFill>
-                <a:latin typeface="Libre Franklin"/>
-                <a:ea typeface="Libre Franklin"/>
-                <a:cs typeface="Libre Franklin"/>
-                <a:sym typeface="Libre Franklin"/>
-              </a:rPr>
-              <a:t>for different functionality. No place in the slide so say it in presentation. For example, the loading spinner widget or other widgets.</a:t>
-            </a:r>
-          </a:p>
-          <a:p>
-            <a:pPr marL="0" marR="0" lvl="0" indent="0" algn="l" defTabSz="914400" rtl="0" eaLnBrk="1" fontAlgn="auto" latinLnBrk="0" hangingPunct="1">
-              <a:lnSpc>
-                <a:spcPct val="100000"/>
-              </a:lnSpc>
-              <a:spcBef>
-                <a:spcPts val="0"/>
-              </a:spcBef>
-              <a:spcAft>
-                <a:spcPts val="0"/>
-              </a:spcAft>
-              <a:buClrTx/>
-              <a:buSzTx/>
-              <a:buFontTx/>
-              <a:buNone/>
-              <a:tabLst/>
-              <a:defRPr/>
-            </a:pPr>
-            <a:endParaRPr lang="en-US" sz="1200" dirty="0">
-              <a:solidFill>
-                <a:schemeClr val="dk1"/>
-              </a:solidFill>
-              <a:latin typeface="Libre Franklin"/>
-              <a:ea typeface="Libre Franklin"/>
-              <a:cs typeface="Libre Franklin"/>
-              <a:sym typeface="Libre Franklin"/>
-            </a:endParaRPr>
+            <a:r>
+              <a:rPr lang="en-US" dirty="0"/>
+              <a:t>Here is how a carpool ride works with Carpool. At 14:00 PM, the driver can start the ride. The button is opened just to the driver. The ride can start up to 15 minutes before the set time, and after a click there is a popup that shows all pickup points. Once the ride starts, both the driver and the group members get notifications, so everyone knows when the ride is happening.</a:t>
+            </a:r>
+            <a:endParaRPr lang="LID4096" dirty="0"/>
           </a:p>
         </p:txBody>
       </p:sp>
@@ -4372,7 +4703,7 @@
           <a:p>
             <a:fld id="{D2DCDF40-3E08-4599-A59E-1235DD6322B5}" type="slidenum">
               <a:rPr lang="LID4096" smtClean="0"/>
-              <a:t>8</a:t>
+              <a:t>6</a:t>
             </a:fld>
             <a:endParaRPr lang="LID4096"/>
           </a:p>
@@ -4381,7 +4712,7 @@
     </p:spTree>
     <p:extLst>
       <p:ext uri="{BB962C8B-B14F-4D97-AF65-F5344CB8AC3E}">
-        <p14:creationId xmlns:p14="http://schemas.microsoft.com/office/powerpoint/2010/main" val="2633391242"/>
+        <p14:creationId xmlns:p14="http://schemas.microsoft.com/office/powerpoint/2010/main" val="3298530515"/>
       </p:ext>
     </p:extLst>
   </p:cSld>
@@ -4435,6 +4766,10 @@
           <a:bodyPr/>
           <a:lstStyle/>
           <a:p>
+            <a:r>
+              <a:rPr lang="en-US" dirty="0"/>
+              <a:t>At 17:00 PM, the driver can click “End drive”, the button appears starting 10 minutes before the return time.  The app assigns a new driver for the next ride automatically. The driver receives a point for completing the ride. This ensures that the process is fair and smooth for everyone involved.</a:t>
+            </a:r>
             <a:endParaRPr lang="LID4096" dirty="0"/>
           </a:p>
         </p:txBody>
@@ -4456,7 +4791,7 @@
           <a:p>
             <a:fld id="{D2DCDF40-3E08-4599-A59E-1235DD6322B5}" type="slidenum">
               <a:rPr lang="LID4096" smtClean="0"/>
-              <a:t>9</a:t>
+              <a:t>7</a:t>
             </a:fld>
             <a:endParaRPr lang="LID4096"/>
           </a:p>
@@ -4465,7 +4800,7 @@
     </p:spTree>
     <p:extLst>
       <p:ext uri="{BB962C8B-B14F-4D97-AF65-F5344CB8AC3E}">
-        <p14:creationId xmlns:p14="http://schemas.microsoft.com/office/powerpoint/2010/main" val="1914248096"/>
+        <p14:creationId xmlns:p14="http://schemas.microsoft.com/office/powerpoint/2010/main" val="546619374"/>
       </p:ext>
     </p:extLst>
   </p:cSld>
@@ -4519,140 +4854,75 @@
           <a:bodyPr/>
           <a:lstStyle/>
           <a:p>
-            <a:pPr marL="457200" lvl="0" indent="-330200" algn="l" rtl="0">
+            <a:pPr marL="0" marR="0" lvl="0" indent="0" algn="l" defTabSz="914400" rtl="0" eaLnBrk="1" fontAlgn="auto" latinLnBrk="0" hangingPunct="1">
+              <a:lnSpc>
+                <a:spcPct val="100000"/>
+              </a:lnSpc>
               <a:spcBef>
                 <a:spcPts val="0"/>
               </a:spcBef>
               <a:spcAft>
                 <a:spcPts val="0"/>
               </a:spcAft>
-              <a:buClr>
-                <a:schemeClr val="dk1"/>
-              </a:buClr>
-              <a:buSzPts val="1600"/>
-              <a:buChar char="●"/>
+              <a:buClrTx/>
+              <a:buSzTx/>
+              <a:buFontTx/>
+              <a:buNone/>
+              <a:tabLst/>
+              <a:defRPr/>
             </a:pPr>
             <a:r>
               <a:rPr lang="en-US" sz="1200" b="1" dirty="0">
                 <a:solidFill>
                   <a:schemeClr val="dk1"/>
                 </a:solidFill>
+                <a:latin typeface="Libre Franklin"/>
+                <a:ea typeface="Libre Franklin"/>
+                <a:cs typeface="Libre Franklin"/>
+                <a:sym typeface="Libre Franklin"/>
               </a:rPr>
-              <a:t>UI experience</a:t>
-            </a:r>
-          </a:p>
-          <a:p>
-            <a:pPr marL="914400" lvl="0" indent="-330200" algn="l" rtl="0">
+              <a:t>There are more open sources library, </a:t>
+            </a:r>
+            <a:r>
+              <a:rPr lang="en-US" sz="1200" dirty="0">
+                <a:solidFill>
+                  <a:schemeClr val="dk1"/>
+                </a:solidFill>
+                <a:latin typeface="Libre Franklin"/>
+                <a:ea typeface="Libre Franklin"/>
+                <a:cs typeface="Libre Franklin"/>
+                <a:sym typeface="Libre Franklin"/>
+              </a:rPr>
+              <a:t>for different functionality. No place in the slide so say it in presentation. For example, the loading spinner widget or other widgets.</a:t>
+            </a:r>
+          </a:p>
+          <a:p>
+            <a:pPr marL="0" marR="0" lvl="0" indent="0" algn="l" defTabSz="914400" rtl="0" eaLnBrk="1" fontAlgn="auto" latinLnBrk="0" hangingPunct="1">
+              <a:lnSpc>
+                <a:spcPct val="100000"/>
+              </a:lnSpc>
               <a:spcBef>
                 <a:spcPts val="0"/>
               </a:spcBef>
               <a:spcAft>
                 <a:spcPts val="0"/>
               </a:spcAft>
-              <a:buClr>
+              <a:buClrTx/>
+              <a:buSzTx/>
+              <a:buFontTx/>
+              <a:buNone/>
+              <a:tabLst/>
+              <a:defRPr/>
+            </a:pPr>
+            <a:endParaRPr lang="en-US" sz="1200" dirty="0">
+              <a:solidFill>
                 <a:schemeClr val="dk1"/>
-              </a:buClr>
-              <a:buSzPts val="1600"/>
-              <a:buChar char="-"/>
-            </a:pPr>
-            <a:r>
-              <a:rPr lang="en-US" sz="1200" i="1" dirty="0">
-                <a:solidFill>
-                  <a:schemeClr val="dk1"/>
-                </a:solidFill>
-              </a:rPr>
-              <a:t>Challenge:</a:t>
-            </a:r>
-            <a:r>
-              <a:rPr lang="en-US" sz="1200" dirty="0">
-                <a:solidFill>
-                  <a:schemeClr val="dk1"/>
-                </a:solidFill>
-              </a:rPr>
-              <a:t> Designing an intuitive user interface.</a:t>
-            </a:r>
-          </a:p>
-          <a:p>
-            <a:pPr marL="914400" lvl="0" indent="-330200" algn="l" rtl="0">
-              <a:spcBef>
-                <a:spcPts val="0"/>
-              </a:spcBef>
-              <a:spcAft>
-                <a:spcPts val="0"/>
-              </a:spcAft>
-              <a:buClr>
-                <a:schemeClr val="dk1"/>
-              </a:buClr>
-              <a:buSzPts val="1600"/>
-              <a:buChar char="-"/>
-            </a:pPr>
-            <a:r>
-              <a:rPr lang="en-US" sz="1200" i="1" dirty="0">
-                <a:solidFill>
-                  <a:schemeClr val="dk1"/>
-                </a:solidFill>
-              </a:rPr>
-              <a:t>Solution: </a:t>
-            </a:r>
-            <a:r>
-              <a:rPr lang="en-US" sz="1200" dirty="0">
-                <a:solidFill>
-                  <a:schemeClr val="dk1"/>
-                </a:solidFill>
-              </a:rPr>
-              <a:t>We asked friends and family to use the app on different devices and provide us with feedback.</a:t>
-            </a:r>
-          </a:p>
-          <a:p>
-            <a:pPr marL="171450" indent="-171450">
-              <a:buFont typeface="Wingdings" panose="05000000000000000000" pitchFamily="2" charset="2"/>
-              <a:buChar char="n"/>
-            </a:pPr>
-            <a:r>
-              <a:rPr lang="he-IL" dirty="0"/>
-              <a:t>אופציה נוספת:</a:t>
-            </a:r>
-          </a:p>
-          <a:p>
-            <a:r>
-              <a:rPr lang="en-US" b="1" dirty="0"/>
-              <a:t>Database Structure</a:t>
-            </a:r>
-          </a:p>
-          <a:p>
-            <a:pPr>
-              <a:buFont typeface="Arial" panose="020B0604020202020204" pitchFamily="34" charset="0"/>
-              <a:buChar char="•"/>
-            </a:pPr>
-            <a:r>
-              <a:rPr lang="en-US" b="1" dirty="0"/>
-              <a:t>Challenge</a:t>
-            </a:r>
-            <a:r>
-              <a:rPr lang="en-US" dirty="0"/>
-              <a:t>: Designing an efficient Firebase database structure that minimizes operations while handling complex relationships between users, groups, and rides.</a:t>
-            </a:r>
-          </a:p>
-          <a:p>
-            <a:pPr>
-              <a:buFont typeface="Arial" panose="020B0604020202020204" pitchFamily="34" charset="0"/>
-              <a:buChar char="•"/>
-            </a:pPr>
-            <a:r>
-              <a:rPr lang="en-US" b="1" dirty="0"/>
-              <a:t>Solution</a:t>
-            </a:r>
-            <a:r>
-              <a:rPr lang="en-US" dirty="0"/>
-              <a:t>: Used a well-planned database structure with collections and sub-collections, utilizing denormalization techniques to optimize performance and support scalable data retrieval.</a:t>
-            </a:r>
-          </a:p>
-          <a:p>
-            <a:pPr marL="171450" indent="-171450">
-              <a:buFont typeface="Wingdings" panose="05000000000000000000" pitchFamily="2" charset="2"/>
-              <a:buChar char="n"/>
-            </a:pPr>
-            <a:endParaRPr lang="LID4096" dirty="0"/>
+              </a:solidFill>
+              <a:latin typeface="Libre Franklin"/>
+              <a:ea typeface="Libre Franklin"/>
+              <a:cs typeface="Libre Franklin"/>
+              <a:sym typeface="Libre Franklin"/>
+            </a:endParaRPr>
           </a:p>
         </p:txBody>
       </p:sp>
@@ -4673,7 +4943,7 @@
           <a:p>
             <a:fld id="{D2DCDF40-3E08-4599-A59E-1235DD6322B5}" type="slidenum">
               <a:rPr lang="LID4096" smtClean="0"/>
-              <a:t>10</a:t>
+              <a:t>8</a:t>
             </a:fld>
             <a:endParaRPr lang="LID4096"/>
           </a:p>
@@ -4682,7 +4952,7 @@
     </p:spTree>
     <p:extLst>
       <p:ext uri="{BB962C8B-B14F-4D97-AF65-F5344CB8AC3E}">
-        <p14:creationId xmlns:p14="http://schemas.microsoft.com/office/powerpoint/2010/main" val="3622088349"/>
+        <p14:creationId xmlns:p14="http://schemas.microsoft.com/office/powerpoint/2010/main" val="2633391242"/>
       </p:ext>
     </p:extLst>
   </p:cSld>
@@ -4736,10 +5006,6 @@
           <a:bodyPr/>
           <a:lstStyle/>
           <a:p>
-            <a:pPr marL="171450" indent="-171450">
-              <a:buFont typeface="Wingdings" panose="05000000000000000000" pitchFamily="2" charset="2"/>
-              <a:buChar char="n"/>
-            </a:pPr>
             <a:endParaRPr lang="LID4096" dirty="0"/>
           </a:p>
         </p:txBody>
@@ -4761,7 +5027,7 @@
           <a:p>
             <a:fld id="{D2DCDF40-3E08-4599-A59E-1235DD6322B5}" type="slidenum">
               <a:rPr lang="LID4096" smtClean="0"/>
-              <a:t>11</a:t>
+              <a:t>9</a:t>
             </a:fld>
             <a:endParaRPr lang="LID4096"/>
           </a:p>
@@ -4770,7 +5036,7 @@
     </p:spTree>
     <p:extLst>
       <p:ext uri="{BB962C8B-B14F-4D97-AF65-F5344CB8AC3E}">
-        <p14:creationId xmlns:p14="http://schemas.microsoft.com/office/powerpoint/2010/main" val="2049303461"/>
+        <p14:creationId xmlns:p14="http://schemas.microsoft.com/office/powerpoint/2010/main" val="1914248096"/>
       </p:ext>
     </p:extLst>
   </p:cSld>
@@ -4944,7 +5210,7 @@
           <a:p>
             <a:fld id="{32637B58-87C1-446D-BDA9-B06F4BCF7782}" type="datetimeFigureOut">
               <a:rPr lang="en-US" smtClean="0"/>
-              <a:t>9/15/2024</a:t>
+              <a:t>9/18/2024</a:t>
             </a:fld>
             <a:endParaRPr lang="en-US"/>
           </a:p>
@@ -5147,7 +5413,7 @@
           <a:p>
             <a:fld id="{32637B58-87C1-446D-BDA9-B06F4BCF7782}" type="datetimeFigureOut">
               <a:rPr lang="en-US" smtClean="0"/>
-              <a:t>9/15/2024</a:t>
+              <a:t>9/18/2024</a:t>
             </a:fld>
             <a:endParaRPr lang="en-US"/>
           </a:p>
@@ -5355,7 +5621,7 @@
           <a:p>
             <a:fld id="{32637B58-87C1-446D-BDA9-B06F4BCF7782}" type="datetimeFigureOut">
               <a:rPr lang="en-US" smtClean="0"/>
-              <a:t>9/15/2024</a:t>
+              <a:t>9/18/2024</a:t>
             </a:fld>
             <a:endParaRPr lang="en-US"/>
           </a:p>
@@ -5605,7 +5871,7 @@
           <a:p>
             <a:fld id="{32637B58-87C1-446D-BDA9-B06F4BCF7782}" type="datetimeFigureOut">
               <a:rPr lang="en-US" smtClean="0"/>
-              <a:t>9/15/2024</a:t>
+              <a:t>9/18/2024</a:t>
             </a:fld>
             <a:endParaRPr lang="en-US"/>
           </a:p>
@@ -5909,7 +6175,7 @@
           <a:p>
             <a:fld id="{32637B58-87C1-446D-BDA9-B06F4BCF7782}" type="datetimeFigureOut">
               <a:rPr lang="en-US" smtClean="0"/>
-              <a:t>9/15/2024</a:t>
+              <a:t>9/18/2024</a:t>
             </a:fld>
             <a:endParaRPr lang="en-US"/>
           </a:p>
@@ -6176,7 +6442,7 @@
           <a:p>
             <a:fld id="{32637B58-87C1-446D-BDA9-B06F4BCF7782}" type="datetimeFigureOut">
               <a:rPr lang="en-US" smtClean="0"/>
-              <a:t>9/15/2024</a:t>
+              <a:t>9/18/2024</a:t>
             </a:fld>
             <a:endParaRPr lang="en-US"/>
           </a:p>
@@ -6631,7 +6897,7 @@
           <a:p>
             <a:fld id="{32637B58-87C1-446D-BDA9-B06F4BCF7782}" type="datetimeFigureOut">
               <a:rPr lang="en-US" smtClean="0"/>
-              <a:t>9/15/2024</a:t>
+              <a:t>9/18/2024</a:t>
             </a:fld>
             <a:endParaRPr lang="en-US"/>
           </a:p>
@@ -6772,7 +7038,7 @@
           <a:p>
             <a:fld id="{32637B58-87C1-446D-BDA9-B06F4BCF7782}" type="datetimeFigureOut">
               <a:rPr lang="en-US" smtClean="0"/>
-              <a:t>9/15/2024</a:t>
+              <a:t>9/18/2024</a:t>
             </a:fld>
             <a:endParaRPr lang="en-US"/>
           </a:p>
@@ -6885,7 +7151,7 @@
           <a:p>
             <a:fld id="{32637B58-87C1-446D-BDA9-B06F4BCF7782}" type="datetimeFigureOut">
               <a:rPr lang="en-US" smtClean="0"/>
-              <a:t>9/15/2024</a:t>
+              <a:t>9/18/2024</a:t>
             </a:fld>
             <a:endParaRPr lang="en-US"/>
           </a:p>
@@ -7196,7 +7462,7 @@
           <a:p>
             <a:fld id="{32637B58-87C1-446D-BDA9-B06F4BCF7782}" type="datetimeFigureOut">
               <a:rPr lang="en-US" smtClean="0"/>
-              <a:t>9/15/2024</a:t>
+              <a:t>9/18/2024</a:t>
             </a:fld>
             <a:endParaRPr lang="en-US"/>
           </a:p>
@@ -7487,7 +7753,7 @@
           <a:p>
             <a:fld id="{32637B58-87C1-446D-BDA9-B06F4BCF7782}" type="datetimeFigureOut">
               <a:rPr lang="en-US" smtClean="0"/>
-              <a:t>9/15/2024</a:t>
+              <a:t>9/18/2024</a:t>
             </a:fld>
             <a:endParaRPr lang="en-US"/>
           </a:p>
@@ -7898,7 +8164,7 @@
             <a:fld id="{32637B58-87C1-446D-BDA9-B06F4BCF7782}" type="datetimeFigureOut">
               <a:rPr lang="en-US" smtClean="0"/>
               <a:pPr/>
-              <a:t>9/15/2024</a:t>
+              <a:t>9/18/2024</a:t>
             </a:fld>
             <a:endParaRPr lang="en-US" dirty="0"/>
           </a:p>
@@ -8426,7 +8692,7 @@
           <p:nvPr/>
         </p:nvPicPr>
         <p:blipFill rotWithShape="1">
-          <a:blip r:embed="rId2">
+          <a:blip r:embed="rId3">
             <a:alphaModFix/>
           </a:blip>
           <a:srcRect/>
@@ -11202,7 +11468,15 @@
             </a:pPr>
             <a:r>
               <a:rPr lang="en-US" dirty="0"/>
-              <a:t>Our solution connects drivers traveling regularly to the same destination, creating permanent carpooling groups.</a:t>
+              <a:t>Our solution connects </a:t>
+            </a:r>
+            <a:r>
+              <a:rPr lang="en-US" u="sng" dirty="0"/>
+              <a:t>drivers</a:t>
+            </a:r>
+            <a:r>
+              <a:rPr lang="en-US" dirty="0"/>
+              <a:t> traveling regularly to the same destination, creating permanent carpooling groups.</a:t>
             </a:r>
           </a:p>
           <a:p>
